--- a/4/Chap/Chap4.pptx
+++ b/4/Chap/Chap4.pptx
@@ -5,7 +5,7 @@
     <p:sldMasterId id="2147483648" r:id="rId1"/>
   </p:sldMasterIdLst>
   <p:notesMasterIdLst>
-    <p:notesMasterId r:id="rId23"/>
+    <p:notesMasterId r:id="rId31"/>
   </p:notesMasterIdLst>
   <p:sldIdLst>
     <p:sldId id="256" r:id="rId2"/>
@@ -26,9 +26,17 @@
     <p:sldId id="275" r:id="rId17"/>
     <p:sldId id="276" r:id="rId18"/>
     <p:sldId id="278" r:id="rId19"/>
-    <p:sldId id="284" r:id="rId20"/>
-    <p:sldId id="279" r:id="rId21"/>
-    <p:sldId id="280" r:id="rId22"/>
+    <p:sldId id="286" r:id="rId20"/>
+    <p:sldId id="287" r:id="rId21"/>
+    <p:sldId id="288" r:id="rId22"/>
+    <p:sldId id="289" r:id="rId23"/>
+    <p:sldId id="290" r:id="rId24"/>
+    <p:sldId id="291" r:id="rId25"/>
+    <p:sldId id="292" r:id="rId26"/>
+    <p:sldId id="285" r:id="rId27"/>
+    <p:sldId id="284" r:id="rId28"/>
+    <p:sldId id="279" r:id="rId29"/>
+    <p:sldId id="280" r:id="rId30"/>
   </p:sldIdLst>
   <p:sldSz cx="12192000" cy="6858000"/>
   <p:notesSz cx="6858000" cy="9144000"/>
@@ -217,7 +225,7 @@
           <a:p>
             <a:fld id="{65E4F709-DC35-2D48-A4D0-50D066F38E25}" type="datetimeFigureOut">
               <a:rPr lang="en-US" smtClean="0"/>
-              <a:t>3/19/21</a:t>
+              <a:t>4/19/21</a:t>
             </a:fld>
             <a:endParaRPr lang="en-US"/>
           </a:p>
@@ -652,6 +660,510 @@
 </p:notes>
 </file>
 
+<file path=ppt/notesSlides/notesSlide3.xml><?xml version="1.0" encoding="utf-8"?>
+<p:notes xmlns:a="http://schemas.openxmlformats.org/drawingml/2006/main" xmlns:r="http://schemas.openxmlformats.org/officeDocument/2006/relationships" xmlns:p="http://schemas.openxmlformats.org/presentationml/2006/main">
+  <p:cSld>
+    <p:spTree>
+      <p:nvGrpSpPr>
+        <p:cNvPr id="1" name=""/>
+        <p:cNvGrpSpPr/>
+        <p:nvPr/>
+      </p:nvGrpSpPr>
+      <p:grpSpPr>
+        <a:xfrm>
+          <a:off x="0" y="0"/>
+          <a:ext cx="0" cy="0"/>
+          <a:chOff x="0" y="0"/>
+          <a:chExt cx="0" cy="0"/>
+        </a:xfrm>
+      </p:grpSpPr>
+      <p:sp>
+        <p:nvSpPr>
+          <p:cNvPr id="2" name="Slide Image Placeholder 1"/>
+          <p:cNvSpPr>
+            <a:spLocks noGrp="1" noRot="1" noChangeAspect="1"/>
+          </p:cNvSpPr>
+          <p:nvPr>
+            <p:ph type="sldImg"/>
+          </p:nvPr>
+        </p:nvSpPr>
+        <p:spPr/>
+      </p:sp>
+      <p:sp>
+        <p:nvSpPr>
+          <p:cNvPr id="3" name="Notes Placeholder 2"/>
+          <p:cNvSpPr>
+            <a:spLocks noGrp="1"/>
+          </p:cNvSpPr>
+          <p:nvPr>
+            <p:ph type="body" idx="1"/>
+          </p:nvPr>
+        </p:nvSpPr>
+        <p:spPr/>
+        <p:txBody>
+          <a:bodyPr/>
+          <a:lstStyle/>
+          <a:p>
+            <a:endParaRPr lang="en-US" dirty="0"/>
+          </a:p>
+        </p:txBody>
+      </p:sp>
+      <p:sp>
+        <p:nvSpPr>
+          <p:cNvPr id="4" name="Slide Number Placeholder 3"/>
+          <p:cNvSpPr>
+            <a:spLocks noGrp="1"/>
+          </p:cNvSpPr>
+          <p:nvPr>
+            <p:ph type="sldNum" sz="quarter" idx="5"/>
+          </p:nvPr>
+        </p:nvSpPr>
+        <p:spPr/>
+        <p:txBody>
+          <a:bodyPr/>
+          <a:lstStyle/>
+          <a:p>
+            <a:fld id="{41A592A3-98CC-9C43-8E9A-9B3C6F640122}" type="slidenum">
+              <a:rPr lang="en-US" smtClean="0"/>
+              <a:t>20</a:t>
+            </a:fld>
+            <a:endParaRPr lang="en-US"/>
+          </a:p>
+        </p:txBody>
+      </p:sp>
+    </p:spTree>
+    <p:extLst>
+      <p:ext uri="{BB962C8B-B14F-4D97-AF65-F5344CB8AC3E}">
+        <p14:creationId xmlns:p14="http://schemas.microsoft.com/office/powerpoint/2010/main" val="2960185110"/>
+      </p:ext>
+    </p:extLst>
+  </p:cSld>
+  <p:clrMapOvr>
+    <a:masterClrMapping/>
+  </p:clrMapOvr>
+</p:notes>
+</file>
+
+<file path=ppt/notesSlides/notesSlide4.xml><?xml version="1.0" encoding="utf-8"?>
+<p:notes xmlns:a="http://schemas.openxmlformats.org/drawingml/2006/main" xmlns:r="http://schemas.openxmlformats.org/officeDocument/2006/relationships" xmlns:p="http://schemas.openxmlformats.org/presentationml/2006/main">
+  <p:cSld>
+    <p:spTree>
+      <p:nvGrpSpPr>
+        <p:cNvPr id="1" name=""/>
+        <p:cNvGrpSpPr/>
+        <p:nvPr/>
+      </p:nvGrpSpPr>
+      <p:grpSpPr>
+        <a:xfrm>
+          <a:off x="0" y="0"/>
+          <a:ext cx="0" cy="0"/>
+          <a:chOff x="0" y="0"/>
+          <a:chExt cx="0" cy="0"/>
+        </a:xfrm>
+      </p:grpSpPr>
+      <p:sp>
+        <p:nvSpPr>
+          <p:cNvPr id="2" name="Slide Image Placeholder 1"/>
+          <p:cNvSpPr>
+            <a:spLocks noGrp="1" noRot="1" noChangeAspect="1"/>
+          </p:cNvSpPr>
+          <p:nvPr>
+            <p:ph type="sldImg"/>
+          </p:nvPr>
+        </p:nvSpPr>
+        <p:spPr/>
+      </p:sp>
+      <p:sp>
+        <p:nvSpPr>
+          <p:cNvPr id="3" name="Notes Placeholder 2"/>
+          <p:cNvSpPr>
+            <a:spLocks noGrp="1"/>
+          </p:cNvSpPr>
+          <p:nvPr>
+            <p:ph type="body" idx="1"/>
+          </p:nvPr>
+        </p:nvSpPr>
+        <p:spPr/>
+        <p:txBody>
+          <a:bodyPr/>
+          <a:lstStyle/>
+          <a:p>
+            <a:endParaRPr lang="en-US" dirty="0"/>
+          </a:p>
+        </p:txBody>
+      </p:sp>
+      <p:sp>
+        <p:nvSpPr>
+          <p:cNvPr id="4" name="Slide Number Placeholder 3"/>
+          <p:cNvSpPr>
+            <a:spLocks noGrp="1"/>
+          </p:cNvSpPr>
+          <p:nvPr>
+            <p:ph type="sldNum" sz="quarter" idx="5"/>
+          </p:nvPr>
+        </p:nvSpPr>
+        <p:spPr/>
+        <p:txBody>
+          <a:bodyPr/>
+          <a:lstStyle/>
+          <a:p>
+            <a:fld id="{41A592A3-98CC-9C43-8E9A-9B3C6F640122}" type="slidenum">
+              <a:rPr lang="en-US" smtClean="0"/>
+              <a:t>21</a:t>
+            </a:fld>
+            <a:endParaRPr lang="en-US"/>
+          </a:p>
+        </p:txBody>
+      </p:sp>
+    </p:spTree>
+    <p:extLst>
+      <p:ext uri="{BB962C8B-B14F-4D97-AF65-F5344CB8AC3E}">
+        <p14:creationId xmlns:p14="http://schemas.microsoft.com/office/powerpoint/2010/main" val="2044195112"/>
+      </p:ext>
+    </p:extLst>
+  </p:cSld>
+  <p:clrMapOvr>
+    <a:masterClrMapping/>
+  </p:clrMapOvr>
+</p:notes>
+</file>
+
+<file path=ppt/notesSlides/notesSlide5.xml><?xml version="1.0" encoding="utf-8"?>
+<p:notes xmlns:a="http://schemas.openxmlformats.org/drawingml/2006/main" xmlns:r="http://schemas.openxmlformats.org/officeDocument/2006/relationships" xmlns:p="http://schemas.openxmlformats.org/presentationml/2006/main">
+  <p:cSld>
+    <p:spTree>
+      <p:nvGrpSpPr>
+        <p:cNvPr id="1" name=""/>
+        <p:cNvGrpSpPr/>
+        <p:nvPr/>
+      </p:nvGrpSpPr>
+      <p:grpSpPr>
+        <a:xfrm>
+          <a:off x="0" y="0"/>
+          <a:ext cx="0" cy="0"/>
+          <a:chOff x="0" y="0"/>
+          <a:chExt cx="0" cy="0"/>
+        </a:xfrm>
+      </p:grpSpPr>
+      <p:sp>
+        <p:nvSpPr>
+          <p:cNvPr id="2" name="Slide Image Placeholder 1"/>
+          <p:cNvSpPr>
+            <a:spLocks noGrp="1" noRot="1" noChangeAspect="1"/>
+          </p:cNvSpPr>
+          <p:nvPr>
+            <p:ph type="sldImg"/>
+          </p:nvPr>
+        </p:nvSpPr>
+        <p:spPr/>
+      </p:sp>
+      <p:sp>
+        <p:nvSpPr>
+          <p:cNvPr id="3" name="Notes Placeholder 2"/>
+          <p:cNvSpPr>
+            <a:spLocks noGrp="1"/>
+          </p:cNvSpPr>
+          <p:nvPr>
+            <p:ph type="body" idx="1"/>
+          </p:nvPr>
+        </p:nvSpPr>
+        <p:spPr/>
+        <p:txBody>
+          <a:bodyPr/>
+          <a:lstStyle/>
+          <a:p>
+            <a:endParaRPr lang="en-US" dirty="0"/>
+          </a:p>
+        </p:txBody>
+      </p:sp>
+      <p:sp>
+        <p:nvSpPr>
+          <p:cNvPr id="4" name="Slide Number Placeholder 3"/>
+          <p:cNvSpPr>
+            <a:spLocks noGrp="1"/>
+          </p:cNvSpPr>
+          <p:nvPr>
+            <p:ph type="sldNum" sz="quarter" idx="5"/>
+          </p:nvPr>
+        </p:nvSpPr>
+        <p:spPr/>
+        <p:txBody>
+          <a:bodyPr/>
+          <a:lstStyle/>
+          <a:p>
+            <a:fld id="{41A592A3-98CC-9C43-8E9A-9B3C6F640122}" type="slidenum">
+              <a:rPr lang="en-US" smtClean="0"/>
+              <a:t>22</a:t>
+            </a:fld>
+            <a:endParaRPr lang="en-US"/>
+          </a:p>
+        </p:txBody>
+      </p:sp>
+    </p:spTree>
+    <p:extLst>
+      <p:ext uri="{BB962C8B-B14F-4D97-AF65-F5344CB8AC3E}">
+        <p14:creationId xmlns:p14="http://schemas.microsoft.com/office/powerpoint/2010/main" val="1052519248"/>
+      </p:ext>
+    </p:extLst>
+  </p:cSld>
+  <p:clrMapOvr>
+    <a:masterClrMapping/>
+  </p:clrMapOvr>
+</p:notes>
+</file>
+
+<file path=ppt/notesSlides/notesSlide6.xml><?xml version="1.0" encoding="utf-8"?>
+<p:notes xmlns:a="http://schemas.openxmlformats.org/drawingml/2006/main" xmlns:r="http://schemas.openxmlformats.org/officeDocument/2006/relationships" xmlns:p="http://schemas.openxmlformats.org/presentationml/2006/main">
+  <p:cSld>
+    <p:spTree>
+      <p:nvGrpSpPr>
+        <p:cNvPr id="1" name=""/>
+        <p:cNvGrpSpPr/>
+        <p:nvPr/>
+      </p:nvGrpSpPr>
+      <p:grpSpPr>
+        <a:xfrm>
+          <a:off x="0" y="0"/>
+          <a:ext cx="0" cy="0"/>
+          <a:chOff x="0" y="0"/>
+          <a:chExt cx="0" cy="0"/>
+        </a:xfrm>
+      </p:grpSpPr>
+      <p:sp>
+        <p:nvSpPr>
+          <p:cNvPr id="2" name="Slide Image Placeholder 1"/>
+          <p:cNvSpPr>
+            <a:spLocks noGrp="1" noRot="1" noChangeAspect="1"/>
+          </p:cNvSpPr>
+          <p:nvPr>
+            <p:ph type="sldImg"/>
+          </p:nvPr>
+        </p:nvSpPr>
+        <p:spPr/>
+      </p:sp>
+      <p:sp>
+        <p:nvSpPr>
+          <p:cNvPr id="3" name="Notes Placeholder 2"/>
+          <p:cNvSpPr>
+            <a:spLocks noGrp="1"/>
+          </p:cNvSpPr>
+          <p:nvPr>
+            <p:ph type="body" idx="1"/>
+          </p:nvPr>
+        </p:nvSpPr>
+        <p:spPr/>
+        <p:txBody>
+          <a:bodyPr/>
+          <a:lstStyle/>
+          <a:p>
+            <a:endParaRPr lang="en-US" dirty="0"/>
+          </a:p>
+        </p:txBody>
+      </p:sp>
+      <p:sp>
+        <p:nvSpPr>
+          <p:cNvPr id="4" name="Slide Number Placeholder 3"/>
+          <p:cNvSpPr>
+            <a:spLocks noGrp="1"/>
+          </p:cNvSpPr>
+          <p:nvPr>
+            <p:ph type="sldNum" sz="quarter" idx="5"/>
+          </p:nvPr>
+        </p:nvSpPr>
+        <p:spPr/>
+        <p:txBody>
+          <a:bodyPr/>
+          <a:lstStyle/>
+          <a:p>
+            <a:fld id="{41A592A3-98CC-9C43-8E9A-9B3C6F640122}" type="slidenum">
+              <a:rPr lang="en-US" smtClean="0"/>
+              <a:t>23</a:t>
+            </a:fld>
+            <a:endParaRPr lang="en-US"/>
+          </a:p>
+        </p:txBody>
+      </p:sp>
+    </p:spTree>
+    <p:extLst>
+      <p:ext uri="{BB962C8B-B14F-4D97-AF65-F5344CB8AC3E}">
+        <p14:creationId xmlns:p14="http://schemas.microsoft.com/office/powerpoint/2010/main" val="1984724485"/>
+      </p:ext>
+    </p:extLst>
+  </p:cSld>
+  <p:clrMapOvr>
+    <a:masterClrMapping/>
+  </p:clrMapOvr>
+</p:notes>
+</file>
+
+<file path=ppt/notesSlides/notesSlide7.xml><?xml version="1.0" encoding="utf-8"?>
+<p:notes xmlns:a="http://schemas.openxmlformats.org/drawingml/2006/main" xmlns:r="http://schemas.openxmlformats.org/officeDocument/2006/relationships" xmlns:p="http://schemas.openxmlformats.org/presentationml/2006/main">
+  <p:cSld>
+    <p:spTree>
+      <p:nvGrpSpPr>
+        <p:cNvPr id="1" name=""/>
+        <p:cNvGrpSpPr/>
+        <p:nvPr/>
+      </p:nvGrpSpPr>
+      <p:grpSpPr>
+        <a:xfrm>
+          <a:off x="0" y="0"/>
+          <a:ext cx="0" cy="0"/>
+          <a:chOff x="0" y="0"/>
+          <a:chExt cx="0" cy="0"/>
+        </a:xfrm>
+      </p:grpSpPr>
+      <p:sp>
+        <p:nvSpPr>
+          <p:cNvPr id="2" name="Slide Image Placeholder 1"/>
+          <p:cNvSpPr>
+            <a:spLocks noGrp="1" noRot="1" noChangeAspect="1"/>
+          </p:cNvSpPr>
+          <p:nvPr>
+            <p:ph type="sldImg"/>
+          </p:nvPr>
+        </p:nvSpPr>
+        <p:spPr/>
+      </p:sp>
+      <p:sp>
+        <p:nvSpPr>
+          <p:cNvPr id="3" name="Notes Placeholder 2"/>
+          <p:cNvSpPr>
+            <a:spLocks noGrp="1"/>
+          </p:cNvSpPr>
+          <p:nvPr>
+            <p:ph type="body" idx="1"/>
+          </p:nvPr>
+        </p:nvSpPr>
+        <p:spPr/>
+        <p:txBody>
+          <a:bodyPr/>
+          <a:lstStyle/>
+          <a:p>
+            <a:endParaRPr lang="en-US" dirty="0"/>
+          </a:p>
+        </p:txBody>
+      </p:sp>
+      <p:sp>
+        <p:nvSpPr>
+          <p:cNvPr id="4" name="Slide Number Placeholder 3"/>
+          <p:cNvSpPr>
+            <a:spLocks noGrp="1"/>
+          </p:cNvSpPr>
+          <p:nvPr>
+            <p:ph type="sldNum" sz="quarter" idx="5"/>
+          </p:nvPr>
+        </p:nvSpPr>
+        <p:spPr/>
+        <p:txBody>
+          <a:bodyPr/>
+          <a:lstStyle/>
+          <a:p>
+            <a:fld id="{41A592A3-98CC-9C43-8E9A-9B3C6F640122}" type="slidenum">
+              <a:rPr lang="en-US" smtClean="0"/>
+              <a:t>24</a:t>
+            </a:fld>
+            <a:endParaRPr lang="en-US"/>
+          </a:p>
+        </p:txBody>
+      </p:sp>
+    </p:spTree>
+    <p:extLst>
+      <p:ext uri="{BB962C8B-B14F-4D97-AF65-F5344CB8AC3E}">
+        <p14:creationId xmlns:p14="http://schemas.microsoft.com/office/powerpoint/2010/main" val="838511736"/>
+      </p:ext>
+    </p:extLst>
+  </p:cSld>
+  <p:clrMapOvr>
+    <a:masterClrMapping/>
+  </p:clrMapOvr>
+</p:notes>
+</file>
+
+<file path=ppt/notesSlides/notesSlide8.xml><?xml version="1.0" encoding="utf-8"?>
+<p:notes xmlns:a="http://schemas.openxmlformats.org/drawingml/2006/main" xmlns:r="http://schemas.openxmlformats.org/officeDocument/2006/relationships" xmlns:p="http://schemas.openxmlformats.org/presentationml/2006/main">
+  <p:cSld>
+    <p:spTree>
+      <p:nvGrpSpPr>
+        <p:cNvPr id="1" name=""/>
+        <p:cNvGrpSpPr/>
+        <p:nvPr/>
+      </p:nvGrpSpPr>
+      <p:grpSpPr>
+        <a:xfrm>
+          <a:off x="0" y="0"/>
+          <a:ext cx="0" cy="0"/>
+          <a:chOff x="0" y="0"/>
+          <a:chExt cx="0" cy="0"/>
+        </a:xfrm>
+      </p:grpSpPr>
+      <p:sp>
+        <p:nvSpPr>
+          <p:cNvPr id="2" name="Slide Image Placeholder 1"/>
+          <p:cNvSpPr>
+            <a:spLocks noGrp="1" noRot="1" noChangeAspect="1"/>
+          </p:cNvSpPr>
+          <p:nvPr>
+            <p:ph type="sldImg"/>
+          </p:nvPr>
+        </p:nvSpPr>
+        <p:spPr/>
+      </p:sp>
+      <p:sp>
+        <p:nvSpPr>
+          <p:cNvPr id="3" name="Notes Placeholder 2"/>
+          <p:cNvSpPr>
+            <a:spLocks noGrp="1"/>
+          </p:cNvSpPr>
+          <p:nvPr>
+            <p:ph type="body" idx="1"/>
+          </p:nvPr>
+        </p:nvSpPr>
+        <p:spPr/>
+        <p:txBody>
+          <a:bodyPr/>
+          <a:lstStyle/>
+          <a:p>
+            <a:endParaRPr lang="en-US" dirty="0"/>
+          </a:p>
+        </p:txBody>
+      </p:sp>
+      <p:sp>
+        <p:nvSpPr>
+          <p:cNvPr id="4" name="Slide Number Placeholder 3"/>
+          <p:cNvSpPr>
+            <a:spLocks noGrp="1"/>
+          </p:cNvSpPr>
+          <p:nvPr>
+            <p:ph type="sldNum" sz="quarter" idx="5"/>
+          </p:nvPr>
+        </p:nvSpPr>
+        <p:spPr/>
+        <p:txBody>
+          <a:bodyPr/>
+          <a:lstStyle/>
+          <a:p>
+            <a:fld id="{41A592A3-98CC-9C43-8E9A-9B3C6F640122}" type="slidenum">
+              <a:rPr lang="en-US" smtClean="0"/>
+              <a:t>25</a:t>
+            </a:fld>
+            <a:endParaRPr lang="en-US"/>
+          </a:p>
+        </p:txBody>
+      </p:sp>
+    </p:spTree>
+    <p:extLst>
+      <p:ext uri="{BB962C8B-B14F-4D97-AF65-F5344CB8AC3E}">
+        <p14:creationId xmlns:p14="http://schemas.microsoft.com/office/powerpoint/2010/main" val="3424790694"/>
+      </p:ext>
+    </p:extLst>
+  </p:cSld>
+  <p:clrMapOvr>
+    <a:masterClrMapping/>
+  </p:clrMapOvr>
+</p:notes>
+</file>
+
 <file path=ppt/slideLayouts/slideLayout1.xml><?xml version="1.0" encoding="utf-8"?>
 <p:sldLayout xmlns:a="http://schemas.openxmlformats.org/drawingml/2006/main" xmlns:r="http://schemas.openxmlformats.org/officeDocument/2006/relationships" xmlns:p="http://schemas.openxmlformats.org/presentationml/2006/main" type="title" preserve="1">
   <p:cSld name="Title Slide">
@@ -799,7 +1311,7 @@
           <a:p>
             <a:fld id="{4EEA5096-F719-D641-BA30-B4B1F3D37818}" type="datetimeFigureOut">
               <a:rPr lang="en-US" smtClean="0"/>
-              <a:t>3/19/21</a:t>
+              <a:t>4/19/21</a:t>
             </a:fld>
             <a:endParaRPr lang="en-US"/>
           </a:p>
@@ -997,7 +1509,7 @@
           <a:p>
             <a:fld id="{4EEA5096-F719-D641-BA30-B4B1F3D37818}" type="datetimeFigureOut">
               <a:rPr lang="en-US" smtClean="0"/>
-              <a:t>3/19/21</a:t>
+              <a:t>4/19/21</a:t>
             </a:fld>
             <a:endParaRPr lang="en-US"/>
           </a:p>
@@ -1205,7 +1717,7 @@
           <a:p>
             <a:fld id="{4EEA5096-F719-D641-BA30-B4B1F3D37818}" type="datetimeFigureOut">
               <a:rPr lang="en-US" smtClean="0"/>
-              <a:t>3/19/21</a:t>
+              <a:t>4/19/21</a:t>
             </a:fld>
             <a:endParaRPr lang="en-US"/>
           </a:p>
@@ -1403,7 +1915,7 @@
           <a:p>
             <a:fld id="{4EEA5096-F719-D641-BA30-B4B1F3D37818}" type="datetimeFigureOut">
               <a:rPr lang="en-US" smtClean="0"/>
-              <a:t>3/19/21</a:t>
+              <a:t>4/19/21</a:t>
             </a:fld>
             <a:endParaRPr lang="en-US"/>
           </a:p>
@@ -1678,7 +2190,7 @@
           <a:p>
             <a:fld id="{4EEA5096-F719-D641-BA30-B4B1F3D37818}" type="datetimeFigureOut">
               <a:rPr lang="en-US" smtClean="0"/>
-              <a:t>3/19/21</a:t>
+              <a:t>4/19/21</a:t>
             </a:fld>
             <a:endParaRPr lang="en-US"/>
           </a:p>
@@ -1943,7 +2455,7 @@
           <a:p>
             <a:fld id="{4EEA5096-F719-D641-BA30-B4B1F3D37818}" type="datetimeFigureOut">
               <a:rPr lang="en-US" smtClean="0"/>
-              <a:t>3/19/21</a:t>
+              <a:t>4/19/21</a:t>
             </a:fld>
             <a:endParaRPr lang="en-US"/>
           </a:p>
@@ -2355,7 +2867,7 @@
           <a:p>
             <a:fld id="{4EEA5096-F719-D641-BA30-B4B1F3D37818}" type="datetimeFigureOut">
               <a:rPr lang="en-US" smtClean="0"/>
-              <a:t>3/19/21</a:t>
+              <a:t>4/19/21</a:t>
             </a:fld>
             <a:endParaRPr lang="en-US"/>
           </a:p>
@@ -2496,7 +3008,7 @@
           <a:p>
             <a:fld id="{4EEA5096-F719-D641-BA30-B4B1F3D37818}" type="datetimeFigureOut">
               <a:rPr lang="en-US" smtClean="0"/>
-              <a:t>3/19/21</a:t>
+              <a:t>4/19/21</a:t>
             </a:fld>
             <a:endParaRPr lang="en-US"/>
           </a:p>
@@ -2609,7 +3121,7 @@
           <a:p>
             <a:fld id="{4EEA5096-F719-D641-BA30-B4B1F3D37818}" type="datetimeFigureOut">
               <a:rPr lang="en-US" smtClean="0"/>
-              <a:t>3/19/21</a:t>
+              <a:t>4/19/21</a:t>
             </a:fld>
             <a:endParaRPr lang="en-US"/>
           </a:p>
@@ -2920,7 +3432,7 @@
           <a:p>
             <a:fld id="{4EEA5096-F719-D641-BA30-B4B1F3D37818}" type="datetimeFigureOut">
               <a:rPr lang="en-US" smtClean="0"/>
-              <a:t>3/19/21</a:t>
+              <a:t>4/19/21</a:t>
             </a:fld>
             <a:endParaRPr lang="en-US"/>
           </a:p>
@@ -3208,7 +3720,7 @@
           <a:p>
             <a:fld id="{4EEA5096-F719-D641-BA30-B4B1F3D37818}" type="datetimeFigureOut">
               <a:rPr lang="en-US" smtClean="0"/>
-              <a:t>3/19/21</a:t>
+              <a:t>4/19/21</a:t>
             </a:fld>
             <a:endParaRPr lang="en-US"/>
           </a:p>
@@ -3449,7 +3961,7 @@
           <a:p>
             <a:fld id="{4EEA5096-F719-D641-BA30-B4B1F3D37818}" type="datetimeFigureOut">
               <a:rPr lang="en-US" smtClean="0"/>
-              <a:t>3/19/21</a:t>
+              <a:t>4/19/21</a:t>
             </a:fld>
             <a:endParaRPr lang="en-US"/>
           </a:p>
@@ -9490,8 +10002,8 @@
           </a:p>
         </p:txBody>
       </p:sp>
-      <mc:AlternateContent xmlns:mc="http://schemas.openxmlformats.org/markup-compatibility/2006">
-        <mc:Choice xmlns:a14="http://schemas.microsoft.com/office/drawing/2010/main" Requires="a14">
+      <mc:AlternateContent xmlns:mc="http://schemas.openxmlformats.org/markup-compatibility/2006" xmlns:a14="http://schemas.microsoft.com/office/drawing/2010/main">
+        <mc:Choice Requires="a14">
           <p:sp>
             <p:nvSpPr>
               <p:cNvPr id="3" name="Content Placeholder 2">
@@ -9831,7 +10343,7 @@
             </p:txBody>
           </p:sp>
         </mc:Choice>
-        <mc:Fallback>
+        <mc:Fallback xmlns="">
           <p:sp>
             <p:nvSpPr>
               <p:cNvPr id="3" name="Content Placeholder 2">
@@ -11261,12 +11773,15 @@
                 <a:latin typeface="IRTitr" panose="02000506000000020002" pitchFamily="2" charset="-78"/>
                 <a:cs typeface="IRTitr" panose="02000506000000020002" pitchFamily="2" charset="-78"/>
               </a:rPr>
-              <a:t>عملیات حذف</a:t>
-            </a:r>
-            <a:endParaRPr lang="en-US" dirty="0">
-              <a:latin typeface="IRTitr" panose="02000506000000020002" pitchFamily="2" charset="-78"/>
-              <a:cs typeface="IRTitr" panose="02000506000000020002" pitchFamily="2" charset="-78"/>
-            </a:endParaRPr>
+              <a:t>عملیات درج و حذف</a:t>
+            </a:r>
+            <a:r>
+              <a:rPr lang="en-US" dirty="0">
+                <a:latin typeface="IRTitr" panose="02000506000000020002" pitchFamily="2" charset="-78"/>
+                <a:cs typeface="IRTitr" panose="02000506000000020002" pitchFamily="2" charset="-78"/>
+              </a:rPr>
+              <a:t> </a:t>
+            </a:r>
           </a:p>
         </p:txBody>
       </p:sp>
@@ -11288,8 +11803,8 @@
         </p:nvSpPr>
         <p:spPr>
           <a:xfrm>
-            <a:off x="7998372" y="1825625"/>
-            <a:ext cx="3355428" cy="4351338"/>
+            <a:off x="7010400" y="1825625"/>
+            <a:ext cx="4343400" cy="3929995"/>
           </a:xfrm>
         </p:spPr>
         <p:txBody>
@@ -11298,7 +11813,10 @@
           </a:bodyPr>
           <a:lstStyle/>
           <a:p>
-            <a:pPr marL="0" indent="0" algn="just" rtl="1">
+            <a:pPr marL="0" indent="0" algn="r" rtl="1">
+              <a:lnSpc>
+                <a:spcPct val="100000"/>
+              </a:lnSpc>
               <a:buNone/>
             </a:pPr>
             <a:r>
@@ -11306,8 +11824,16 @@
                 <a:latin typeface="IRRoya" panose="02000503000000020002" pitchFamily="2" charset="-78"/>
                 <a:cs typeface="IRRoya" panose="02000503000000020002" pitchFamily="2" charset="-78"/>
               </a:rPr>
-              <a:t>در هر دو روش حذف و درج به ترتیب از جملات </a:t>
-            </a:r>
+              <a:t>در هر دو روش حذف و درج به ترتیب از جملات</a:t>
+            </a:r>
+          </a:p>
+          <a:p>
+            <a:pPr marL="0" indent="0">
+              <a:lnSpc>
+                <a:spcPct val="100000"/>
+              </a:lnSpc>
+              <a:buNone/>
+            </a:pPr>
             <a:r>
               <a:rPr lang="en-US" sz="1600" dirty="0">
                 <a:solidFill>
@@ -11318,40 +11844,53 @@
               </a:rPr>
               <a:t>front=front+1 (mod n)</a:t>
             </a:r>
-            <a:r>
-              <a:rPr lang="fa-IR" sz="1800" dirty="0">
+            <a:endParaRPr lang="fa-IR" sz="1800" dirty="0">
+              <a:latin typeface="IRRoya" panose="02000503000000020002" pitchFamily="2" charset="-78"/>
+              <a:cs typeface="IRRoya" panose="02000503000000020002" pitchFamily="2" charset="-78"/>
+            </a:endParaRPr>
+          </a:p>
+          <a:p>
+            <a:pPr marL="0" indent="0">
+              <a:lnSpc>
+                <a:spcPct val="100000"/>
+              </a:lnSpc>
+              <a:buNone/>
+            </a:pPr>
+            <a:r>
+              <a:rPr lang="en-US" sz="1600" dirty="0">
+                <a:solidFill>
+                  <a:srgbClr val="0070C0"/>
+                </a:solidFill>
+                <a:latin typeface="Courier" pitchFamily="2" charset="0"/>
+                <a:cs typeface="IRRoya" panose="02000503000000020002" pitchFamily="2" charset="-78"/>
+              </a:rPr>
+              <a:t>rear =rear +1 (mod n)</a:t>
+            </a:r>
+            <a:r>
+              <a:rPr lang="en-US" sz="1800" dirty="0">
+                <a:solidFill>
+                  <a:srgbClr val="0070C0"/>
+                </a:solidFill>
                 <a:latin typeface="IRRoya" panose="02000503000000020002" pitchFamily="2" charset="-78"/>
                 <a:cs typeface="IRRoya" panose="02000503000000020002" pitchFamily="2" charset="-78"/>
               </a:rPr>
-              <a:t> و</a:t>
-            </a:r>
-            <a:r>
-              <a:rPr lang="en-US" sz="1800" dirty="0">
-                <a:latin typeface="IRRoya" panose="02000503000000020002" pitchFamily="2" charset="-78"/>
-                <a:cs typeface="IRRoya" panose="02000503000000020002" pitchFamily="2" charset="-78"/>
-              </a:rPr>
               <a:t> </a:t>
             </a:r>
-            <a:r>
-              <a:rPr lang="en-US" sz="1600" dirty="0">
-                <a:solidFill>
-                  <a:srgbClr val="0070C0"/>
-                </a:solidFill>
-                <a:latin typeface="Courier" pitchFamily="2" charset="0"/>
-                <a:cs typeface="IRRoya" panose="02000503000000020002" pitchFamily="2" charset="-78"/>
-              </a:rPr>
-              <a:t>rear=rear+1 (mod n)</a:t>
-            </a:r>
-            <a:r>
-              <a:rPr lang="en-US" sz="1800" dirty="0">
-                <a:solidFill>
-                  <a:srgbClr val="0070C0"/>
-                </a:solidFill>
-                <a:latin typeface="IRRoya" panose="02000503000000020002" pitchFamily="2" charset="-78"/>
-                <a:cs typeface="IRRoya" panose="02000503000000020002" pitchFamily="2" charset="-78"/>
-              </a:rPr>
-              <a:t> </a:t>
-            </a:r>
+            <a:endParaRPr lang="fa-IR" sz="1800" dirty="0">
+              <a:solidFill>
+                <a:srgbClr val="0070C0"/>
+              </a:solidFill>
+              <a:latin typeface="IRRoya" panose="02000503000000020002" pitchFamily="2" charset="-78"/>
+              <a:cs typeface="IRRoya" panose="02000503000000020002" pitchFamily="2" charset="-78"/>
+            </a:endParaRPr>
+          </a:p>
+          <a:p>
+            <a:pPr marL="0" indent="0" algn="r" rtl="1">
+              <a:lnSpc>
+                <a:spcPct val="100000"/>
+              </a:lnSpc>
+              <a:buNone/>
+            </a:pPr>
             <a:r>
               <a:rPr lang="fa-IR" sz="1800" dirty="0">
                 <a:latin typeface="IRRoya" panose="02000503000000020002" pitchFamily="2" charset="-78"/>
@@ -12198,7 +12737,7 @@
                 <a:latin typeface="IRTitr" panose="02000506000000020002" pitchFamily="2" charset="-78"/>
                 <a:cs typeface="IRTitr" panose="02000506000000020002" pitchFamily="2" charset="-78"/>
               </a:rPr>
-              <a:t>وضعیت خانه های یک صف</a:t>
+              <a:t>مثال: درج و حذف</a:t>
             </a:r>
             <a:endParaRPr lang="en-US" dirty="0">
               <a:latin typeface="IRTitr" panose="02000506000000020002" pitchFamily="2" charset="-78"/>
@@ -12207,8 +12746,7126 @@
           </a:p>
         </p:txBody>
       </p:sp>
-      <mc:AlternateContent xmlns:mc="http://schemas.openxmlformats.org/markup-compatibility/2006">
-        <mc:Choice xmlns:a14="http://schemas.microsoft.com/office/drawing/2010/main" Requires="a14">
+      <p:sp>
+        <p:nvSpPr>
+          <p:cNvPr id="3" name="Content Placeholder 2">
+            <a:extLst>
+              <a:ext uri="{FF2B5EF4-FFF2-40B4-BE49-F238E27FC236}">
+                <a16:creationId xmlns:a16="http://schemas.microsoft.com/office/drawing/2014/main" id="{990EA250-150E-7946-BCA2-C547DA2871A5}"/>
+              </a:ext>
+            </a:extLst>
+          </p:cNvPr>
+          <p:cNvSpPr>
+            <a:spLocks noGrp="1"/>
+          </p:cNvSpPr>
+          <p:nvPr>
+            <p:ph idx="1"/>
+          </p:nvPr>
+        </p:nvSpPr>
+        <p:spPr/>
+        <p:txBody>
+          <a:bodyPr/>
+          <a:lstStyle/>
+          <a:p>
+            <a:pPr marL="0" indent="0" algn="r" defTabSz="914400" rtl="1" eaLnBrk="1" latinLnBrk="0" hangingPunct="1">
+              <a:lnSpc>
+                <a:spcPct val="90000"/>
+              </a:lnSpc>
+              <a:spcBef>
+                <a:spcPts val="1000"/>
+              </a:spcBef>
+              <a:buNone/>
+            </a:pPr>
+            <a:r>
+              <a:rPr lang="fa-IR" dirty="0">
+                <a:latin typeface="IRMitra" panose="02000506000000020002" pitchFamily="2" charset="-78"/>
+                <a:cs typeface="IRMitra" panose="02000506000000020002" pitchFamily="2" charset="-78"/>
+              </a:rPr>
+              <a:t>برای مثال میخواهیم </a:t>
+            </a:r>
+            <a:r>
+              <a:rPr lang="fa-IR" b="1" dirty="0">
+                <a:latin typeface="IRMitra" panose="02000506000000020002" pitchFamily="2" charset="-78"/>
+                <a:cs typeface="IRMitra" panose="02000506000000020002" pitchFamily="2" charset="-78"/>
+              </a:rPr>
+              <a:t>۷۰</a:t>
+            </a:r>
+            <a:r>
+              <a:rPr lang="fa-IR" dirty="0">
+                <a:latin typeface="IRMitra" panose="02000506000000020002" pitchFamily="2" charset="-78"/>
+                <a:cs typeface="IRMitra" panose="02000506000000020002" pitchFamily="2" charset="-78"/>
+              </a:rPr>
+              <a:t> را در این لیست درج کنیم.</a:t>
+            </a:r>
+            <a:endParaRPr lang="en-US" dirty="0">
+              <a:latin typeface="IRMitra" panose="02000506000000020002" pitchFamily="2" charset="-78"/>
+              <a:cs typeface="IRMitra" panose="02000506000000020002" pitchFamily="2" charset="-78"/>
+            </a:endParaRPr>
+          </a:p>
+        </p:txBody>
+      </p:sp>
+      <p:pic>
+        <p:nvPicPr>
+          <p:cNvPr id="4" name="Picture 2">
+            <a:extLst>
+              <a:ext uri="{FF2B5EF4-FFF2-40B4-BE49-F238E27FC236}">
+                <a16:creationId xmlns:a16="http://schemas.microsoft.com/office/drawing/2014/main" id="{83F77C4F-0C41-BE4D-8F07-206F8EB96DD0}"/>
+              </a:ext>
+            </a:extLst>
+          </p:cNvPr>
+          <p:cNvPicPr>
+            <a:picLocks noChangeAspect="1" noChangeArrowheads="1"/>
+          </p:cNvPicPr>
+          <p:nvPr/>
+        </p:nvPicPr>
+        <p:blipFill>
+          <a:blip r:embed="rId2">
+            <a:extLst>
+              <a:ext uri="{28A0092B-C50C-407E-A947-70E740481C1C}">
+                <a14:useLocalDpi xmlns:a14="http://schemas.microsoft.com/office/drawing/2010/main" val="0"/>
+              </a:ext>
+            </a:extLst>
+          </a:blip>
+          <a:srcRect/>
+          <a:stretch>
+            <a:fillRect/>
+          </a:stretch>
+        </p:blipFill>
+        <p:spPr bwMode="auto">
+          <a:xfrm>
+            <a:off x="5175726" y="3429000"/>
+            <a:ext cx="1840547" cy="1867347"/>
+          </a:xfrm>
+          <a:prstGeom prst="rect">
+            <a:avLst/>
+          </a:prstGeom>
+          <a:noFill/>
+          <a:extLst>
+            <a:ext uri="{909E8E84-426E-40DD-AFC4-6F175D3DCCD1}">
+              <a14:hiddenFill xmlns:a14="http://schemas.microsoft.com/office/drawing/2010/main">
+                <a:solidFill>
+                  <a:srgbClr val="FFFFFF"/>
+                </a:solidFill>
+              </a14:hiddenFill>
+            </a:ext>
+          </a:extLst>
+        </p:spPr>
+      </p:pic>
+      <p:sp>
+        <p:nvSpPr>
+          <p:cNvPr id="5" name="TextBox 4">
+            <a:extLst>
+              <a:ext uri="{FF2B5EF4-FFF2-40B4-BE49-F238E27FC236}">
+                <a16:creationId xmlns:a16="http://schemas.microsoft.com/office/drawing/2014/main" id="{8A839602-E698-2747-8795-CB6D26EA696E}"/>
+              </a:ext>
+            </a:extLst>
+          </p:cNvPr>
+          <p:cNvSpPr txBox="1"/>
+          <p:nvPr/>
+        </p:nvSpPr>
+        <p:spPr>
+          <a:xfrm>
+            <a:off x="5656162" y="4693277"/>
+            <a:ext cx="431529" cy="338554"/>
+          </a:xfrm>
+          <a:prstGeom prst="rect">
+            <a:avLst/>
+          </a:prstGeom>
+          <a:noFill/>
+        </p:spPr>
+        <p:txBody>
+          <a:bodyPr wrap="none" rtlCol="0">
+            <a:spAutoFit/>
+          </a:bodyPr>
+          <a:lstStyle/>
+          <a:p>
+            <a:pPr marL="0" algn="r" defTabSz="914400" rtl="1" eaLnBrk="1" latinLnBrk="0" hangingPunct="1"/>
+            <a:r>
+              <a:rPr lang="en-US" sz="1600" dirty="0">
+                <a:latin typeface="Courier" pitchFamily="2" charset="0"/>
+              </a:rPr>
+              <a:t>40</a:t>
+            </a:r>
+          </a:p>
+        </p:txBody>
+      </p:sp>
+      <p:sp>
+        <p:nvSpPr>
+          <p:cNvPr id="6" name="TextBox 5">
+            <a:extLst>
+              <a:ext uri="{FF2B5EF4-FFF2-40B4-BE49-F238E27FC236}">
+                <a16:creationId xmlns:a16="http://schemas.microsoft.com/office/drawing/2014/main" id="{E1E1DEC3-9A78-254E-842A-C8CB832C22BB}"/>
+              </a:ext>
+            </a:extLst>
+          </p:cNvPr>
+          <p:cNvSpPr txBox="1"/>
+          <p:nvPr/>
+        </p:nvSpPr>
+        <p:spPr>
+          <a:xfrm>
+            <a:off x="6080169" y="4717465"/>
+            <a:ext cx="431529" cy="338554"/>
+          </a:xfrm>
+          <a:prstGeom prst="rect">
+            <a:avLst/>
+          </a:prstGeom>
+          <a:noFill/>
+        </p:spPr>
+        <p:txBody>
+          <a:bodyPr wrap="none" rtlCol="0">
+            <a:spAutoFit/>
+          </a:bodyPr>
+          <a:lstStyle/>
+          <a:p>
+            <a:pPr marL="0" algn="r" defTabSz="914400" rtl="1" eaLnBrk="1" latinLnBrk="0" hangingPunct="1"/>
+            <a:r>
+              <a:rPr lang="en-US" sz="1600" dirty="0">
+                <a:latin typeface="Courier" pitchFamily="2" charset="0"/>
+              </a:rPr>
+              <a:t>30</a:t>
+            </a:r>
+          </a:p>
+        </p:txBody>
+      </p:sp>
+      <p:sp>
+        <p:nvSpPr>
+          <p:cNvPr id="7" name="TextBox 6">
+            <a:extLst>
+              <a:ext uri="{FF2B5EF4-FFF2-40B4-BE49-F238E27FC236}">
+                <a16:creationId xmlns:a16="http://schemas.microsoft.com/office/drawing/2014/main" id="{A94F9374-0281-A14C-9B28-EEB493B66488}"/>
+              </a:ext>
+            </a:extLst>
+          </p:cNvPr>
+          <p:cNvSpPr txBox="1"/>
+          <p:nvPr/>
+        </p:nvSpPr>
+        <p:spPr>
+          <a:xfrm>
+            <a:off x="6376502" y="4428902"/>
+            <a:ext cx="431529" cy="338554"/>
+          </a:xfrm>
+          <a:prstGeom prst="rect">
+            <a:avLst/>
+          </a:prstGeom>
+          <a:noFill/>
+        </p:spPr>
+        <p:txBody>
+          <a:bodyPr wrap="none" rtlCol="0">
+            <a:spAutoFit/>
+          </a:bodyPr>
+          <a:lstStyle/>
+          <a:p>
+            <a:pPr marL="0" algn="r" defTabSz="914400" rtl="1" eaLnBrk="1" latinLnBrk="0" hangingPunct="1"/>
+            <a:r>
+              <a:rPr lang="en-US" sz="1600" dirty="0">
+                <a:latin typeface="Courier" pitchFamily="2" charset="0"/>
+              </a:rPr>
+              <a:t>20</a:t>
+            </a:r>
+          </a:p>
+        </p:txBody>
+      </p:sp>
+      <p:sp>
+        <p:nvSpPr>
+          <p:cNvPr id="11" name="TextBox 10">
+            <a:extLst>
+              <a:ext uri="{FF2B5EF4-FFF2-40B4-BE49-F238E27FC236}">
+                <a16:creationId xmlns:a16="http://schemas.microsoft.com/office/drawing/2014/main" id="{F03BC128-3AD0-8C47-9099-3A4DC8E14448}"/>
+              </a:ext>
+            </a:extLst>
+          </p:cNvPr>
+          <p:cNvSpPr txBox="1"/>
+          <p:nvPr/>
+        </p:nvSpPr>
+        <p:spPr>
+          <a:xfrm>
+            <a:off x="5364546" y="4034933"/>
+            <a:ext cx="431529" cy="338554"/>
+          </a:xfrm>
+          <a:prstGeom prst="rect">
+            <a:avLst/>
+          </a:prstGeom>
+          <a:noFill/>
+        </p:spPr>
+        <p:txBody>
+          <a:bodyPr wrap="none" rtlCol="0">
+            <a:spAutoFit/>
+          </a:bodyPr>
+          <a:lstStyle/>
+          <a:p>
+            <a:pPr marL="0" algn="r" defTabSz="914400" rtl="1" eaLnBrk="1" latinLnBrk="0" hangingPunct="1"/>
+            <a:r>
+              <a:rPr lang="en-US" sz="1600" dirty="0">
+                <a:latin typeface="Courier" pitchFamily="2" charset="0"/>
+              </a:rPr>
+              <a:t>60</a:t>
+            </a:r>
+          </a:p>
+        </p:txBody>
+      </p:sp>
+      <p:sp>
+        <p:nvSpPr>
+          <p:cNvPr id="12" name="TextBox 11">
+            <a:extLst>
+              <a:ext uri="{FF2B5EF4-FFF2-40B4-BE49-F238E27FC236}">
+                <a16:creationId xmlns:a16="http://schemas.microsoft.com/office/drawing/2014/main" id="{570F0CFD-901B-B84E-A09A-F3687D7469C3}"/>
+              </a:ext>
+            </a:extLst>
+          </p:cNvPr>
+          <p:cNvSpPr txBox="1"/>
+          <p:nvPr/>
+        </p:nvSpPr>
+        <p:spPr>
+          <a:xfrm>
+            <a:off x="5383970" y="4428902"/>
+            <a:ext cx="431529" cy="338554"/>
+          </a:xfrm>
+          <a:prstGeom prst="rect">
+            <a:avLst/>
+          </a:prstGeom>
+          <a:noFill/>
+        </p:spPr>
+        <p:txBody>
+          <a:bodyPr wrap="none" rtlCol="0">
+            <a:spAutoFit/>
+          </a:bodyPr>
+          <a:lstStyle/>
+          <a:p>
+            <a:pPr marL="0" algn="r" defTabSz="914400" rtl="1" eaLnBrk="1" latinLnBrk="0" hangingPunct="1"/>
+            <a:r>
+              <a:rPr lang="en-US" sz="1600" dirty="0">
+                <a:latin typeface="Courier" pitchFamily="2" charset="0"/>
+              </a:rPr>
+              <a:t>50</a:t>
+            </a:r>
+          </a:p>
+        </p:txBody>
+      </p:sp>
+      <p:cxnSp>
+        <p:nvCxnSpPr>
+          <p:cNvPr id="14" name="Straight Arrow Connector 13">
+            <a:extLst>
+              <a:ext uri="{FF2B5EF4-FFF2-40B4-BE49-F238E27FC236}">
+                <a16:creationId xmlns:a16="http://schemas.microsoft.com/office/drawing/2014/main" id="{44D6D847-7522-5E4B-9EB1-099822007087}"/>
+              </a:ext>
+            </a:extLst>
+          </p:cNvPr>
+          <p:cNvCxnSpPr>
+            <a:cxnSpLocks/>
+          </p:cNvCxnSpPr>
+          <p:nvPr/>
+        </p:nvCxnSpPr>
+        <p:spPr>
+          <a:xfrm>
+            <a:off x="4721496" y="3909854"/>
+            <a:ext cx="548640" cy="182880"/>
+          </a:xfrm>
+          <a:prstGeom prst="straightConnector1">
+            <a:avLst/>
+          </a:prstGeom>
+          <a:ln w="9525" cap="flat" cmpd="sng" algn="ctr">
+            <a:solidFill>
+              <a:schemeClr val="accent1"/>
+            </a:solidFill>
+            <a:prstDash val="solid"/>
+            <a:round/>
+            <a:headEnd type="none" w="med" len="med"/>
+            <a:tailEnd type="arrow" w="med" len="med"/>
+          </a:ln>
+        </p:spPr>
+        <p:style>
+          <a:lnRef idx="0">
+            <a:scrgbClr r="0" g="0" b="0"/>
+          </a:lnRef>
+          <a:fillRef idx="0">
+            <a:scrgbClr r="0" g="0" b="0"/>
+          </a:fillRef>
+          <a:effectRef idx="0">
+            <a:scrgbClr r="0" g="0" b="0"/>
+          </a:effectRef>
+          <a:fontRef idx="minor">
+            <a:schemeClr val="tx1"/>
+          </a:fontRef>
+        </p:style>
+      </p:cxnSp>
+      <p:cxnSp>
+        <p:nvCxnSpPr>
+          <p:cNvPr id="22" name="Straight Arrow Connector 21">
+            <a:extLst>
+              <a:ext uri="{FF2B5EF4-FFF2-40B4-BE49-F238E27FC236}">
+                <a16:creationId xmlns:a16="http://schemas.microsoft.com/office/drawing/2014/main" id="{481EFF83-A078-6A44-8282-7CD28F4C718F}"/>
+              </a:ext>
+            </a:extLst>
+          </p:cNvPr>
+          <p:cNvCxnSpPr/>
+          <p:nvPr/>
+        </p:nvCxnSpPr>
+        <p:spPr>
+          <a:xfrm flipH="1">
+            <a:off x="6890259" y="3909854"/>
+            <a:ext cx="548640" cy="182880"/>
+          </a:xfrm>
+          <a:prstGeom prst="straightConnector1">
+            <a:avLst/>
+          </a:prstGeom>
+          <a:ln w="12700" cap="flat" cmpd="sng" algn="ctr">
+            <a:solidFill>
+              <a:schemeClr val="accent1"/>
+            </a:solidFill>
+            <a:prstDash val="solid"/>
+            <a:round/>
+            <a:headEnd type="none" w="med" len="med"/>
+            <a:tailEnd type="arrow" w="med" len="med"/>
+          </a:ln>
+        </p:spPr>
+        <p:style>
+          <a:lnRef idx="0">
+            <a:scrgbClr r="0" g="0" b="0"/>
+          </a:lnRef>
+          <a:fillRef idx="0">
+            <a:scrgbClr r="0" g="0" b="0"/>
+          </a:fillRef>
+          <a:effectRef idx="0">
+            <a:scrgbClr r="0" g="0" b="0"/>
+          </a:effectRef>
+          <a:fontRef idx="minor">
+            <a:schemeClr val="tx1"/>
+          </a:fontRef>
+        </p:style>
+      </p:cxnSp>
+      <p:sp>
+        <p:nvSpPr>
+          <p:cNvPr id="23" name="TextBox 22">
+            <a:extLst>
+              <a:ext uri="{FF2B5EF4-FFF2-40B4-BE49-F238E27FC236}">
+                <a16:creationId xmlns:a16="http://schemas.microsoft.com/office/drawing/2014/main" id="{872A3242-69E4-DC45-AC1C-90141A9FFE87}"/>
+              </a:ext>
+            </a:extLst>
+          </p:cNvPr>
+          <p:cNvSpPr txBox="1"/>
+          <p:nvPr/>
+        </p:nvSpPr>
+        <p:spPr>
+          <a:xfrm>
+            <a:off x="4161857" y="3773323"/>
+            <a:ext cx="524503" cy="261610"/>
+          </a:xfrm>
+          <a:prstGeom prst="rect">
+            <a:avLst/>
+          </a:prstGeom>
+          <a:noFill/>
+        </p:spPr>
+        <p:txBody>
+          <a:bodyPr wrap="none" rtlCol="0">
+            <a:spAutoFit/>
+          </a:bodyPr>
+          <a:lstStyle/>
+          <a:p>
+            <a:pPr algn="ctr"/>
+            <a:r>
+              <a:rPr lang="en-US" sz="1050" dirty="0">
+                <a:latin typeface="Courier" pitchFamily="2" charset="0"/>
+              </a:rPr>
+              <a:t>rear</a:t>
+            </a:r>
+          </a:p>
+        </p:txBody>
+      </p:sp>
+      <p:sp>
+        <p:nvSpPr>
+          <p:cNvPr id="24" name="TextBox 23">
+            <a:extLst>
+              <a:ext uri="{FF2B5EF4-FFF2-40B4-BE49-F238E27FC236}">
+                <a16:creationId xmlns:a16="http://schemas.microsoft.com/office/drawing/2014/main" id="{6240DB60-833C-6A45-A4FE-F04A00404706}"/>
+              </a:ext>
+            </a:extLst>
+          </p:cNvPr>
+          <p:cNvSpPr txBox="1"/>
+          <p:nvPr/>
+        </p:nvSpPr>
+        <p:spPr>
+          <a:xfrm>
+            <a:off x="7438899" y="3747378"/>
+            <a:ext cx="585417" cy="253916"/>
+          </a:xfrm>
+          <a:prstGeom prst="rect">
+            <a:avLst/>
+          </a:prstGeom>
+          <a:noFill/>
+        </p:spPr>
+        <p:txBody>
+          <a:bodyPr wrap="none" rtlCol="0">
+            <a:spAutoFit/>
+          </a:bodyPr>
+          <a:lstStyle/>
+          <a:p>
+            <a:r>
+              <a:rPr lang="en-US" sz="1050" dirty="0">
+                <a:latin typeface="Courier" pitchFamily="2" charset="0"/>
+              </a:rPr>
+              <a:t>front</a:t>
+            </a:r>
+          </a:p>
+        </p:txBody>
+      </p:sp>
+      <p:sp>
+        <p:nvSpPr>
+          <p:cNvPr id="15" name="Rectangle 14">
+            <a:extLst>
+              <a:ext uri="{FF2B5EF4-FFF2-40B4-BE49-F238E27FC236}">
+                <a16:creationId xmlns:a16="http://schemas.microsoft.com/office/drawing/2014/main" id="{86CBFE86-1A8C-C349-926A-C2C9C19EE655}"/>
+              </a:ext>
+            </a:extLst>
+          </p:cNvPr>
+          <p:cNvSpPr/>
+          <p:nvPr/>
+        </p:nvSpPr>
+        <p:spPr>
+          <a:xfrm>
+            <a:off x="838200" y="1825625"/>
+            <a:ext cx="3803970" cy="1569660"/>
+          </a:xfrm>
+          <a:prstGeom prst="rect">
+            <a:avLst/>
+          </a:prstGeom>
+        </p:spPr>
+        <p:txBody>
+          <a:bodyPr wrap="square">
+            <a:spAutoFit/>
+          </a:bodyPr>
+          <a:lstStyle/>
+          <a:p>
+            <a:r>
+              <a:rPr lang="en-US" sz="1600" b="1" dirty="0">
+                <a:solidFill>
+                  <a:srgbClr val="0000FF"/>
+                </a:solidFill>
+                <a:latin typeface=" Courier New"/>
+              </a:rPr>
+              <a:t>def</a:t>
+            </a:r>
+            <a:r>
+              <a:rPr lang="en-US" sz="1600" b="1" dirty="0">
+                <a:solidFill>
+                  <a:srgbClr val="000000"/>
+                </a:solidFill>
+                <a:latin typeface=" Courier New"/>
+              </a:rPr>
+              <a:t> </a:t>
+            </a:r>
+            <a:r>
+              <a:rPr lang="en-US" sz="1600" b="1" dirty="0">
+                <a:solidFill>
+                  <a:srgbClr val="795E26"/>
+                </a:solidFill>
+                <a:latin typeface=" Courier New"/>
+              </a:rPr>
+              <a:t>insert</a:t>
+            </a:r>
+            <a:r>
+              <a:rPr lang="en-US" sz="1600" b="1" dirty="0">
+                <a:solidFill>
+                  <a:srgbClr val="000000"/>
+                </a:solidFill>
+                <a:latin typeface=" Courier New"/>
+              </a:rPr>
+              <a:t>(</a:t>
+            </a:r>
+            <a:r>
+              <a:rPr lang="en-US" sz="1600" b="1" dirty="0">
+                <a:solidFill>
+                  <a:srgbClr val="001080"/>
+                </a:solidFill>
+                <a:latin typeface=" Courier New"/>
+              </a:rPr>
+              <a:t>item</a:t>
+            </a:r>
+            <a:r>
+              <a:rPr lang="en-US" sz="1600" b="1" dirty="0">
+                <a:solidFill>
+                  <a:srgbClr val="000000"/>
+                </a:solidFill>
+                <a:latin typeface=" Courier New"/>
+              </a:rPr>
+              <a:t>):</a:t>
+            </a:r>
+          </a:p>
+          <a:p>
+            <a:pPr lvl="1"/>
+            <a:r>
+              <a:rPr lang="en-US" sz="1600" b="1" dirty="0">
+                <a:solidFill>
+                  <a:srgbClr val="AF00DB"/>
+                </a:solidFill>
+                <a:latin typeface=" Courier New"/>
+              </a:rPr>
+              <a:t>if</a:t>
+            </a:r>
+            <a:r>
+              <a:rPr lang="en-US" sz="1600" b="1" dirty="0">
+                <a:solidFill>
+                  <a:srgbClr val="000000"/>
+                </a:solidFill>
+                <a:latin typeface=" Courier New"/>
+              </a:rPr>
+              <a:t>((</a:t>
+            </a:r>
+            <a:r>
+              <a:rPr lang="en-US" sz="1600" b="1" dirty="0">
+                <a:solidFill>
+                  <a:srgbClr val="001080"/>
+                </a:solidFill>
+                <a:latin typeface=" Courier New"/>
+              </a:rPr>
+              <a:t>rear</a:t>
+            </a:r>
+            <a:r>
+              <a:rPr lang="en-US" sz="1600" b="1" dirty="0">
+                <a:solidFill>
+                  <a:srgbClr val="000000"/>
+                </a:solidFill>
+                <a:latin typeface=" Courier New"/>
+              </a:rPr>
+              <a:t>+</a:t>
+            </a:r>
+            <a:r>
+              <a:rPr lang="en-US" sz="1600" b="1" dirty="0">
+                <a:solidFill>
+                  <a:srgbClr val="098658"/>
+                </a:solidFill>
+                <a:latin typeface=" Courier New"/>
+              </a:rPr>
+              <a:t>1</a:t>
+            </a:r>
+            <a:r>
+              <a:rPr lang="en-US" sz="1600" b="1" dirty="0">
+                <a:solidFill>
+                  <a:srgbClr val="000000"/>
+                </a:solidFill>
+                <a:latin typeface=" Courier New"/>
+              </a:rPr>
+              <a:t>) % </a:t>
+            </a:r>
+            <a:r>
+              <a:rPr lang="en-US" sz="1600" b="1" dirty="0">
+                <a:solidFill>
+                  <a:srgbClr val="001080"/>
+                </a:solidFill>
+                <a:latin typeface=" Courier New"/>
+              </a:rPr>
+              <a:t>n</a:t>
+            </a:r>
+            <a:r>
+              <a:rPr lang="en-US" sz="1600" b="1" dirty="0">
+                <a:solidFill>
+                  <a:srgbClr val="000000"/>
+                </a:solidFill>
+                <a:latin typeface=" Courier New"/>
+              </a:rPr>
+              <a:t>==</a:t>
+            </a:r>
+            <a:r>
+              <a:rPr lang="en-US" sz="1600" b="1" dirty="0">
+                <a:solidFill>
+                  <a:srgbClr val="001080"/>
+                </a:solidFill>
+                <a:latin typeface=" Courier New"/>
+              </a:rPr>
+              <a:t>front</a:t>
+            </a:r>
+            <a:r>
+              <a:rPr lang="en-US" sz="1600" b="1" dirty="0">
+                <a:solidFill>
+                  <a:srgbClr val="000000"/>
+                </a:solidFill>
+                <a:latin typeface=" Courier New"/>
+              </a:rPr>
+              <a:t>):</a:t>
+            </a:r>
+          </a:p>
+          <a:p>
+            <a:pPr lvl="2"/>
+            <a:r>
+              <a:rPr lang="en-US" sz="1600" b="1" dirty="0">
+                <a:solidFill>
+                  <a:srgbClr val="AF00DB"/>
+                </a:solidFill>
+                <a:latin typeface=" Courier New"/>
+              </a:rPr>
+              <a:t>return</a:t>
+            </a:r>
+            <a:r>
+              <a:rPr lang="en-US" sz="1600" b="1" dirty="0">
+                <a:solidFill>
+                  <a:srgbClr val="000000"/>
+                </a:solidFill>
+                <a:latin typeface=" Courier New"/>
+              </a:rPr>
+              <a:t> </a:t>
+            </a:r>
+            <a:r>
+              <a:rPr lang="en-US" sz="1600" b="1" dirty="0">
+                <a:solidFill>
+                  <a:srgbClr val="A31515"/>
+                </a:solidFill>
+                <a:latin typeface=" Courier New"/>
+              </a:rPr>
+              <a:t>"Queue is Full"</a:t>
+            </a:r>
+            <a:endParaRPr lang="en-US" sz="1600" b="1" dirty="0">
+              <a:solidFill>
+                <a:srgbClr val="000000"/>
+              </a:solidFill>
+              <a:latin typeface=" Courier New"/>
+            </a:endParaRPr>
+          </a:p>
+          <a:p>
+            <a:pPr lvl="1"/>
+            <a:r>
+              <a:rPr lang="en-US" sz="1600" b="1" dirty="0">
+                <a:solidFill>
+                  <a:srgbClr val="AF00DB"/>
+                </a:solidFill>
+                <a:latin typeface=" Courier New"/>
+              </a:rPr>
+              <a:t>else</a:t>
+            </a:r>
+            <a:r>
+              <a:rPr lang="en-US" sz="1600" b="1" dirty="0">
+                <a:solidFill>
+                  <a:srgbClr val="000000"/>
+                </a:solidFill>
+                <a:latin typeface=" Courier New"/>
+              </a:rPr>
+              <a:t>:</a:t>
+            </a:r>
+          </a:p>
+          <a:p>
+            <a:pPr lvl="2"/>
+            <a:r>
+              <a:rPr lang="en-US" sz="1600" b="1" dirty="0">
+                <a:solidFill>
+                  <a:srgbClr val="001080"/>
+                </a:solidFill>
+                <a:latin typeface=" Courier New"/>
+              </a:rPr>
+              <a:t>rear </a:t>
+            </a:r>
+            <a:r>
+              <a:rPr lang="en-US" sz="1600" b="1" dirty="0">
+                <a:solidFill>
+                  <a:srgbClr val="000000"/>
+                </a:solidFill>
+                <a:latin typeface=" Courier New"/>
+              </a:rPr>
+              <a:t>= (</a:t>
+            </a:r>
+            <a:r>
+              <a:rPr lang="en-US" sz="1600" b="1" dirty="0">
+                <a:solidFill>
+                  <a:srgbClr val="001080"/>
+                </a:solidFill>
+                <a:latin typeface=" Courier New"/>
+              </a:rPr>
+              <a:t>rear</a:t>
+            </a:r>
+            <a:r>
+              <a:rPr lang="en-US" sz="1600" b="1" dirty="0">
+                <a:solidFill>
+                  <a:srgbClr val="000000"/>
+                </a:solidFill>
+                <a:latin typeface=" Courier New"/>
+              </a:rPr>
+              <a:t>+</a:t>
+            </a:r>
+            <a:r>
+              <a:rPr lang="en-US" sz="1600" b="1" dirty="0">
+                <a:solidFill>
+                  <a:srgbClr val="098658"/>
+                </a:solidFill>
+                <a:latin typeface=" Courier New"/>
+              </a:rPr>
+              <a:t>1</a:t>
+            </a:r>
+            <a:r>
+              <a:rPr lang="en-US" sz="1600" b="1" dirty="0">
+                <a:solidFill>
+                  <a:srgbClr val="000000"/>
+                </a:solidFill>
+                <a:latin typeface=" Courier New"/>
+              </a:rPr>
+              <a:t>) % </a:t>
+            </a:r>
+            <a:r>
+              <a:rPr lang="en-US" sz="1600" b="1" dirty="0">
+                <a:solidFill>
+                  <a:srgbClr val="001080"/>
+                </a:solidFill>
+                <a:latin typeface=" Courier New"/>
+              </a:rPr>
+              <a:t>n</a:t>
+            </a:r>
+            <a:endParaRPr lang="en-US" sz="1600" b="1" dirty="0">
+              <a:solidFill>
+                <a:srgbClr val="000000"/>
+              </a:solidFill>
+              <a:latin typeface=" Courier New"/>
+            </a:endParaRPr>
+          </a:p>
+          <a:p>
+            <a:pPr lvl="2"/>
+            <a:r>
+              <a:rPr lang="en-US" sz="1600" b="1" dirty="0">
+                <a:solidFill>
+                  <a:srgbClr val="0070C1"/>
+                </a:solidFill>
+                <a:latin typeface=" Courier New"/>
+              </a:rPr>
+              <a:t>Q</a:t>
+            </a:r>
+            <a:r>
+              <a:rPr lang="en-US" sz="1600" b="1" dirty="0">
+                <a:solidFill>
+                  <a:srgbClr val="000000"/>
+                </a:solidFill>
+                <a:latin typeface=" Courier New"/>
+              </a:rPr>
+              <a:t>[</a:t>
+            </a:r>
+            <a:r>
+              <a:rPr lang="en-US" sz="1600" b="1" dirty="0">
+                <a:solidFill>
+                  <a:srgbClr val="001080"/>
+                </a:solidFill>
+                <a:latin typeface=" Courier New"/>
+              </a:rPr>
+              <a:t>rear</a:t>
+            </a:r>
+            <a:r>
+              <a:rPr lang="en-US" sz="1600" b="1" dirty="0">
+                <a:solidFill>
+                  <a:srgbClr val="000000"/>
+                </a:solidFill>
+                <a:latin typeface=" Courier New"/>
+              </a:rPr>
+              <a:t>]=</a:t>
+            </a:r>
+            <a:r>
+              <a:rPr lang="en-US" sz="1600" b="1" dirty="0">
+                <a:solidFill>
+                  <a:srgbClr val="001080"/>
+                </a:solidFill>
+                <a:latin typeface=" Courier New"/>
+              </a:rPr>
+              <a:t>item</a:t>
+            </a:r>
+            <a:endParaRPr lang="en-US" sz="1600" b="1" dirty="0">
+              <a:solidFill>
+                <a:srgbClr val="000000"/>
+              </a:solidFill>
+              <a:effectLst/>
+              <a:latin typeface=" Courier New"/>
+            </a:endParaRPr>
+          </a:p>
+        </p:txBody>
+      </p:sp>
+    </p:spTree>
+    <p:extLst>
+      <p:ext uri="{BB962C8B-B14F-4D97-AF65-F5344CB8AC3E}">
+        <p14:creationId xmlns:p14="http://schemas.microsoft.com/office/powerpoint/2010/main" val="2762059537"/>
+      </p:ext>
+    </p:extLst>
+  </p:cSld>
+  <p:clrMapOvr>
+    <a:masterClrMapping/>
+  </p:clrMapOvr>
+</p:sld>
+</file>
+
+<file path=ppt/slides/slide19.xml><?xml version="1.0" encoding="utf-8"?>
+<p:sld xmlns:a="http://schemas.openxmlformats.org/drawingml/2006/main" xmlns:r="http://schemas.openxmlformats.org/officeDocument/2006/relationships" xmlns:p="http://schemas.openxmlformats.org/presentationml/2006/main">
+  <p:cSld>
+    <p:spTree>
+      <p:nvGrpSpPr>
+        <p:cNvPr id="1" name=""/>
+        <p:cNvGrpSpPr/>
+        <p:nvPr/>
+      </p:nvGrpSpPr>
+      <p:grpSpPr>
+        <a:xfrm>
+          <a:off x="0" y="0"/>
+          <a:ext cx="0" cy="0"/>
+          <a:chOff x="0" y="0"/>
+          <a:chExt cx="0" cy="0"/>
+        </a:xfrm>
+      </p:grpSpPr>
+      <p:sp>
+        <p:nvSpPr>
+          <p:cNvPr id="2" name="Title 1">
+            <a:extLst>
+              <a:ext uri="{FF2B5EF4-FFF2-40B4-BE49-F238E27FC236}">
+                <a16:creationId xmlns:a16="http://schemas.microsoft.com/office/drawing/2014/main" id="{FBD585B8-C540-BC4C-A8BC-70161E6ABC68}"/>
+              </a:ext>
+            </a:extLst>
+          </p:cNvPr>
+          <p:cNvSpPr>
+            <a:spLocks noGrp="1"/>
+          </p:cNvSpPr>
+          <p:nvPr>
+            <p:ph type="title"/>
+          </p:nvPr>
+        </p:nvSpPr>
+        <p:spPr/>
+        <p:txBody>
+          <a:bodyPr/>
+          <a:lstStyle/>
+          <a:p>
+            <a:pPr algn="r" rtl="1"/>
+            <a:r>
+              <a:rPr lang="fa-IR" dirty="0">
+                <a:latin typeface="IRTitr" panose="02000506000000020002" pitchFamily="2" charset="-78"/>
+                <a:cs typeface="IRTitr" panose="02000506000000020002" pitchFamily="2" charset="-78"/>
+              </a:rPr>
+              <a:t>مثال: درج و حذف</a:t>
+            </a:r>
+            <a:endParaRPr lang="en-US" dirty="0">
+              <a:latin typeface="IRTitr" panose="02000506000000020002" pitchFamily="2" charset="-78"/>
+              <a:cs typeface="IRTitr" panose="02000506000000020002" pitchFamily="2" charset="-78"/>
+            </a:endParaRPr>
+          </a:p>
+        </p:txBody>
+      </p:sp>
+      <p:sp>
+        <p:nvSpPr>
+          <p:cNvPr id="3" name="Content Placeholder 2">
+            <a:extLst>
+              <a:ext uri="{FF2B5EF4-FFF2-40B4-BE49-F238E27FC236}">
+                <a16:creationId xmlns:a16="http://schemas.microsoft.com/office/drawing/2014/main" id="{990EA250-150E-7946-BCA2-C547DA2871A5}"/>
+              </a:ext>
+            </a:extLst>
+          </p:cNvPr>
+          <p:cNvSpPr>
+            <a:spLocks noGrp="1"/>
+          </p:cNvSpPr>
+          <p:nvPr>
+            <p:ph idx="1"/>
+          </p:nvPr>
+        </p:nvSpPr>
+        <p:spPr/>
+        <p:txBody>
+          <a:bodyPr/>
+          <a:lstStyle/>
+          <a:p>
+            <a:pPr marL="0" indent="0" algn="r" defTabSz="914400" rtl="1" eaLnBrk="1" latinLnBrk="0" hangingPunct="1">
+              <a:lnSpc>
+                <a:spcPct val="90000"/>
+              </a:lnSpc>
+              <a:spcBef>
+                <a:spcPts val="1000"/>
+              </a:spcBef>
+              <a:buNone/>
+            </a:pPr>
+            <a:r>
+              <a:rPr lang="fa-IR" dirty="0">
+                <a:latin typeface="IRMitra" panose="02000506000000020002" pitchFamily="2" charset="-78"/>
+                <a:cs typeface="IRMitra" panose="02000506000000020002" pitchFamily="2" charset="-78"/>
+              </a:rPr>
+              <a:t>برای مثال میخواهیم </a:t>
+            </a:r>
+            <a:r>
+              <a:rPr lang="fa-IR" b="1" dirty="0">
+                <a:latin typeface="IRMitra" panose="02000506000000020002" pitchFamily="2" charset="-78"/>
+                <a:cs typeface="IRMitra" panose="02000506000000020002" pitchFamily="2" charset="-78"/>
+              </a:rPr>
+              <a:t>۷۰</a:t>
+            </a:r>
+            <a:r>
+              <a:rPr lang="fa-IR" dirty="0">
+                <a:latin typeface="IRMitra" panose="02000506000000020002" pitchFamily="2" charset="-78"/>
+                <a:cs typeface="IRMitra" panose="02000506000000020002" pitchFamily="2" charset="-78"/>
+              </a:rPr>
+              <a:t> را در این لیست درج کنیم.</a:t>
+            </a:r>
+            <a:endParaRPr lang="en-US" dirty="0">
+              <a:latin typeface="IRMitra" panose="02000506000000020002" pitchFamily="2" charset="-78"/>
+              <a:cs typeface="IRMitra" panose="02000506000000020002" pitchFamily="2" charset="-78"/>
+            </a:endParaRPr>
+          </a:p>
+        </p:txBody>
+      </p:sp>
+      <p:pic>
+        <p:nvPicPr>
+          <p:cNvPr id="4" name="Picture 2">
+            <a:extLst>
+              <a:ext uri="{FF2B5EF4-FFF2-40B4-BE49-F238E27FC236}">
+                <a16:creationId xmlns:a16="http://schemas.microsoft.com/office/drawing/2014/main" id="{83F77C4F-0C41-BE4D-8F07-206F8EB96DD0}"/>
+              </a:ext>
+            </a:extLst>
+          </p:cNvPr>
+          <p:cNvPicPr>
+            <a:picLocks noChangeAspect="1" noChangeArrowheads="1"/>
+          </p:cNvPicPr>
+          <p:nvPr/>
+        </p:nvPicPr>
+        <p:blipFill>
+          <a:blip r:embed="rId2">
+            <a:extLst>
+              <a:ext uri="{28A0092B-C50C-407E-A947-70E740481C1C}">
+                <a14:useLocalDpi xmlns:a14="http://schemas.microsoft.com/office/drawing/2010/main" val="0"/>
+              </a:ext>
+            </a:extLst>
+          </a:blip>
+          <a:srcRect/>
+          <a:stretch>
+            <a:fillRect/>
+          </a:stretch>
+        </p:blipFill>
+        <p:spPr bwMode="auto">
+          <a:xfrm>
+            <a:off x="5175726" y="3429000"/>
+            <a:ext cx="1840547" cy="1867347"/>
+          </a:xfrm>
+          <a:prstGeom prst="rect">
+            <a:avLst/>
+          </a:prstGeom>
+          <a:noFill/>
+          <a:extLst>
+            <a:ext uri="{909E8E84-426E-40DD-AFC4-6F175D3DCCD1}">
+              <a14:hiddenFill xmlns:a14="http://schemas.microsoft.com/office/drawing/2010/main">
+                <a:solidFill>
+                  <a:srgbClr val="FFFFFF"/>
+                </a:solidFill>
+              </a14:hiddenFill>
+            </a:ext>
+          </a:extLst>
+        </p:spPr>
+      </p:pic>
+      <p:sp>
+        <p:nvSpPr>
+          <p:cNvPr id="5" name="TextBox 4">
+            <a:extLst>
+              <a:ext uri="{FF2B5EF4-FFF2-40B4-BE49-F238E27FC236}">
+                <a16:creationId xmlns:a16="http://schemas.microsoft.com/office/drawing/2014/main" id="{8A839602-E698-2747-8795-CB6D26EA696E}"/>
+              </a:ext>
+            </a:extLst>
+          </p:cNvPr>
+          <p:cNvSpPr txBox="1"/>
+          <p:nvPr/>
+        </p:nvSpPr>
+        <p:spPr>
+          <a:xfrm>
+            <a:off x="5656162" y="4693277"/>
+            <a:ext cx="431529" cy="338554"/>
+          </a:xfrm>
+          <a:prstGeom prst="rect">
+            <a:avLst/>
+          </a:prstGeom>
+          <a:noFill/>
+        </p:spPr>
+        <p:txBody>
+          <a:bodyPr wrap="none" rtlCol="0">
+            <a:spAutoFit/>
+          </a:bodyPr>
+          <a:lstStyle/>
+          <a:p>
+            <a:pPr marL="0" algn="r" defTabSz="914400" rtl="1" eaLnBrk="1" latinLnBrk="0" hangingPunct="1"/>
+            <a:r>
+              <a:rPr lang="en-US" sz="1600" dirty="0">
+                <a:latin typeface="Courier" pitchFamily="2" charset="0"/>
+              </a:rPr>
+              <a:t>40</a:t>
+            </a:r>
+          </a:p>
+        </p:txBody>
+      </p:sp>
+      <p:sp>
+        <p:nvSpPr>
+          <p:cNvPr id="6" name="TextBox 5">
+            <a:extLst>
+              <a:ext uri="{FF2B5EF4-FFF2-40B4-BE49-F238E27FC236}">
+                <a16:creationId xmlns:a16="http://schemas.microsoft.com/office/drawing/2014/main" id="{E1E1DEC3-9A78-254E-842A-C8CB832C22BB}"/>
+              </a:ext>
+            </a:extLst>
+          </p:cNvPr>
+          <p:cNvSpPr txBox="1"/>
+          <p:nvPr/>
+        </p:nvSpPr>
+        <p:spPr>
+          <a:xfrm>
+            <a:off x="6080169" y="4717465"/>
+            <a:ext cx="431529" cy="338554"/>
+          </a:xfrm>
+          <a:prstGeom prst="rect">
+            <a:avLst/>
+          </a:prstGeom>
+          <a:noFill/>
+        </p:spPr>
+        <p:txBody>
+          <a:bodyPr wrap="none" rtlCol="0">
+            <a:spAutoFit/>
+          </a:bodyPr>
+          <a:lstStyle/>
+          <a:p>
+            <a:pPr marL="0" algn="r" defTabSz="914400" rtl="1" eaLnBrk="1" latinLnBrk="0" hangingPunct="1"/>
+            <a:r>
+              <a:rPr lang="en-US" sz="1600" dirty="0">
+                <a:latin typeface="Courier" pitchFamily="2" charset="0"/>
+              </a:rPr>
+              <a:t>30</a:t>
+            </a:r>
+          </a:p>
+        </p:txBody>
+      </p:sp>
+      <p:sp>
+        <p:nvSpPr>
+          <p:cNvPr id="7" name="TextBox 6">
+            <a:extLst>
+              <a:ext uri="{FF2B5EF4-FFF2-40B4-BE49-F238E27FC236}">
+                <a16:creationId xmlns:a16="http://schemas.microsoft.com/office/drawing/2014/main" id="{A94F9374-0281-A14C-9B28-EEB493B66488}"/>
+              </a:ext>
+            </a:extLst>
+          </p:cNvPr>
+          <p:cNvSpPr txBox="1"/>
+          <p:nvPr/>
+        </p:nvSpPr>
+        <p:spPr>
+          <a:xfrm>
+            <a:off x="6376502" y="4428902"/>
+            <a:ext cx="431529" cy="338554"/>
+          </a:xfrm>
+          <a:prstGeom prst="rect">
+            <a:avLst/>
+          </a:prstGeom>
+          <a:noFill/>
+        </p:spPr>
+        <p:txBody>
+          <a:bodyPr wrap="none" rtlCol="0">
+            <a:spAutoFit/>
+          </a:bodyPr>
+          <a:lstStyle/>
+          <a:p>
+            <a:pPr marL="0" algn="r" defTabSz="914400" rtl="1" eaLnBrk="1" latinLnBrk="0" hangingPunct="1"/>
+            <a:r>
+              <a:rPr lang="en-US" sz="1600" dirty="0">
+                <a:latin typeface="Courier" pitchFamily="2" charset="0"/>
+              </a:rPr>
+              <a:t>20</a:t>
+            </a:r>
+          </a:p>
+        </p:txBody>
+      </p:sp>
+      <p:sp>
+        <p:nvSpPr>
+          <p:cNvPr id="11" name="TextBox 10">
+            <a:extLst>
+              <a:ext uri="{FF2B5EF4-FFF2-40B4-BE49-F238E27FC236}">
+                <a16:creationId xmlns:a16="http://schemas.microsoft.com/office/drawing/2014/main" id="{F03BC128-3AD0-8C47-9099-3A4DC8E14448}"/>
+              </a:ext>
+            </a:extLst>
+          </p:cNvPr>
+          <p:cNvSpPr txBox="1"/>
+          <p:nvPr/>
+        </p:nvSpPr>
+        <p:spPr>
+          <a:xfrm>
+            <a:off x="5364546" y="4034933"/>
+            <a:ext cx="431529" cy="338554"/>
+          </a:xfrm>
+          <a:prstGeom prst="rect">
+            <a:avLst/>
+          </a:prstGeom>
+          <a:noFill/>
+        </p:spPr>
+        <p:txBody>
+          <a:bodyPr wrap="none" rtlCol="0">
+            <a:spAutoFit/>
+          </a:bodyPr>
+          <a:lstStyle/>
+          <a:p>
+            <a:pPr marL="0" algn="r" defTabSz="914400" rtl="1" eaLnBrk="1" latinLnBrk="0" hangingPunct="1"/>
+            <a:r>
+              <a:rPr lang="en-US" sz="1600" dirty="0">
+                <a:latin typeface="Courier" pitchFamily="2" charset="0"/>
+              </a:rPr>
+              <a:t>60</a:t>
+            </a:r>
+          </a:p>
+        </p:txBody>
+      </p:sp>
+      <p:sp>
+        <p:nvSpPr>
+          <p:cNvPr id="12" name="TextBox 11">
+            <a:extLst>
+              <a:ext uri="{FF2B5EF4-FFF2-40B4-BE49-F238E27FC236}">
+                <a16:creationId xmlns:a16="http://schemas.microsoft.com/office/drawing/2014/main" id="{570F0CFD-901B-B84E-A09A-F3687D7469C3}"/>
+              </a:ext>
+            </a:extLst>
+          </p:cNvPr>
+          <p:cNvSpPr txBox="1"/>
+          <p:nvPr/>
+        </p:nvSpPr>
+        <p:spPr>
+          <a:xfrm>
+            <a:off x="5383970" y="4428902"/>
+            <a:ext cx="431529" cy="338554"/>
+          </a:xfrm>
+          <a:prstGeom prst="rect">
+            <a:avLst/>
+          </a:prstGeom>
+          <a:noFill/>
+        </p:spPr>
+        <p:txBody>
+          <a:bodyPr wrap="none" rtlCol="0">
+            <a:spAutoFit/>
+          </a:bodyPr>
+          <a:lstStyle/>
+          <a:p>
+            <a:pPr marL="0" algn="r" defTabSz="914400" rtl="1" eaLnBrk="1" latinLnBrk="0" hangingPunct="1"/>
+            <a:r>
+              <a:rPr lang="en-US" sz="1600" dirty="0">
+                <a:latin typeface="Courier" pitchFamily="2" charset="0"/>
+              </a:rPr>
+              <a:t>50</a:t>
+            </a:r>
+          </a:p>
+        </p:txBody>
+      </p:sp>
+      <p:cxnSp>
+        <p:nvCxnSpPr>
+          <p:cNvPr id="14" name="Straight Arrow Connector 13">
+            <a:extLst>
+              <a:ext uri="{FF2B5EF4-FFF2-40B4-BE49-F238E27FC236}">
+                <a16:creationId xmlns:a16="http://schemas.microsoft.com/office/drawing/2014/main" id="{44D6D847-7522-5E4B-9EB1-099822007087}"/>
+              </a:ext>
+            </a:extLst>
+          </p:cNvPr>
+          <p:cNvCxnSpPr>
+            <a:cxnSpLocks/>
+          </p:cNvCxnSpPr>
+          <p:nvPr/>
+        </p:nvCxnSpPr>
+        <p:spPr>
+          <a:xfrm>
+            <a:off x="5109650" y="3395285"/>
+            <a:ext cx="548640" cy="182880"/>
+          </a:xfrm>
+          <a:prstGeom prst="straightConnector1">
+            <a:avLst/>
+          </a:prstGeom>
+          <a:ln w="9525" cap="flat" cmpd="sng" algn="ctr">
+            <a:solidFill>
+              <a:schemeClr val="accent1"/>
+            </a:solidFill>
+            <a:prstDash val="solid"/>
+            <a:round/>
+            <a:headEnd type="none" w="med" len="med"/>
+            <a:tailEnd type="arrow" w="med" len="med"/>
+          </a:ln>
+        </p:spPr>
+        <p:style>
+          <a:lnRef idx="0">
+            <a:scrgbClr r="0" g="0" b="0"/>
+          </a:lnRef>
+          <a:fillRef idx="0">
+            <a:scrgbClr r="0" g="0" b="0"/>
+          </a:fillRef>
+          <a:effectRef idx="0">
+            <a:scrgbClr r="0" g="0" b="0"/>
+          </a:effectRef>
+          <a:fontRef idx="minor">
+            <a:schemeClr val="tx1"/>
+          </a:fontRef>
+        </p:style>
+      </p:cxnSp>
+      <p:cxnSp>
+        <p:nvCxnSpPr>
+          <p:cNvPr id="22" name="Straight Arrow Connector 21">
+            <a:extLst>
+              <a:ext uri="{FF2B5EF4-FFF2-40B4-BE49-F238E27FC236}">
+                <a16:creationId xmlns:a16="http://schemas.microsoft.com/office/drawing/2014/main" id="{481EFF83-A078-6A44-8282-7CD28F4C718F}"/>
+              </a:ext>
+            </a:extLst>
+          </p:cNvPr>
+          <p:cNvCxnSpPr/>
+          <p:nvPr/>
+        </p:nvCxnSpPr>
+        <p:spPr>
+          <a:xfrm flipH="1">
+            <a:off x="6890259" y="3909854"/>
+            <a:ext cx="548640" cy="182880"/>
+          </a:xfrm>
+          <a:prstGeom prst="straightConnector1">
+            <a:avLst/>
+          </a:prstGeom>
+          <a:ln w="12700" cap="flat" cmpd="sng" algn="ctr">
+            <a:solidFill>
+              <a:schemeClr val="accent1"/>
+            </a:solidFill>
+            <a:prstDash val="solid"/>
+            <a:round/>
+            <a:headEnd type="none" w="med" len="med"/>
+            <a:tailEnd type="arrow" w="med" len="med"/>
+          </a:ln>
+        </p:spPr>
+        <p:style>
+          <a:lnRef idx="0">
+            <a:scrgbClr r="0" g="0" b="0"/>
+          </a:lnRef>
+          <a:fillRef idx="0">
+            <a:scrgbClr r="0" g="0" b="0"/>
+          </a:fillRef>
+          <a:effectRef idx="0">
+            <a:scrgbClr r="0" g="0" b="0"/>
+          </a:effectRef>
+          <a:fontRef idx="minor">
+            <a:schemeClr val="tx1"/>
+          </a:fontRef>
+        </p:style>
+      </p:cxnSp>
+      <p:sp>
+        <p:nvSpPr>
+          <p:cNvPr id="23" name="TextBox 22">
+            <a:extLst>
+              <a:ext uri="{FF2B5EF4-FFF2-40B4-BE49-F238E27FC236}">
+                <a16:creationId xmlns:a16="http://schemas.microsoft.com/office/drawing/2014/main" id="{872A3242-69E4-DC45-AC1C-90141A9FFE87}"/>
+              </a:ext>
+            </a:extLst>
+          </p:cNvPr>
+          <p:cNvSpPr txBox="1"/>
+          <p:nvPr/>
+        </p:nvSpPr>
+        <p:spPr>
+          <a:xfrm>
+            <a:off x="4550011" y="3258754"/>
+            <a:ext cx="524503" cy="261610"/>
+          </a:xfrm>
+          <a:prstGeom prst="rect">
+            <a:avLst/>
+          </a:prstGeom>
+          <a:noFill/>
+        </p:spPr>
+        <p:txBody>
+          <a:bodyPr wrap="none" rtlCol="0">
+            <a:spAutoFit/>
+          </a:bodyPr>
+          <a:lstStyle/>
+          <a:p>
+            <a:pPr algn="ctr"/>
+            <a:r>
+              <a:rPr lang="en-US" sz="1050" dirty="0">
+                <a:latin typeface="Courier" pitchFamily="2" charset="0"/>
+              </a:rPr>
+              <a:t>rear</a:t>
+            </a:r>
+          </a:p>
+        </p:txBody>
+      </p:sp>
+      <p:sp>
+        <p:nvSpPr>
+          <p:cNvPr id="24" name="TextBox 23">
+            <a:extLst>
+              <a:ext uri="{FF2B5EF4-FFF2-40B4-BE49-F238E27FC236}">
+                <a16:creationId xmlns:a16="http://schemas.microsoft.com/office/drawing/2014/main" id="{6240DB60-833C-6A45-A4FE-F04A00404706}"/>
+              </a:ext>
+            </a:extLst>
+          </p:cNvPr>
+          <p:cNvSpPr txBox="1"/>
+          <p:nvPr/>
+        </p:nvSpPr>
+        <p:spPr>
+          <a:xfrm>
+            <a:off x="7438899" y="3747378"/>
+            <a:ext cx="585417" cy="253916"/>
+          </a:xfrm>
+          <a:prstGeom prst="rect">
+            <a:avLst/>
+          </a:prstGeom>
+          <a:noFill/>
+        </p:spPr>
+        <p:txBody>
+          <a:bodyPr wrap="none" rtlCol="0">
+            <a:spAutoFit/>
+          </a:bodyPr>
+          <a:lstStyle/>
+          <a:p>
+            <a:r>
+              <a:rPr lang="en-US" sz="1050" dirty="0">
+                <a:latin typeface="Courier" pitchFamily="2" charset="0"/>
+              </a:rPr>
+              <a:t>front</a:t>
+            </a:r>
+          </a:p>
+        </p:txBody>
+      </p:sp>
+      <p:sp>
+        <p:nvSpPr>
+          <p:cNvPr id="15" name="Rectangle 14">
+            <a:extLst>
+              <a:ext uri="{FF2B5EF4-FFF2-40B4-BE49-F238E27FC236}">
+                <a16:creationId xmlns:a16="http://schemas.microsoft.com/office/drawing/2014/main" id="{86CBFE86-1A8C-C349-926A-C2C9C19EE655}"/>
+              </a:ext>
+            </a:extLst>
+          </p:cNvPr>
+          <p:cNvSpPr/>
+          <p:nvPr/>
+        </p:nvSpPr>
+        <p:spPr>
+          <a:xfrm>
+            <a:off x="838200" y="1825625"/>
+            <a:ext cx="3803970" cy="1569660"/>
+          </a:xfrm>
+          <a:prstGeom prst="rect">
+            <a:avLst/>
+          </a:prstGeom>
+        </p:spPr>
+        <p:txBody>
+          <a:bodyPr wrap="square">
+            <a:spAutoFit/>
+          </a:bodyPr>
+          <a:lstStyle/>
+          <a:p>
+            <a:r>
+              <a:rPr lang="en-US" sz="1600" b="1" dirty="0">
+                <a:solidFill>
+                  <a:srgbClr val="0000FF"/>
+                </a:solidFill>
+                <a:latin typeface=" Courier New"/>
+              </a:rPr>
+              <a:t>def</a:t>
+            </a:r>
+            <a:r>
+              <a:rPr lang="en-US" sz="1600" b="1" dirty="0">
+                <a:solidFill>
+                  <a:srgbClr val="000000"/>
+                </a:solidFill>
+                <a:latin typeface=" Courier New"/>
+              </a:rPr>
+              <a:t> </a:t>
+            </a:r>
+            <a:r>
+              <a:rPr lang="en-US" sz="1600" b="1" dirty="0">
+                <a:solidFill>
+                  <a:srgbClr val="795E26"/>
+                </a:solidFill>
+                <a:latin typeface=" Courier New"/>
+              </a:rPr>
+              <a:t>insert</a:t>
+            </a:r>
+            <a:r>
+              <a:rPr lang="en-US" sz="1600" b="1" dirty="0">
+                <a:solidFill>
+                  <a:srgbClr val="000000"/>
+                </a:solidFill>
+                <a:latin typeface=" Courier New"/>
+              </a:rPr>
+              <a:t>(</a:t>
+            </a:r>
+            <a:r>
+              <a:rPr lang="en-US" sz="1600" b="1" dirty="0">
+                <a:solidFill>
+                  <a:srgbClr val="001080"/>
+                </a:solidFill>
+                <a:latin typeface=" Courier New"/>
+              </a:rPr>
+              <a:t>item</a:t>
+            </a:r>
+            <a:r>
+              <a:rPr lang="en-US" sz="1600" b="1" dirty="0">
+                <a:solidFill>
+                  <a:srgbClr val="000000"/>
+                </a:solidFill>
+                <a:latin typeface=" Courier New"/>
+              </a:rPr>
+              <a:t>):</a:t>
+            </a:r>
+          </a:p>
+          <a:p>
+            <a:pPr lvl="1"/>
+            <a:r>
+              <a:rPr lang="en-US" sz="1600" b="1" dirty="0">
+                <a:solidFill>
+                  <a:srgbClr val="AF00DB"/>
+                </a:solidFill>
+                <a:latin typeface=" Courier New"/>
+              </a:rPr>
+              <a:t>if</a:t>
+            </a:r>
+            <a:r>
+              <a:rPr lang="en-US" sz="1600" b="1" dirty="0">
+                <a:solidFill>
+                  <a:srgbClr val="000000"/>
+                </a:solidFill>
+                <a:latin typeface=" Courier New"/>
+              </a:rPr>
+              <a:t>((</a:t>
+            </a:r>
+            <a:r>
+              <a:rPr lang="en-US" sz="1600" b="1" dirty="0">
+                <a:solidFill>
+                  <a:srgbClr val="001080"/>
+                </a:solidFill>
+                <a:latin typeface=" Courier New"/>
+              </a:rPr>
+              <a:t>rear</a:t>
+            </a:r>
+            <a:r>
+              <a:rPr lang="en-US" sz="1600" b="1" dirty="0">
+                <a:solidFill>
+                  <a:srgbClr val="000000"/>
+                </a:solidFill>
+                <a:latin typeface=" Courier New"/>
+              </a:rPr>
+              <a:t>+</a:t>
+            </a:r>
+            <a:r>
+              <a:rPr lang="en-US" sz="1600" b="1" dirty="0">
+                <a:solidFill>
+                  <a:srgbClr val="098658"/>
+                </a:solidFill>
+                <a:latin typeface=" Courier New"/>
+              </a:rPr>
+              <a:t>1</a:t>
+            </a:r>
+            <a:r>
+              <a:rPr lang="en-US" sz="1600" b="1" dirty="0">
+                <a:solidFill>
+                  <a:srgbClr val="000000"/>
+                </a:solidFill>
+                <a:latin typeface=" Courier New"/>
+              </a:rPr>
+              <a:t>) % </a:t>
+            </a:r>
+            <a:r>
+              <a:rPr lang="en-US" sz="1600" b="1" dirty="0">
+                <a:solidFill>
+                  <a:srgbClr val="001080"/>
+                </a:solidFill>
+                <a:latin typeface=" Courier New"/>
+              </a:rPr>
+              <a:t>n</a:t>
+            </a:r>
+            <a:r>
+              <a:rPr lang="en-US" sz="1600" b="1" dirty="0">
+                <a:solidFill>
+                  <a:srgbClr val="000000"/>
+                </a:solidFill>
+                <a:latin typeface=" Courier New"/>
+              </a:rPr>
+              <a:t>==</a:t>
+            </a:r>
+            <a:r>
+              <a:rPr lang="en-US" sz="1600" b="1" dirty="0">
+                <a:solidFill>
+                  <a:srgbClr val="001080"/>
+                </a:solidFill>
+                <a:latin typeface=" Courier New"/>
+              </a:rPr>
+              <a:t>front</a:t>
+            </a:r>
+            <a:r>
+              <a:rPr lang="en-US" sz="1600" b="1" dirty="0">
+                <a:solidFill>
+                  <a:srgbClr val="000000"/>
+                </a:solidFill>
+                <a:latin typeface=" Courier New"/>
+              </a:rPr>
+              <a:t>):</a:t>
+            </a:r>
+          </a:p>
+          <a:p>
+            <a:pPr lvl="2"/>
+            <a:r>
+              <a:rPr lang="en-US" sz="1600" b="1" dirty="0">
+                <a:solidFill>
+                  <a:srgbClr val="AF00DB"/>
+                </a:solidFill>
+                <a:latin typeface=" Courier New"/>
+              </a:rPr>
+              <a:t>return</a:t>
+            </a:r>
+            <a:r>
+              <a:rPr lang="en-US" sz="1600" b="1" dirty="0">
+                <a:solidFill>
+                  <a:srgbClr val="000000"/>
+                </a:solidFill>
+                <a:latin typeface=" Courier New"/>
+              </a:rPr>
+              <a:t> </a:t>
+            </a:r>
+            <a:r>
+              <a:rPr lang="en-US" sz="1600" b="1" dirty="0">
+                <a:solidFill>
+                  <a:srgbClr val="A31515"/>
+                </a:solidFill>
+                <a:latin typeface=" Courier New"/>
+              </a:rPr>
+              <a:t>"Queue is Full"</a:t>
+            </a:r>
+            <a:endParaRPr lang="en-US" sz="1600" b="1" dirty="0">
+              <a:solidFill>
+                <a:srgbClr val="000000"/>
+              </a:solidFill>
+              <a:latin typeface=" Courier New"/>
+            </a:endParaRPr>
+          </a:p>
+          <a:p>
+            <a:pPr lvl="1"/>
+            <a:r>
+              <a:rPr lang="en-US" sz="1600" b="1" dirty="0">
+                <a:solidFill>
+                  <a:srgbClr val="AF00DB"/>
+                </a:solidFill>
+                <a:latin typeface=" Courier New"/>
+              </a:rPr>
+              <a:t>else</a:t>
+            </a:r>
+            <a:r>
+              <a:rPr lang="en-US" sz="1600" b="1" dirty="0">
+                <a:solidFill>
+                  <a:srgbClr val="000000"/>
+                </a:solidFill>
+                <a:latin typeface=" Courier New"/>
+              </a:rPr>
+              <a:t>:</a:t>
+            </a:r>
+          </a:p>
+          <a:p>
+            <a:pPr lvl="2"/>
+            <a:r>
+              <a:rPr lang="en-US" sz="1600" b="1" dirty="0">
+                <a:solidFill>
+                  <a:srgbClr val="001080"/>
+                </a:solidFill>
+                <a:latin typeface=" Courier New"/>
+              </a:rPr>
+              <a:t>rear </a:t>
+            </a:r>
+            <a:r>
+              <a:rPr lang="en-US" sz="1600" b="1" dirty="0">
+                <a:solidFill>
+                  <a:srgbClr val="000000"/>
+                </a:solidFill>
+                <a:latin typeface=" Courier New"/>
+              </a:rPr>
+              <a:t>= (</a:t>
+            </a:r>
+            <a:r>
+              <a:rPr lang="en-US" sz="1600" b="1" dirty="0">
+                <a:solidFill>
+                  <a:srgbClr val="001080"/>
+                </a:solidFill>
+                <a:latin typeface=" Courier New"/>
+              </a:rPr>
+              <a:t>rear</a:t>
+            </a:r>
+            <a:r>
+              <a:rPr lang="en-US" sz="1600" b="1" dirty="0">
+                <a:solidFill>
+                  <a:srgbClr val="000000"/>
+                </a:solidFill>
+                <a:latin typeface=" Courier New"/>
+              </a:rPr>
+              <a:t>+</a:t>
+            </a:r>
+            <a:r>
+              <a:rPr lang="en-US" sz="1600" b="1" dirty="0">
+                <a:solidFill>
+                  <a:srgbClr val="098658"/>
+                </a:solidFill>
+                <a:latin typeface=" Courier New"/>
+              </a:rPr>
+              <a:t>1</a:t>
+            </a:r>
+            <a:r>
+              <a:rPr lang="en-US" sz="1600" b="1" dirty="0">
+                <a:solidFill>
+                  <a:srgbClr val="000000"/>
+                </a:solidFill>
+                <a:latin typeface=" Courier New"/>
+              </a:rPr>
+              <a:t>) % </a:t>
+            </a:r>
+            <a:r>
+              <a:rPr lang="en-US" sz="1600" b="1" dirty="0">
+                <a:solidFill>
+                  <a:srgbClr val="001080"/>
+                </a:solidFill>
+                <a:latin typeface=" Courier New"/>
+              </a:rPr>
+              <a:t>n</a:t>
+            </a:r>
+            <a:endParaRPr lang="en-US" sz="1600" b="1" dirty="0">
+              <a:solidFill>
+                <a:srgbClr val="000000"/>
+              </a:solidFill>
+              <a:latin typeface=" Courier New"/>
+            </a:endParaRPr>
+          </a:p>
+          <a:p>
+            <a:pPr lvl="2"/>
+            <a:r>
+              <a:rPr lang="en-US" sz="1600" b="1" dirty="0">
+                <a:solidFill>
+                  <a:srgbClr val="0070C1"/>
+                </a:solidFill>
+                <a:latin typeface=" Courier New"/>
+              </a:rPr>
+              <a:t>Q</a:t>
+            </a:r>
+            <a:r>
+              <a:rPr lang="en-US" sz="1600" b="1" dirty="0">
+                <a:solidFill>
+                  <a:srgbClr val="000000"/>
+                </a:solidFill>
+                <a:latin typeface=" Courier New"/>
+              </a:rPr>
+              <a:t>[</a:t>
+            </a:r>
+            <a:r>
+              <a:rPr lang="en-US" sz="1600" b="1" dirty="0">
+                <a:solidFill>
+                  <a:srgbClr val="001080"/>
+                </a:solidFill>
+                <a:latin typeface=" Courier New"/>
+              </a:rPr>
+              <a:t>rear</a:t>
+            </a:r>
+            <a:r>
+              <a:rPr lang="en-US" sz="1600" b="1" dirty="0">
+                <a:solidFill>
+                  <a:srgbClr val="000000"/>
+                </a:solidFill>
+                <a:latin typeface=" Courier New"/>
+              </a:rPr>
+              <a:t>]=</a:t>
+            </a:r>
+            <a:r>
+              <a:rPr lang="en-US" sz="1600" b="1" dirty="0">
+                <a:solidFill>
+                  <a:srgbClr val="001080"/>
+                </a:solidFill>
+                <a:latin typeface=" Courier New"/>
+              </a:rPr>
+              <a:t>item</a:t>
+            </a:r>
+            <a:endParaRPr lang="en-US" sz="1600" b="1" dirty="0">
+              <a:solidFill>
+                <a:srgbClr val="000000"/>
+              </a:solidFill>
+              <a:effectLst/>
+              <a:latin typeface=" Courier New"/>
+            </a:endParaRPr>
+          </a:p>
+        </p:txBody>
+      </p:sp>
+      <p:sp>
+        <p:nvSpPr>
+          <p:cNvPr id="16" name="TextBox 15">
+            <a:extLst>
+              <a:ext uri="{FF2B5EF4-FFF2-40B4-BE49-F238E27FC236}">
+                <a16:creationId xmlns:a16="http://schemas.microsoft.com/office/drawing/2014/main" id="{74E2F149-3B7B-8044-A137-CBB84E1F4D3E}"/>
+              </a:ext>
+            </a:extLst>
+          </p:cNvPr>
+          <p:cNvSpPr txBox="1"/>
+          <p:nvPr/>
+        </p:nvSpPr>
+        <p:spPr>
+          <a:xfrm>
+            <a:off x="5664470" y="3734520"/>
+            <a:ext cx="431529" cy="338554"/>
+          </a:xfrm>
+          <a:prstGeom prst="rect">
+            <a:avLst/>
+          </a:prstGeom>
+          <a:noFill/>
+        </p:spPr>
+        <p:txBody>
+          <a:bodyPr wrap="none" rtlCol="0">
+            <a:spAutoFit/>
+          </a:bodyPr>
+          <a:lstStyle/>
+          <a:p>
+            <a:pPr marL="0" algn="r" defTabSz="914400" rtl="1" eaLnBrk="1" latinLnBrk="0" hangingPunct="1"/>
+            <a:r>
+              <a:rPr lang="en-US" sz="1600" dirty="0">
+                <a:latin typeface="Courier" pitchFamily="2" charset="0"/>
+              </a:rPr>
+              <a:t>70</a:t>
+            </a:r>
+          </a:p>
+        </p:txBody>
+      </p:sp>
+    </p:spTree>
+    <p:extLst>
+      <p:ext uri="{BB962C8B-B14F-4D97-AF65-F5344CB8AC3E}">
+        <p14:creationId xmlns:p14="http://schemas.microsoft.com/office/powerpoint/2010/main" val="592217134"/>
+      </p:ext>
+    </p:extLst>
+  </p:cSld>
+  <p:clrMapOvr>
+    <a:masterClrMapping/>
+  </p:clrMapOvr>
+</p:sld>
+</file>
+
+<file path=ppt/slides/slide2.xml><?xml version="1.0" encoding="utf-8"?>
+<p:sld xmlns:a="http://schemas.openxmlformats.org/drawingml/2006/main" xmlns:r="http://schemas.openxmlformats.org/officeDocument/2006/relationships" xmlns:p="http://schemas.openxmlformats.org/presentationml/2006/main">
+  <p:cSld>
+    <p:spTree>
+      <p:nvGrpSpPr>
+        <p:cNvPr id="1" name=""/>
+        <p:cNvGrpSpPr/>
+        <p:nvPr/>
+      </p:nvGrpSpPr>
+      <p:grpSpPr>
+        <a:xfrm>
+          <a:off x="0" y="0"/>
+          <a:ext cx="0" cy="0"/>
+          <a:chOff x="0" y="0"/>
+          <a:chExt cx="0" cy="0"/>
+        </a:xfrm>
+      </p:grpSpPr>
+      <p:sp>
+        <p:nvSpPr>
+          <p:cNvPr id="2" name="Title 1">
+            <a:extLst>
+              <a:ext uri="{FF2B5EF4-FFF2-40B4-BE49-F238E27FC236}">
+                <a16:creationId xmlns:a16="http://schemas.microsoft.com/office/drawing/2014/main" id="{FBD585B8-C540-BC4C-A8BC-70161E6ABC68}"/>
+              </a:ext>
+            </a:extLst>
+          </p:cNvPr>
+          <p:cNvSpPr>
+            <a:spLocks noGrp="1"/>
+          </p:cNvSpPr>
+          <p:nvPr>
+            <p:ph type="title"/>
+          </p:nvPr>
+        </p:nvSpPr>
+        <p:spPr/>
+        <p:txBody>
+          <a:bodyPr/>
+          <a:lstStyle/>
+          <a:p>
+            <a:pPr algn="r" rtl="1"/>
+            <a:r>
+              <a:rPr lang="fa-IR" dirty="0">
+                <a:latin typeface="IRTitr" panose="02000506000000020002" pitchFamily="2" charset="-78"/>
+                <a:cs typeface="IRTitr" panose="02000506000000020002" pitchFamily="2" charset="-78"/>
+              </a:rPr>
+              <a:t>صف</a:t>
+            </a:r>
+            <a:endParaRPr lang="en-US" dirty="0">
+              <a:latin typeface="IRTitr" panose="02000506000000020002" pitchFamily="2" charset="-78"/>
+              <a:cs typeface="IRTitr" panose="02000506000000020002" pitchFamily="2" charset="-78"/>
+            </a:endParaRPr>
+          </a:p>
+        </p:txBody>
+      </p:sp>
+      <p:sp>
+        <p:nvSpPr>
+          <p:cNvPr id="3" name="Content Placeholder 2">
+            <a:extLst>
+              <a:ext uri="{FF2B5EF4-FFF2-40B4-BE49-F238E27FC236}">
+                <a16:creationId xmlns:a16="http://schemas.microsoft.com/office/drawing/2014/main" id="{990EA250-150E-7946-BCA2-C547DA2871A5}"/>
+              </a:ext>
+            </a:extLst>
+          </p:cNvPr>
+          <p:cNvSpPr>
+            <a:spLocks noGrp="1"/>
+          </p:cNvSpPr>
+          <p:nvPr>
+            <p:ph idx="1"/>
+          </p:nvPr>
+        </p:nvSpPr>
+        <p:spPr/>
+        <p:txBody>
+          <a:bodyPr/>
+          <a:lstStyle/>
+          <a:p>
+            <a:pPr marL="0" indent="0" algn="just" rtl="1">
+              <a:buNone/>
+            </a:pPr>
+            <a:r>
+              <a:rPr lang="fa-IR" dirty="0">
+                <a:latin typeface="IRMitra" panose="02000506000000020002" pitchFamily="2" charset="-78"/>
+                <a:cs typeface="IRMitra" panose="02000506000000020002" pitchFamily="2" charset="-78"/>
+              </a:rPr>
+              <a:t>تفاوت </a:t>
+            </a:r>
+            <a:r>
+              <a:rPr lang="fa-IR" dirty="0">
+                <a:solidFill>
+                  <a:srgbClr val="0070C0"/>
+                </a:solidFill>
+                <a:latin typeface="IRMitra" panose="02000506000000020002" pitchFamily="2" charset="-78"/>
+                <a:cs typeface="IRMitra" panose="02000506000000020002" pitchFamily="2" charset="-78"/>
+              </a:rPr>
+              <a:t>صف</a:t>
+            </a:r>
+            <a:r>
+              <a:rPr lang="fa-IR" dirty="0">
+                <a:latin typeface="IRMitra" panose="02000506000000020002" pitchFamily="2" charset="-78"/>
+                <a:cs typeface="IRMitra" panose="02000506000000020002" pitchFamily="2" charset="-78"/>
+              </a:rPr>
+              <a:t> با پشته در این است که درج و حذف عناصر در صف از اصل </a:t>
+            </a:r>
+            <a:r>
+              <a:rPr lang="fa-IR" dirty="0">
+                <a:solidFill>
+                  <a:schemeClr val="accent4">
+                    <a:lumMod val="50000"/>
+                  </a:schemeClr>
+                </a:solidFill>
+                <a:latin typeface="IRMitra" panose="02000506000000020002" pitchFamily="2" charset="-78"/>
+                <a:cs typeface="IRMitra" panose="02000506000000020002" pitchFamily="2" charset="-78"/>
+              </a:rPr>
+              <a:t>«اولین ورودی، اولین خروجی</a:t>
+            </a:r>
+            <a:r>
+              <a:rPr lang="en-US" dirty="0">
+                <a:solidFill>
+                  <a:schemeClr val="accent4">
+                    <a:lumMod val="50000"/>
+                  </a:schemeClr>
+                </a:solidFill>
+                <a:latin typeface="IRMitra" panose="02000506000000020002" pitchFamily="2" charset="-78"/>
+                <a:cs typeface="IRMitra" panose="02000506000000020002" pitchFamily="2" charset="-78"/>
+              </a:rPr>
+              <a:t>(FIFO)</a:t>
+            </a:r>
+            <a:r>
+              <a:rPr lang="fa-IR" dirty="0">
+                <a:solidFill>
+                  <a:schemeClr val="accent4">
+                    <a:lumMod val="50000"/>
+                  </a:schemeClr>
+                </a:solidFill>
+                <a:latin typeface="IRMitra" panose="02000506000000020002" pitchFamily="2" charset="-78"/>
+                <a:cs typeface="IRMitra" panose="02000506000000020002" pitchFamily="2" charset="-78"/>
+              </a:rPr>
+              <a:t>»</a:t>
+            </a:r>
+            <a:r>
+              <a:rPr lang="fa-IR" dirty="0">
+                <a:latin typeface="IRMitra" panose="02000506000000020002" pitchFamily="2" charset="-78"/>
+                <a:cs typeface="IRMitra" panose="02000506000000020002" pitchFamily="2" charset="-78"/>
+              </a:rPr>
+              <a:t> پیروی میکند. </a:t>
+            </a:r>
+          </a:p>
+          <a:p>
+            <a:pPr marL="0" indent="0" algn="just" rtl="1">
+              <a:buNone/>
+            </a:pPr>
+            <a:r>
+              <a:rPr lang="fa-IR" dirty="0">
+                <a:latin typeface="IRMitra" panose="02000506000000020002" pitchFamily="2" charset="-78"/>
+                <a:cs typeface="IRMitra" panose="02000506000000020002" pitchFamily="2" charset="-78"/>
+              </a:rPr>
+              <a:t>به عبارت دیگر هر زمان که بخواهیم میتوانیم یک عنصر به انتهای صف اضافه کنیم، اما در هنگام حذف تنها اجازه داریم اولین عنصر (عنصری که بیشتر از </a:t>
+            </a:r>
+            <a:r>
+              <a:rPr lang="fa-IR" dirty="0" err="1">
+                <a:latin typeface="IRMitra" panose="02000506000000020002" pitchFamily="2" charset="-78"/>
+                <a:cs typeface="IRMitra" panose="02000506000000020002" pitchFamily="2" charset="-78"/>
+              </a:rPr>
+              <a:t>بقیه‌ی</a:t>
+            </a:r>
+            <a:r>
+              <a:rPr lang="fa-IR" dirty="0">
+                <a:latin typeface="IRMitra" panose="02000506000000020002" pitchFamily="2" charset="-78"/>
+                <a:cs typeface="IRMitra" panose="02000506000000020002" pitchFamily="2" charset="-78"/>
+              </a:rPr>
+              <a:t> عناصر در صف بوده است) را از صف حذف کنیم. </a:t>
+            </a:r>
+          </a:p>
+          <a:p>
+            <a:pPr marL="0" indent="0" algn="just" defTabSz="914400" rtl="1" eaLnBrk="1" latinLnBrk="0" hangingPunct="1">
+              <a:lnSpc>
+                <a:spcPct val="90000"/>
+              </a:lnSpc>
+              <a:spcBef>
+                <a:spcPts val="1000"/>
+              </a:spcBef>
+              <a:buNone/>
+            </a:pPr>
+            <a:endParaRPr lang="en-US" dirty="0">
+              <a:latin typeface="IRMitra" panose="02000506000000020002" pitchFamily="2" charset="-78"/>
+              <a:cs typeface="IRMitra" panose="02000506000000020002" pitchFamily="2" charset="-78"/>
+            </a:endParaRPr>
+          </a:p>
+        </p:txBody>
+      </p:sp>
+      <p:pic>
+        <p:nvPicPr>
+          <p:cNvPr id="1034" name="Picture 10" descr="Cartoon positive people standing in queue at atm - Download Free Vectors,  Clipart Graphics &amp; Vector Art">
+            <a:extLst>
+              <a:ext uri="{FF2B5EF4-FFF2-40B4-BE49-F238E27FC236}">
+                <a16:creationId xmlns:a16="http://schemas.microsoft.com/office/drawing/2014/main" id="{B8A96BE1-DED0-C343-BDA3-84EB1F15113D}"/>
+              </a:ext>
+            </a:extLst>
+          </p:cNvPr>
+          <p:cNvPicPr>
+            <a:picLocks noChangeAspect="1" noChangeArrowheads="1"/>
+          </p:cNvPicPr>
+          <p:nvPr/>
+        </p:nvPicPr>
+        <p:blipFill>
+          <a:blip r:embed="rId3">
+            <a:extLst>
+              <a:ext uri="{28A0092B-C50C-407E-A947-70E740481C1C}">
+                <a14:useLocalDpi xmlns:a14="http://schemas.microsoft.com/office/drawing/2010/main" val="0"/>
+              </a:ext>
+            </a:extLst>
+          </a:blip>
+          <a:srcRect/>
+          <a:stretch>
+            <a:fillRect/>
+          </a:stretch>
+        </p:blipFill>
+        <p:spPr bwMode="auto">
+          <a:xfrm>
+            <a:off x="3379076" y="4161555"/>
+            <a:ext cx="5433848" cy="2331320"/>
+          </a:xfrm>
+          <a:prstGeom prst="rect">
+            <a:avLst/>
+          </a:prstGeom>
+          <a:noFill/>
+          <a:extLst>
+            <a:ext uri="{909E8E84-426E-40DD-AFC4-6F175D3DCCD1}">
+              <a14:hiddenFill xmlns:a14="http://schemas.microsoft.com/office/drawing/2010/main">
+                <a:solidFill>
+                  <a:srgbClr val="FFFFFF"/>
+                </a:solidFill>
+              </a14:hiddenFill>
+            </a:ext>
+          </a:extLst>
+        </p:spPr>
+      </p:pic>
+    </p:spTree>
+    <p:extLst>
+      <p:ext uri="{BB962C8B-B14F-4D97-AF65-F5344CB8AC3E}">
+        <p14:creationId xmlns:p14="http://schemas.microsoft.com/office/powerpoint/2010/main" val="2400463680"/>
+      </p:ext>
+    </p:extLst>
+  </p:cSld>
+  <p:clrMapOvr>
+    <a:masterClrMapping/>
+  </p:clrMapOvr>
+</p:sld>
+</file>
+
+<file path=ppt/slides/slide20.xml><?xml version="1.0" encoding="utf-8"?>
+<p:sld xmlns:a="http://schemas.openxmlformats.org/drawingml/2006/main" xmlns:r="http://schemas.openxmlformats.org/officeDocument/2006/relationships" xmlns:p="http://schemas.openxmlformats.org/presentationml/2006/main">
+  <p:cSld>
+    <p:spTree>
+      <p:nvGrpSpPr>
+        <p:cNvPr id="1" name=""/>
+        <p:cNvGrpSpPr/>
+        <p:nvPr/>
+      </p:nvGrpSpPr>
+      <p:grpSpPr>
+        <a:xfrm>
+          <a:off x="0" y="0"/>
+          <a:ext cx="0" cy="0"/>
+          <a:chOff x="0" y="0"/>
+          <a:chExt cx="0" cy="0"/>
+        </a:xfrm>
+      </p:grpSpPr>
+      <p:sp>
+        <p:nvSpPr>
+          <p:cNvPr id="2" name="Title 1">
+            <a:extLst>
+              <a:ext uri="{FF2B5EF4-FFF2-40B4-BE49-F238E27FC236}">
+                <a16:creationId xmlns:a16="http://schemas.microsoft.com/office/drawing/2014/main" id="{FBD585B8-C540-BC4C-A8BC-70161E6ABC68}"/>
+              </a:ext>
+            </a:extLst>
+          </p:cNvPr>
+          <p:cNvSpPr>
+            <a:spLocks noGrp="1"/>
+          </p:cNvSpPr>
+          <p:nvPr>
+            <p:ph type="title"/>
+          </p:nvPr>
+        </p:nvSpPr>
+        <p:spPr/>
+        <p:txBody>
+          <a:bodyPr/>
+          <a:lstStyle/>
+          <a:p>
+            <a:pPr algn="r" rtl="1"/>
+            <a:r>
+              <a:rPr lang="fa-IR" dirty="0">
+                <a:latin typeface="IRTitr" panose="02000506000000020002" pitchFamily="2" charset="-78"/>
+                <a:cs typeface="IRTitr" panose="02000506000000020002" pitchFamily="2" charset="-78"/>
+              </a:rPr>
+              <a:t>مثال: درج و حذف</a:t>
+            </a:r>
+            <a:endParaRPr lang="en-US" dirty="0">
+              <a:latin typeface="IRTitr" panose="02000506000000020002" pitchFamily="2" charset="-78"/>
+              <a:cs typeface="IRTitr" panose="02000506000000020002" pitchFamily="2" charset="-78"/>
+            </a:endParaRPr>
+          </a:p>
+        </p:txBody>
+      </p:sp>
+      <p:sp>
+        <p:nvSpPr>
+          <p:cNvPr id="3" name="Content Placeholder 2">
+            <a:extLst>
+              <a:ext uri="{FF2B5EF4-FFF2-40B4-BE49-F238E27FC236}">
+                <a16:creationId xmlns:a16="http://schemas.microsoft.com/office/drawing/2014/main" id="{990EA250-150E-7946-BCA2-C547DA2871A5}"/>
+              </a:ext>
+            </a:extLst>
+          </p:cNvPr>
+          <p:cNvSpPr>
+            <a:spLocks noGrp="1"/>
+          </p:cNvSpPr>
+          <p:nvPr>
+            <p:ph idx="1"/>
+          </p:nvPr>
+        </p:nvSpPr>
+        <p:spPr/>
+        <p:txBody>
+          <a:bodyPr/>
+          <a:lstStyle/>
+          <a:p>
+            <a:pPr marL="0" indent="0" algn="r" defTabSz="914400" rtl="1" eaLnBrk="1" latinLnBrk="0" hangingPunct="1">
+              <a:lnSpc>
+                <a:spcPct val="90000"/>
+              </a:lnSpc>
+              <a:spcBef>
+                <a:spcPts val="1000"/>
+              </a:spcBef>
+              <a:buNone/>
+            </a:pPr>
+            <a:r>
+              <a:rPr lang="fa-IR" dirty="0">
+                <a:latin typeface="IRMitra" panose="02000506000000020002" pitchFamily="2" charset="-78"/>
+                <a:cs typeface="IRMitra" panose="02000506000000020002" pitchFamily="2" charset="-78"/>
+              </a:rPr>
+              <a:t>برای مثال میخواهیم </a:t>
+            </a:r>
+            <a:r>
+              <a:rPr lang="fa-IR" b="1" dirty="0">
+                <a:latin typeface="IRMitra" panose="02000506000000020002" pitchFamily="2" charset="-78"/>
+                <a:cs typeface="IRMitra" panose="02000506000000020002" pitchFamily="2" charset="-78"/>
+              </a:rPr>
+              <a:t>۸۰</a:t>
+            </a:r>
+            <a:r>
+              <a:rPr lang="fa-IR" dirty="0">
+                <a:latin typeface="IRMitra" panose="02000506000000020002" pitchFamily="2" charset="-78"/>
+                <a:cs typeface="IRMitra" panose="02000506000000020002" pitchFamily="2" charset="-78"/>
+              </a:rPr>
+              <a:t> را در این لیست درج کنیم.</a:t>
+            </a:r>
+            <a:endParaRPr lang="en-US" dirty="0">
+              <a:latin typeface="IRMitra" panose="02000506000000020002" pitchFamily="2" charset="-78"/>
+              <a:cs typeface="IRMitra" panose="02000506000000020002" pitchFamily="2" charset="-78"/>
+            </a:endParaRPr>
+          </a:p>
+        </p:txBody>
+      </p:sp>
+      <p:sp>
+        <p:nvSpPr>
+          <p:cNvPr id="15" name="Rectangle 14">
+            <a:extLst>
+              <a:ext uri="{FF2B5EF4-FFF2-40B4-BE49-F238E27FC236}">
+                <a16:creationId xmlns:a16="http://schemas.microsoft.com/office/drawing/2014/main" id="{86CBFE86-1A8C-C349-926A-C2C9C19EE655}"/>
+              </a:ext>
+            </a:extLst>
+          </p:cNvPr>
+          <p:cNvSpPr/>
+          <p:nvPr/>
+        </p:nvSpPr>
+        <p:spPr>
+          <a:xfrm>
+            <a:off x="838200" y="1825625"/>
+            <a:ext cx="3803970" cy="1569660"/>
+          </a:xfrm>
+          <a:prstGeom prst="rect">
+            <a:avLst/>
+          </a:prstGeom>
+        </p:spPr>
+        <p:txBody>
+          <a:bodyPr wrap="square">
+            <a:spAutoFit/>
+          </a:bodyPr>
+          <a:lstStyle/>
+          <a:p>
+            <a:r>
+              <a:rPr lang="en-US" sz="1600" b="1" dirty="0">
+                <a:solidFill>
+                  <a:srgbClr val="0000FF"/>
+                </a:solidFill>
+                <a:latin typeface=" Courier New"/>
+              </a:rPr>
+              <a:t>def</a:t>
+            </a:r>
+            <a:r>
+              <a:rPr lang="en-US" sz="1600" b="1" dirty="0">
+                <a:solidFill>
+                  <a:srgbClr val="000000"/>
+                </a:solidFill>
+                <a:latin typeface=" Courier New"/>
+              </a:rPr>
+              <a:t> </a:t>
+            </a:r>
+            <a:r>
+              <a:rPr lang="en-US" sz="1600" b="1" dirty="0">
+                <a:solidFill>
+                  <a:srgbClr val="795E26"/>
+                </a:solidFill>
+                <a:latin typeface=" Courier New"/>
+              </a:rPr>
+              <a:t>insert</a:t>
+            </a:r>
+            <a:r>
+              <a:rPr lang="en-US" sz="1600" b="1" dirty="0">
+                <a:solidFill>
+                  <a:srgbClr val="000000"/>
+                </a:solidFill>
+                <a:latin typeface=" Courier New"/>
+              </a:rPr>
+              <a:t>(</a:t>
+            </a:r>
+            <a:r>
+              <a:rPr lang="en-US" sz="1600" b="1" dirty="0">
+                <a:solidFill>
+                  <a:srgbClr val="001080"/>
+                </a:solidFill>
+                <a:latin typeface=" Courier New"/>
+              </a:rPr>
+              <a:t>item</a:t>
+            </a:r>
+            <a:r>
+              <a:rPr lang="en-US" sz="1600" b="1" dirty="0">
+                <a:solidFill>
+                  <a:srgbClr val="000000"/>
+                </a:solidFill>
+                <a:latin typeface=" Courier New"/>
+              </a:rPr>
+              <a:t>):</a:t>
+            </a:r>
+          </a:p>
+          <a:p>
+            <a:pPr lvl="1"/>
+            <a:r>
+              <a:rPr lang="en-US" sz="1600" b="1" dirty="0">
+                <a:solidFill>
+                  <a:srgbClr val="AF00DB"/>
+                </a:solidFill>
+                <a:latin typeface=" Courier New"/>
+              </a:rPr>
+              <a:t>if</a:t>
+            </a:r>
+            <a:r>
+              <a:rPr lang="en-US" sz="1600" b="1" dirty="0">
+                <a:solidFill>
+                  <a:srgbClr val="000000"/>
+                </a:solidFill>
+                <a:latin typeface=" Courier New"/>
+              </a:rPr>
+              <a:t>((</a:t>
+            </a:r>
+            <a:r>
+              <a:rPr lang="en-US" sz="1600" b="1" dirty="0">
+                <a:solidFill>
+                  <a:srgbClr val="001080"/>
+                </a:solidFill>
+                <a:latin typeface=" Courier New"/>
+              </a:rPr>
+              <a:t>rear</a:t>
+            </a:r>
+            <a:r>
+              <a:rPr lang="en-US" sz="1600" b="1" dirty="0">
+                <a:solidFill>
+                  <a:srgbClr val="000000"/>
+                </a:solidFill>
+                <a:latin typeface=" Courier New"/>
+              </a:rPr>
+              <a:t>+</a:t>
+            </a:r>
+            <a:r>
+              <a:rPr lang="en-US" sz="1600" b="1" dirty="0">
+                <a:solidFill>
+                  <a:srgbClr val="098658"/>
+                </a:solidFill>
+                <a:latin typeface=" Courier New"/>
+              </a:rPr>
+              <a:t>1</a:t>
+            </a:r>
+            <a:r>
+              <a:rPr lang="en-US" sz="1600" b="1" dirty="0">
+                <a:solidFill>
+                  <a:srgbClr val="000000"/>
+                </a:solidFill>
+                <a:latin typeface=" Courier New"/>
+              </a:rPr>
+              <a:t>) % </a:t>
+            </a:r>
+            <a:r>
+              <a:rPr lang="en-US" sz="1600" b="1" dirty="0">
+                <a:solidFill>
+                  <a:srgbClr val="001080"/>
+                </a:solidFill>
+                <a:latin typeface=" Courier New"/>
+              </a:rPr>
+              <a:t>n</a:t>
+            </a:r>
+            <a:r>
+              <a:rPr lang="en-US" sz="1600" b="1" dirty="0">
+                <a:solidFill>
+                  <a:srgbClr val="000000"/>
+                </a:solidFill>
+                <a:latin typeface=" Courier New"/>
+              </a:rPr>
+              <a:t>==</a:t>
+            </a:r>
+            <a:r>
+              <a:rPr lang="en-US" sz="1600" b="1" dirty="0">
+                <a:solidFill>
+                  <a:srgbClr val="001080"/>
+                </a:solidFill>
+                <a:latin typeface=" Courier New"/>
+              </a:rPr>
+              <a:t>front</a:t>
+            </a:r>
+            <a:r>
+              <a:rPr lang="en-US" sz="1600" b="1" dirty="0">
+                <a:solidFill>
+                  <a:srgbClr val="000000"/>
+                </a:solidFill>
+                <a:latin typeface=" Courier New"/>
+              </a:rPr>
+              <a:t>):</a:t>
+            </a:r>
+          </a:p>
+          <a:p>
+            <a:pPr lvl="2"/>
+            <a:r>
+              <a:rPr lang="en-US" sz="1600" b="1" dirty="0">
+                <a:solidFill>
+                  <a:srgbClr val="AF00DB"/>
+                </a:solidFill>
+                <a:latin typeface=" Courier New"/>
+              </a:rPr>
+              <a:t>return</a:t>
+            </a:r>
+            <a:r>
+              <a:rPr lang="en-US" sz="1600" b="1" dirty="0">
+                <a:solidFill>
+                  <a:srgbClr val="000000"/>
+                </a:solidFill>
+                <a:latin typeface=" Courier New"/>
+              </a:rPr>
+              <a:t> </a:t>
+            </a:r>
+            <a:r>
+              <a:rPr lang="en-US" sz="1600" b="1" dirty="0">
+                <a:solidFill>
+                  <a:srgbClr val="A31515"/>
+                </a:solidFill>
+                <a:latin typeface=" Courier New"/>
+              </a:rPr>
+              <a:t>"Queue is Full"</a:t>
+            </a:r>
+            <a:endParaRPr lang="en-US" sz="1600" b="1" dirty="0">
+              <a:solidFill>
+                <a:srgbClr val="000000"/>
+              </a:solidFill>
+              <a:latin typeface=" Courier New"/>
+            </a:endParaRPr>
+          </a:p>
+          <a:p>
+            <a:pPr lvl="1"/>
+            <a:r>
+              <a:rPr lang="en-US" sz="1600" b="1" dirty="0">
+                <a:solidFill>
+                  <a:srgbClr val="AF00DB"/>
+                </a:solidFill>
+                <a:latin typeface=" Courier New"/>
+              </a:rPr>
+              <a:t>else</a:t>
+            </a:r>
+            <a:r>
+              <a:rPr lang="en-US" sz="1600" b="1" dirty="0">
+                <a:solidFill>
+                  <a:srgbClr val="000000"/>
+                </a:solidFill>
+                <a:latin typeface=" Courier New"/>
+              </a:rPr>
+              <a:t>:</a:t>
+            </a:r>
+          </a:p>
+          <a:p>
+            <a:pPr lvl="2"/>
+            <a:r>
+              <a:rPr lang="en-US" sz="1600" b="1" dirty="0">
+                <a:solidFill>
+                  <a:srgbClr val="001080"/>
+                </a:solidFill>
+                <a:latin typeface=" Courier New"/>
+              </a:rPr>
+              <a:t>rear </a:t>
+            </a:r>
+            <a:r>
+              <a:rPr lang="en-US" sz="1600" b="1" dirty="0">
+                <a:solidFill>
+                  <a:srgbClr val="000000"/>
+                </a:solidFill>
+                <a:latin typeface=" Courier New"/>
+              </a:rPr>
+              <a:t>= (</a:t>
+            </a:r>
+            <a:r>
+              <a:rPr lang="en-US" sz="1600" b="1" dirty="0">
+                <a:solidFill>
+                  <a:srgbClr val="001080"/>
+                </a:solidFill>
+                <a:latin typeface=" Courier New"/>
+              </a:rPr>
+              <a:t>rear</a:t>
+            </a:r>
+            <a:r>
+              <a:rPr lang="en-US" sz="1600" b="1" dirty="0">
+                <a:solidFill>
+                  <a:srgbClr val="000000"/>
+                </a:solidFill>
+                <a:latin typeface=" Courier New"/>
+              </a:rPr>
+              <a:t>+</a:t>
+            </a:r>
+            <a:r>
+              <a:rPr lang="en-US" sz="1600" b="1" dirty="0">
+                <a:solidFill>
+                  <a:srgbClr val="098658"/>
+                </a:solidFill>
+                <a:latin typeface=" Courier New"/>
+              </a:rPr>
+              <a:t>1</a:t>
+            </a:r>
+            <a:r>
+              <a:rPr lang="en-US" sz="1600" b="1" dirty="0">
+                <a:solidFill>
+                  <a:srgbClr val="000000"/>
+                </a:solidFill>
+                <a:latin typeface=" Courier New"/>
+              </a:rPr>
+              <a:t>) % </a:t>
+            </a:r>
+            <a:r>
+              <a:rPr lang="en-US" sz="1600" b="1" dirty="0">
+                <a:solidFill>
+                  <a:srgbClr val="001080"/>
+                </a:solidFill>
+                <a:latin typeface=" Courier New"/>
+              </a:rPr>
+              <a:t>n</a:t>
+            </a:r>
+            <a:endParaRPr lang="en-US" sz="1600" b="1" dirty="0">
+              <a:solidFill>
+                <a:srgbClr val="000000"/>
+              </a:solidFill>
+              <a:latin typeface=" Courier New"/>
+            </a:endParaRPr>
+          </a:p>
+          <a:p>
+            <a:pPr lvl="2"/>
+            <a:r>
+              <a:rPr lang="en-US" sz="1600" b="1" dirty="0">
+                <a:solidFill>
+                  <a:srgbClr val="0070C1"/>
+                </a:solidFill>
+                <a:latin typeface=" Courier New"/>
+              </a:rPr>
+              <a:t>Q</a:t>
+            </a:r>
+            <a:r>
+              <a:rPr lang="en-US" sz="1600" b="1" dirty="0">
+                <a:solidFill>
+                  <a:srgbClr val="000000"/>
+                </a:solidFill>
+                <a:latin typeface=" Courier New"/>
+              </a:rPr>
+              <a:t>[</a:t>
+            </a:r>
+            <a:r>
+              <a:rPr lang="en-US" sz="1600" b="1" dirty="0">
+                <a:solidFill>
+                  <a:srgbClr val="001080"/>
+                </a:solidFill>
+                <a:latin typeface=" Courier New"/>
+              </a:rPr>
+              <a:t>rear</a:t>
+            </a:r>
+            <a:r>
+              <a:rPr lang="en-US" sz="1600" b="1" dirty="0">
+                <a:solidFill>
+                  <a:srgbClr val="000000"/>
+                </a:solidFill>
+                <a:latin typeface=" Courier New"/>
+              </a:rPr>
+              <a:t>]=</a:t>
+            </a:r>
+            <a:r>
+              <a:rPr lang="en-US" sz="1600" b="1" dirty="0">
+                <a:solidFill>
+                  <a:srgbClr val="001080"/>
+                </a:solidFill>
+                <a:latin typeface=" Courier New"/>
+              </a:rPr>
+              <a:t>item</a:t>
+            </a:r>
+            <a:endParaRPr lang="en-US" sz="1600" b="1" dirty="0">
+              <a:solidFill>
+                <a:srgbClr val="000000"/>
+              </a:solidFill>
+              <a:effectLst/>
+              <a:latin typeface=" Courier New"/>
+            </a:endParaRPr>
+          </a:p>
+        </p:txBody>
+      </p:sp>
+      <p:pic>
+        <p:nvPicPr>
+          <p:cNvPr id="16" name="Picture 2">
+            <a:extLst>
+              <a:ext uri="{FF2B5EF4-FFF2-40B4-BE49-F238E27FC236}">
+                <a16:creationId xmlns:a16="http://schemas.microsoft.com/office/drawing/2014/main" id="{1D883AE7-C00A-4A47-BE58-810518F58961}"/>
+              </a:ext>
+            </a:extLst>
+          </p:cNvPr>
+          <p:cNvPicPr>
+            <a:picLocks noChangeAspect="1" noChangeArrowheads="1"/>
+          </p:cNvPicPr>
+          <p:nvPr/>
+        </p:nvPicPr>
+        <p:blipFill>
+          <a:blip r:embed="rId3">
+            <a:extLst>
+              <a:ext uri="{28A0092B-C50C-407E-A947-70E740481C1C}">
+                <a14:useLocalDpi xmlns:a14="http://schemas.microsoft.com/office/drawing/2010/main" val="0"/>
+              </a:ext>
+            </a:extLst>
+          </a:blip>
+          <a:srcRect/>
+          <a:stretch>
+            <a:fillRect/>
+          </a:stretch>
+        </p:blipFill>
+        <p:spPr bwMode="auto">
+          <a:xfrm>
+            <a:off x="5175726" y="3429000"/>
+            <a:ext cx="1840547" cy="1867347"/>
+          </a:xfrm>
+          <a:prstGeom prst="rect">
+            <a:avLst/>
+          </a:prstGeom>
+          <a:noFill/>
+          <a:extLst>
+            <a:ext uri="{909E8E84-426E-40DD-AFC4-6F175D3DCCD1}">
+              <a14:hiddenFill xmlns:a14="http://schemas.microsoft.com/office/drawing/2010/main">
+                <a:solidFill>
+                  <a:srgbClr val="FFFFFF"/>
+                </a:solidFill>
+              </a14:hiddenFill>
+            </a:ext>
+          </a:extLst>
+        </p:spPr>
+      </p:pic>
+      <p:sp>
+        <p:nvSpPr>
+          <p:cNvPr id="17" name="TextBox 16">
+            <a:extLst>
+              <a:ext uri="{FF2B5EF4-FFF2-40B4-BE49-F238E27FC236}">
+                <a16:creationId xmlns:a16="http://schemas.microsoft.com/office/drawing/2014/main" id="{07DBBE56-01ED-F944-ABE4-702FC7B683B8}"/>
+              </a:ext>
+            </a:extLst>
+          </p:cNvPr>
+          <p:cNvSpPr txBox="1"/>
+          <p:nvPr/>
+        </p:nvSpPr>
+        <p:spPr>
+          <a:xfrm>
+            <a:off x="5656162" y="4693277"/>
+            <a:ext cx="431529" cy="338554"/>
+          </a:xfrm>
+          <a:prstGeom prst="rect">
+            <a:avLst/>
+          </a:prstGeom>
+          <a:noFill/>
+        </p:spPr>
+        <p:txBody>
+          <a:bodyPr wrap="none" rtlCol="0">
+            <a:spAutoFit/>
+          </a:bodyPr>
+          <a:lstStyle/>
+          <a:p>
+            <a:pPr marL="0" algn="r" defTabSz="914400" rtl="1" eaLnBrk="1" latinLnBrk="0" hangingPunct="1"/>
+            <a:r>
+              <a:rPr lang="en-US" sz="1600" dirty="0">
+                <a:latin typeface="Courier" pitchFamily="2" charset="0"/>
+              </a:rPr>
+              <a:t>40</a:t>
+            </a:r>
+          </a:p>
+        </p:txBody>
+      </p:sp>
+      <p:sp>
+        <p:nvSpPr>
+          <p:cNvPr id="18" name="TextBox 17">
+            <a:extLst>
+              <a:ext uri="{FF2B5EF4-FFF2-40B4-BE49-F238E27FC236}">
+                <a16:creationId xmlns:a16="http://schemas.microsoft.com/office/drawing/2014/main" id="{3DE4F93A-92DA-BA4C-97FA-A1E69FA070D3}"/>
+              </a:ext>
+            </a:extLst>
+          </p:cNvPr>
+          <p:cNvSpPr txBox="1"/>
+          <p:nvPr/>
+        </p:nvSpPr>
+        <p:spPr>
+          <a:xfrm>
+            <a:off x="6080169" y="4717465"/>
+            <a:ext cx="431529" cy="338554"/>
+          </a:xfrm>
+          <a:prstGeom prst="rect">
+            <a:avLst/>
+          </a:prstGeom>
+          <a:noFill/>
+        </p:spPr>
+        <p:txBody>
+          <a:bodyPr wrap="none" rtlCol="0">
+            <a:spAutoFit/>
+          </a:bodyPr>
+          <a:lstStyle/>
+          <a:p>
+            <a:pPr marL="0" algn="r" defTabSz="914400" rtl="1" eaLnBrk="1" latinLnBrk="0" hangingPunct="1"/>
+            <a:r>
+              <a:rPr lang="en-US" sz="1600" dirty="0">
+                <a:latin typeface="Courier" pitchFamily="2" charset="0"/>
+              </a:rPr>
+              <a:t>30</a:t>
+            </a:r>
+          </a:p>
+        </p:txBody>
+      </p:sp>
+      <p:sp>
+        <p:nvSpPr>
+          <p:cNvPr id="19" name="TextBox 18">
+            <a:extLst>
+              <a:ext uri="{FF2B5EF4-FFF2-40B4-BE49-F238E27FC236}">
+                <a16:creationId xmlns:a16="http://schemas.microsoft.com/office/drawing/2014/main" id="{8FC23724-D736-9849-8EED-DEC0437F2C7F}"/>
+              </a:ext>
+            </a:extLst>
+          </p:cNvPr>
+          <p:cNvSpPr txBox="1"/>
+          <p:nvPr/>
+        </p:nvSpPr>
+        <p:spPr>
+          <a:xfrm>
+            <a:off x="6376502" y="4428902"/>
+            <a:ext cx="431529" cy="338554"/>
+          </a:xfrm>
+          <a:prstGeom prst="rect">
+            <a:avLst/>
+          </a:prstGeom>
+          <a:noFill/>
+        </p:spPr>
+        <p:txBody>
+          <a:bodyPr wrap="none" rtlCol="0">
+            <a:spAutoFit/>
+          </a:bodyPr>
+          <a:lstStyle/>
+          <a:p>
+            <a:pPr marL="0" algn="r" defTabSz="914400" rtl="1" eaLnBrk="1" latinLnBrk="0" hangingPunct="1"/>
+            <a:r>
+              <a:rPr lang="en-US" sz="1600" dirty="0">
+                <a:latin typeface="Courier" pitchFamily="2" charset="0"/>
+              </a:rPr>
+              <a:t>20</a:t>
+            </a:r>
+          </a:p>
+        </p:txBody>
+      </p:sp>
+      <p:sp>
+        <p:nvSpPr>
+          <p:cNvPr id="20" name="TextBox 19">
+            <a:extLst>
+              <a:ext uri="{FF2B5EF4-FFF2-40B4-BE49-F238E27FC236}">
+                <a16:creationId xmlns:a16="http://schemas.microsoft.com/office/drawing/2014/main" id="{8D5EBC89-8E19-5D49-A57E-5CBD5C71ACA0}"/>
+              </a:ext>
+            </a:extLst>
+          </p:cNvPr>
+          <p:cNvSpPr txBox="1"/>
+          <p:nvPr/>
+        </p:nvSpPr>
+        <p:spPr>
+          <a:xfrm>
+            <a:off x="5364546" y="4034933"/>
+            <a:ext cx="431529" cy="338554"/>
+          </a:xfrm>
+          <a:prstGeom prst="rect">
+            <a:avLst/>
+          </a:prstGeom>
+          <a:noFill/>
+        </p:spPr>
+        <p:txBody>
+          <a:bodyPr wrap="none" rtlCol="0">
+            <a:spAutoFit/>
+          </a:bodyPr>
+          <a:lstStyle/>
+          <a:p>
+            <a:pPr marL="0" algn="r" defTabSz="914400" rtl="1" eaLnBrk="1" latinLnBrk="0" hangingPunct="1"/>
+            <a:r>
+              <a:rPr lang="en-US" sz="1600" dirty="0">
+                <a:latin typeface="Courier" pitchFamily="2" charset="0"/>
+              </a:rPr>
+              <a:t>60</a:t>
+            </a:r>
+          </a:p>
+        </p:txBody>
+      </p:sp>
+      <p:sp>
+        <p:nvSpPr>
+          <p:cNvPr id="21" name="TextBox 20">
+            <a:extLst>
+              <a:ext uri="{FF2B5EF4-FFF2-40B4-BE49-F238E27FC236}">
+                <a16:creationId xmlns:a16="http://schemas.microsoft.com/office/drawing/2014/main" id="{1F14EA36-54D6-3D45-AA78-B13D91C9D56A}"/>
+              </a:ext>
+            </a:extLst>
+          </p:cNvPr>
+          <p:cNvSpPr txBox="1"/>
+          <p:nvPr/>
+        </p:nvSpPr>
+        <p:spPr>
+          <a:xfrm>
+            <a:off x="5383970" y="4428902"/>
+            <a:ext cx="431529" cy="338554"/>
+          </a:xfrm>
+          <a:prstGeom prst="rect">
+            <a:avLst/>
+          </a:prstGeom>
+          <a:noFill/>
+        </p:spPr>
+        <p:txBody>
+          <a:bodyPr wrap="none" rtlCol="0">
+            <a:spAutoFit/>
+          </a:bodyPr>
+          <a:lstStyle/>
+          <a:p>
+            <a:pPr marL="0" algn="r" defTabSz="914400" rtl="1" eaLnBrk="1" latinLnBrk="0" hangingPunct="1"/>
+            <a:r>
+              <a:rPr lang="en-US" sz="1600" dirty="0">
+                <a:latin typeface="Courier" pitchFamily="2" charset="0"/>
+              </a:rPr>
+              <a:t>50</a:t>
+            </a:r>
+          </a:p>
+        </p:txBody>
+      </p:sp>
+      <p:cxnSp>
+        <p:nvCxnSpPr>
+          <p:cNvPr id="25" name="Straight Arrow Connector 24">
+            <a:extLst>
+              <a:ext uri="{FF2B5EF4-FFF2-40B4-BE49-F238E27FC236}">
+                <a16:creationId xmlns:a16="http://schemas.microsoft.com/office/drawing/2014/main" id="{51D7FB19-DF9F-DB4E-B3D3-B26C7474B99F}"/>
+              </a:ext>
+            </a:extLst>
+          </p:cNvPr>
+          <p:cNvCxnSpPr>
+            <a:cxnSpLocks/>
+          </p:cNvCxnSpPr>
+          <p:nvPr/>
+        </p:nvCxnSpPr>
+        <p:spPr>
+          <a:xfrm>
+            <a:off x="6193622" y="2971724"/>
+            <a:ext cx="182880" cy="548640"/>
+          </a:xfrm>
+          <a:prstGeom prst="straightConnector1">
+            <a:avLst/>
+          </a:prstGeom>
+          <a:ln w="9525" cap="flat" cmpd="sng" algn="ctr">
+            <a:solidFill>
+              <a:schemeClr val="accent1"/>
+            </a:solidFill>
+            <a:prstDash val="solid"/>
+            <a:round/>
+            <a:headEnd type="none" w="med" len="med"/>
+            <a:tailEnd type="arrow" w="med" len="med"/>
+          </a:ln>
+        </p:spPr>
+        <p:style>
+          <a:lnRef idx="0">
+            <a:scrgbClr r="0" g="0" b="0"/>
+          </a:lnRef>
+          <a:fillRef idx="0">
+            <a:scrgbClr r="0" g="0" b="0"/>
+          </a:fillRef>
+          <a:effectRef idx="0">
+            <a:scrgbClr r="0" g="0" b="0"/>
+          </a:effectRef>
+          <a:fontRef idx="minor">
+            <a:schemeClr val="tx1"/>
+          </a:fontRef>
+        </p:style>
+      </p:cxnSp>
+      <p:cxnSp>
+        <p:nvCxnSpPr>
+          <p:cNvPr id="26" name="Straight Arrow Connector 25">
+            <a:extLst>
+              <a:ext uri="{FF2B5EF4-FFF2-40B4-BE49-F238E27FC236}">
+                <a16:creationId xmlns:a16="http://schemas.microsoft.com/office/drawing/2014/main" id="{43897983-84F4-A94D-800F-6643575A9CEF}"/>
+              </a:ext>
+            </a:extLst>
+          </p:cNvPr>
+          <p:cNvCxnSpPr/>
+          <p:nvPr/>
+        </p:nvCxnSpPr>
+        <p:spPr>
+          <a:xfrm flipH="1">
+            <a:off x="6890259" y="3909854"/>
+            <a:ext cx="548640" cy="182880"/>
+          </a:xfrm>
+          <a:prstGeom prst="straightConnector1">
+            <a:avLst/>
+          </a:prstGeom>
+          <a:ln w="12700" cap="flat" cmpd="sng" algn="ctr">
+            <a:solidFill>
+              <a:schemeClr val="accent1"/>
+            </a:solidFill>
+            <a:prstDash val="solid"/>
+            <a:round/>
+            <a:headEnd type="none" w="med" len="med"/>
+            <a:tailEnd type="arrow" w="med" len="med"/>
+          </a:ln>
+        </p:spPr>
+        <p:style>
+          <a:lnRef idx="0">
+            <a:scrgbClr r="0" g="0" b="0"/>
+          </a:lnRef>
+          <a:fillRef idx="0">
+            <a:scrgbClr r="0" g="0" b="0"/>
+          </a:fillRef>
+          <a:effectRef idx="0">
+            <a:scrgbClr r="0" g="0" b="0"/>
+          </a:effectRef>
+          <a:fontRef idx="minor">
+            <a:schemeClr val="tx1"/>
+          </a:fontRef>
+        </p:style>
+      </p:cxnSp>
+      <p:sp>
+        <p:nvSpPr>
+          <p:cNvPr id="27" name="TextBox 26">
+            <a:extLst>
+              <a:ext uri="{FF2B5EF4-FFF2-40B4-BE49-F238E27FC236}">
+                <a16:creationId xmlns:a16="http://schemas.microsoft.com/office/drawing/2014/main" id="{F549FC4A-3C80-9C41-8736-D13C304ED8E9}"/>
+              </a:ext>
+            </a:extLst>
+          </p:cNvPr>
+          <p:cNvSpPr txBox="1"/>
+          <p:nvPr/>
+        </p:nvSpPr>
+        <p:spPr>
+          <a:xfrm>
+            <a:off x="5931370" y="2699645"/>
+            <a:ext cx="524503" cy="261610"/>
+          </a:xfrm>
+          <a:prstGeom prst="rect">
+            <a:avLst/>
+          </a:prstGeom>
+          <a:noFill/>
+        </p:spPr>
+        <p:txBody>
+          <a:bodyPr wrap="none" rtlCol="0">
+            <a:spAutoFit/>
+          </a:bodyPr>
+          <a:lstStyle/>
+          <a:p>
+            <a:pPr algn="ctr"/>
+            <a:r>
+              <a:rPr lang="en-US" sz="1050" dirty="0">
+                <a:latin typeface="Courier" pitchFamily="2" charset="0"/>
+              </a:rPr>
+              <a:t>rear</a:t>
+            </a:r>
+          </a:p>
+        </p:txBody>
+      </p:sp>
+      <p:sp>
+        <p:nvSpPr>
+          <p:cNvPr id="28" name="TextBox 27">
+            <a:extLst>
+              <a:ext uri="{FF2B5EF4-FFF2-40B4-BE49-F238E27FC236}">
+                <a16:creationId xmlns:a16="http://schemas.microsoft.com/office/drawing/2014/main" id="{7BE4E935-9729-B346-9870-5FAB999E4B14}"/>
+              </a:ext>
+            </a:extLst>
+          </p:cNvPr>
+          <p:cNvSpPr txBox="1"/>
+          <p:nvPr/>
+        </p:nvSpPr>
+        <p:spPr>
+          <a:xfrm>
+            <a:off x="7438899" y="3747378"/>
+            <a:ext cx="585417" cy="253916"/>
+          </a:xfrm>
+          <a:prstGeom prst="rect">
+            <a:avLst/>
+          </a:prstGeom>
+          <a:noFill/>
+        </p:spPr>
+        <p:txBody>
+          <a:bodyPr wrap="none" rtlCol="0">
+            <a:spAutoFit/>
+          </a:bodyPr>
+          <a:lstStyle/>
+          <a:p>
+            <a:r>
+              <a:rPr lang="en-US" sz="1050" dirty="0">
+                <a:latin typeface="Courier" pitchFamily="2" charset="0"/>
+              </a:rPr>
+              <a:t>front</a:t>
+            </a:r>
+          </a:p>
+        </p:txBody>
+      </p:sp>
+      <p:sp>
+        <p:nvSpPr>
+          <p:cNvPr id="29" name="TextBox 28">
+            <a:extLst>
+              <a:ext uri="{FF2B5EF4-FFF2-40B4-BE49-F238E27FC236}">
+                <a16:creationId xmlns:a16="http://schemas.microsoft.com/office/drawing/2014/main" id="{6F208F23-9B0B-594F-A850-7CB25493DDDE}"/>
+              </a:ext>
+            </a:extLst>
+          </p:cNvPr>
+          <p:cNvSpPr txBox="1"/>
+          <p:nvPr/>
+        </p:nvSpPr>
+        <p:spPr>
+          <a:xfrm>
+            <a:off x="5664470" y="3734520"/>
+            <a:ext cx="431529" cy="338554"/>
+          </a:xfrm>
+          <a:prstGeom prst="rect">
+            <a:avLst/>
+          </a:prstGeom>
+          <a:noFill/>
+        </p:spPr>
+        <p:txBody>
+          <a:bodyPr wrap="none" rtlCol="0">
+            <a:spAutoFit/>
+          </a:bodyPr>
+          <a:lstStyle/>
+          <a:p>
+            <a:pPr marL="0" algn="r" defTabSz="914400" rtl="1" eaLnBrk="1" latinLnBrk="0" hangingPunct="1"/>
+            <a:r>
+              <a:rPr lang="en-US" sz="1600" dirty="0">
+                <a:latin typeface="Courier" pitchFamily="2" charset="0"/>
+              </a:rPr>
+              <a:t>70</a:t>
+            </a:r>
+          </a:p>
+        </p:txBody>
+      </p:sp>
+      <p:sp>
+        <p:nvSpPr>
+          <p:cNvPr id="30" name="TextBox 29">
+            <a:extLst>
+              <a:ext uri="{FF2B5EF4-FFF2-40B4-BE49-F238E27FC236}">
+                <a16:creationId xmlns:a16="http://schemas.microsoft.com/office/drawing/2014/main" id="{0ABA3632-ACF6-4748-92F3-96C09FD2D87E}"/>
+              </a:ext>
+            </a:extLst>
+          </p:cNvPr>
+          <p:cNvSpPr txBox="1"/>
+          <p:nvPr/>
+        </p:nvSpPr>
+        <p:spPr>
+          <a:xfrm>
+            <a:off x="6095999" y="3730734"/>
+            <a:ext cx="431529" cy="338554"/>
+          </a:xfrm>
+          <a:prstGeom prst="rect">
+            <a:avLst/>
+          </a:prstGeom>
+          <a:noFill/>
+        </p:spPr>
+        <p:txBody>
+          <a:bodyPr wrap="none" rtlCol="0">
+            <a:spAutoFit/>
+          </a:bodyPr>
+          <a:lstStyle/>
+          <a:p>
+            <a:pPr marL="0" algn="r" defTabSz="914400" rtl="1" eaLnBrk="1" latinLnBrk="0" hangingPunct="1"/>
+            <a:r>
+              <a:rPr lang="en-US" sz="1600" dirty="0">
+                <a:latin typeface="Courier" pitchFamily="2" charset="0"/>
+              </a:rPr>
+              <a:t>80</a:t>
+            </a:r>
+          </a:p>
+        </p:txBody>
+      </p:sp>
+    </p:spTree>
+    <p:extLst>
+      <p:ext uri="{BB962C8B-B14F-4D97-AF65-F5344CB8AC3E}">
+        <p14:creationId xmlns:p14="http://schemas.microsoft.com/office/powerpoint/2010/main" val="4070450379"/>
+      </p:ext>
+    </p:extLst>
+  </p:cSld>
+  <p:clrMapOvr>
+    <a:masterClrMapping/>
+  </p:clrMapOvr>
+</p:sld>
+</file>
+
+<file path=ppt/slides/slide21.xml><?xml version="1.0" encoding="utf-8"?>
+<p:sld xmlns:a="http://schemas.openxmlformats.org/drawingml/2006/main" xmlns:r="http://schemas.openxmlformats.org/officeDocument/2006/relationships" xmlns:p="http://schemas.openxmlformats.org/presentationml/2006/main">
+  <p:cSld>
+    <p:spTree>
+      <p:nvGrpSpPr>
+        <p:cNvPr id="1" name=""/>
+        <p:cNvGrpSpPr/>
+        <p:nvPr/>
+      </p:nvGrpSpPr>
+      <p:grpSpPr>
+        <a:xfrm>
+          <a:off x="0" y="0"/>
+          <a:ext cx="0" cy="0"/>
+          <a:chOff x="0" y="0"/>
+          <a:chExt cx="0" cy="0"/>
+        </a:xfrm>
+      </p:grpSpPr>
+      <p:sp>
+        <p:nvSpPr>
+          <p:cNvPr id="2" name="Title 1">
+            <a:extLst>
+              <a:ext uri="{FF2B5EF4-FFF2-40B4-BE49-F238E27FC236}">
+                <a16:creationId xmlns:a16="http://schemas.microsoft.com/office/drawing/2014/main" id="{FBD585B8-C540-BC4C-A8BC-70161E6ABC68}"/>
+              </a:ext>
+            </a:extLst>
+          </p:cNvPr>
+          <p:cNvSpPr>
+            <a:spLocks noGrp="1"/>
+          </p:cNvSpPr>
+          <p:nvPr>
+            <p:ph type="title"/>
+          </p:nvPr>
+        </p:nvSpPr>
+        <p:spPr/>
+        <p:txBody>
+          <a:bodyPr/>
+          <a:lstStyle/>
+          <a:p>
+            <a:pPr algn="r" rtl="1"/>
+            <a:r>
+              <a:rPr lang="fa-IR" dirty="0">
+                <a:latin typeface="IRTitr" panose="02000506000000020002" pitchFamily="2" charset="-78"/>
+                <a:cs typeface="IRTitr" panose="02000506000000020002" pitchFamily="2" charset="-78"/>
+              </a:rPr>
+              <a:t>مثال: درج و حذف</a:t>
+            </a:r>
+            <a:endParaRPr lang="en-US" dirty="0">
+              <a:latin typeface="IRTitr" panose="02000506000000020002" pitchFamily="2" charset="-78"/>
+              <a:cs typeface="IRTitr" panose="02000506000000020002" pitchFamily="2" charset="-78"/>
+            </a:endParaRPr>
+          </a:p>
+        </p:txBody>
+      </p:sp>
+      <p:sp>
+        <p:nvSpPr>
+          <p:cNvPr id="3" name="Content Placeholder 2">
+            <a:extLst>
+              <a:ext uri="{FF2B5EF4-FFF2-40B4-BE49-F238E27FC236}">
+                <a16:creationId xmlns:a16="http://schemas.microsoft.com/office/drawing/2014/main" id="{990EA250-150E-7946-BCA2-C547DA2871A5}"/>
+              </a:ext>
+            </a:extLst>
+          </p:cNvPr>
+          <p:cNvSpPr>
+            <a:spLocks noGrp="1"/>
+          </p:cNvSpPr>
+          <p:nvPr>
+            <p:ph idx="1"/>
+          </p:nvPr>
+        </p:nvSpPr>
+        <p:spPr/>
+        <p:txBody>
+          <a:bodyPr/>
+          <a:lstStyle/>
+          <a:p>
+            <a:pPr marL="0" indent="0" algn="r" defTabSz="914400" rtl="1" eaLnBrk="1" latinLnBrk="0" hangingPunct="1">
+              <a:lnSpc>
+                <a:spcPct val="90000"/>
+              </a:lnSpc>
+              <a:spcBef>
+                <a:spcPts val="1000"/>
+              </a:spcBef>
+              <a:buNone/>
+            </a:pPr>
+            <a:r>
+              <a:rPr lang="fa-IR" dirty="0">
+                <a:latin typeface="IRMitra" panose="02000506000000020002" pitchFamily="2" charset="-78"/>
+                <a:cs typeface="IRMitra" panose="02000506000000020002" pitchFamily="2" charset="-78"/>
+              </a:rPr>
+              <a:t>حالا لیست کاملا پر شده و درج عدد جدیدی ممکن نیست.</a:t>
+            </a:r>
+            <a:endParaRPr lang="en-US" dirty="0">
+              <a:latin typeface="IRMitra" panose="02000506000000020002" pitchFamily="2" charset="-78"/>
+              <a:cs typeface="IRMitra" panose="02000506000000020002" pitchFamily="2" charset="-78"/>
+            </a:endParaRPr>
+          </a:p>
+        </p:txBody>
+      </p:sp>
+      <p:sp>
+        <p:nvSpPr>
+          <p:cNvPr id="15" name="Rectangle 14">
+            <a:extLst>
+              <a:ext uri="{FF2B5EF4-FFF2-40B4-BE49-F238E27FC236}">
+                <a16:creationId xmlns:a16="http://schemas.microsoft.com/office/drawing/2014/main" id="{86CBFE86-1A8C-C349-926A-C2C9C19EE655}"/>
+              </a:ext>
+            </a:extLst>
+          </p:cNvPr>
+          <p:cNvSpPr/>
+          <p:nvPr/>
+        </p:nvSpPr>
+        <p:spPr>
+          <a:xfrm>
+            <a:off x="838200" y="1825625"/>
+            <a:ext cx="3803970" cy="1569660"/>
+          </a:xfrm>
+          <a:prstGeom prst="rect">
+            <a:avLst/>
+          </a:prstGeom>
+        </p:spPr>
+        <p:txBody>
+          <a:bodyPr wrap="square">
+            <a:spAutoFit/>
+          </a:bodyPr>
+          <a:lstStyle/>
+          <a:p>
+            <a:r>
+              <a:rPr lang="en-US" sz="1600" b="1" dirty="0">
+                <a:solidFill>
+                  <a:srgbClr val="0000FF"/>
+                </a:solidFill>
+                <a:latin typeface=" Courier New"/>
+              </a:rPr>
+              <a:t>def</a:t>
+            </a:r>
+            <a:r>
+              <a:rPr lang="en-US" sz="1600" b="1" dirty="0">
+                <a:solidFill>
+                  <a:srgbClr val="000000"/>
+                </a:solidFill>
+                <a:latin typeface=" Courier New"/>
+              </a:rPr>
+              <a:t> </a:t>
+            </a:r>
+            <a:r>
+              <a:rPr lang="en-US" sz="1600" b="1" dirty="0">
+                <a:solidFill>
+                  <a:srgbClr val="795E26"/>
+                </a:solidFill>
+                <a:latin typeface=" Courier New"/>
+              </a:rPr>
+              <a:t>insert</a:t>
+            </a:r>
+            <a:r>
+              <a:rPr lang="en-US" sz="1600" b="1" dirty="0">
+                <a:solidFill>
+                  <a:srgbClr val="000000"/>
+                </a:solidFill>
+                <a:latin typeface=" Courier New"/>
+              </a:rPr>
+              <a:t>(</a:t>
+            </a:r>
+            <a:r>
+              <a:rPr lang="en-US" sz="1600" b="1" dirty="0">
+                <a:solidFill>
+                  <a:srgbClr val="001080"/>
+                </a:solidFill>
+                <a:latin typeface=" Courier New"/>
+              </a:rPr>
+              <a:t>item</a:t>
+            </a:r>
+            <a:r>
+              <a:rPr lang="en-US" sz="1600" b="1" dirty="0">
+                <a:solidFill>
+                  <a:srgbClr val="000000"/>
+                </a:solidFill>
+                <a:latin typeface=" Courier New"/>
+              </a:rPr>
+              <a:t>):</a:t>
+            </a:r>
+          </a:p>
+          <a:p>
+            <a:pPr lvl="1"/>
+            <a:r>
+              <a:rPr lang="en-US" sz="1600" b="1" dirty="0">
+                <a:solidFill>
+                  <a:srgbClr val="AF00DB"/>
+                </a:solidFill>
+                <a:latin typeface=" Courier New"/>
+              </a:rPr>
+              <a:t>if</a:t>
+            </a:r>
+            <a:r>
+              <a:rPr lang="en-US" sz="1600" b="1" dirty="0">
+                <a:solidFill>
+                  <a:srgbClr val="000000"/>
+                </a:solidFill>
+                <a:latin typeface=" Courier New"/>
+              </a:rPr>
+              <a:t>((</a:t>
+            </a:r>
+            <a:r>
+              <a:rPr lang="en-US" sz="1600" b="1" dirty="0">
+                <a:solidFill>
+                  <a:srgbClr val="001080"/>
+                </a:solidFill>
+                <a:latin typeface=" Courier New"/>
+              </a:rPr>
+              <a:t>rear</a:t>
+            </a:r>
+            <a:r>
+              <a:rPr lang="en-US" sz="1600" b="1" dirty="0">
+                <a:solidFill>
+                  <a:srgbClr val="000000"/>
+                </a:solidFill>
+                <a:latin typeface=" Courier New"/>
+              </a:rPr>
+              <a:t>+</a:t>
+            </a:r>
+            <a:r>
+              <a:rPr lang="en-US" sz="1600" b="1" dirty="0">
+                <a:solidFill>
+                  <a:srgbClr val="098658"/>
+                </a:solidFill>
+                <a:latin typeface=" Courier New"/>
+              </a:rPr>
+              <a:t>1</a:t>
+            </a:r>
+            <a:r>
+              <a:rPr lang="en-US" sz="1600" b="1" dirty="0">
+                <a:solidFill>
+                  <a:srgbClr val="000000"/>
+                </a:solidFill>
+                <a:latin typeface=" Courier New"/>
+              </a:rPr>
+              <a:t>) % </a:t>
+            </a:r>
+            <a:r>
+              <a:rPr lang="en-US" sz="1600" b="1" dirty="0">
+                <a:solidFill>
+                  <a:srgbClr val="001080"/>
+                </a:solidFill>
+                <a:latin typeface=" Courier New"/>
+              </a:rPr>
+              <a:t>n</a:t>
+            </a:r>
+            <a:r>
+              <a:rPr lang="en-US" sz="1600" b="1" dirty="0">
+                <a:solidFill>
+                  <a:srgbClr val="000000"/>
+                </a:solidFill>
+                <a:latin typeface=" Courier New"/>
+              </a:rPr>
+              <a:t>==</a:t>
+            </a:r>
+            <a:r>
+              <a:rPr lang="en-US" sz="1600" b="1" dirty="0">
+                <a:solidFill>
+                  <a:srgbClr val="001080"/>
+                </a:solidFill>
+                <a:latin typeface=" Courier New"/>
+              </a:rPr>
+              <a:t>front</a:t>
+            </a:r>
+            <a:r>
+              <a:rPr lang="en-US" sz="1600" b="1" dirty="0">
+                <a:solidFill>
+                  <a:srgbClr val="000000"/>
+                </a:solidFill>
+                <a:latin typeface=" Courier New"/>
+              </a:rPr>
+              <a:t>):</a:t>
+            </a:r>
+          </a:p>
+          <a:p>
+            <a:pPr lvl="2"/>
+            <a:r>
+              <a:rPr lang="en-US" sz="1600" b="1" dirty="0">
+                <a:solidFill>
+                  <a:srgbClr val="AF00DB"/>
+                </a:solidFill>
+                <a:latin typeface=" Courier New"/>
+              </a:rPr>
+              <a:t>return</a:t>
+            </a:r>
+            <a:r>
+              <a:rPr lang="en-US" sz="1600" b="1" dirty="0">
+                <a:solidFill>
+                  <a:srgbClr val="000000"/>
+                </a:solidFill>
+                <a:latin typeface=" Courier New"/>
+              </a:rPr>
+              <a:t> </a:t>
+            </a:r>
+            <a:r>
+              <a:rPr lang="en-US" sz="1600" b="1" dirty="0">
+                <a:solidFill>
+                  <a:srgbClr val="A31515"/>
+                </a:solidFill>
+                <a:latin typeface=" Courier New"/>
+              </a:rPr>
+              <a:t>"Queue is Full"</a:t>
+            </a:r>
+            <a:endParaRPr lang="en-US" sz="1600" b="1" dirty="0">
+              <a:solidFill>
+                <a:srgbClr val="000000"/>
+              </a:solidFill>
+              <a:latin typeface=" Courier New"/>
+            </a:endParaRPr>
+          </a:p>
+          <a:p>
+            <a:pPr lvl="1"/>
+            <a:r>
+              <a:rPr lang="en-US" sz="1600" b="1" dirty="0">
+                <a:solidFill>
+                  <a:srgbClr val="AF00DB"/>
+                </a:solidFill>
+                <a:latin typeface=" Courier New"/>
+              </a:rPr>
+              <a:t>else</a:t>
+            </a:r>
+            <a:r>
+              <a:rPr lang="en-US" sz="1600" b="1" dirty="0">
+                <a:solidFill>
+                  <a:srgbClr val="000000"/>
+                </a:solidFill>
+                <a:latin typeface=" Courier New"/>
+              </a:rPr>
+              <a:t>:</a:t>
+            </a:r>
+          </a:p>
+          <a:p>
+            <a:pPr lvl="2"/>
+            <a:r>
+              <a:rPr lang="en-US" sz="1600" b="1" dirty="0">
+                <a:solidFill>
+                  <a:srgbClr val="001080"/>
+                </a:solidFill>
+                <a:latin typeface=" Courier New"/>
+              </a:rPr>
+              <a:t>rear </a:t>
+            </a:r>
+            <a:r>
+              <a:rPr lang="en-US" sz="1600" b="1" dirty="0">
+                <a:solidFill>
+                  <a:srgbClr val="000000"/>
+                </a:solidFill>
+                <a:latin typeface=" Courier New"/>
+              </a:rPr>
+              <a:t>= (</a:t>
+            </a:r>
+            <a:r>
+              <a:rPr lang="en-US" sz="1600" b="1" dirty="0">
+                <a:solidFill>
+                  <a:srgbClr val="001080"/>
+                </a:solidFill>
+                <a:latin typeface=" Courier New"/>
+              </a:rPr>
+              <a:t>rear</a:t>
+            </a:r>
+            <a:r>
+              <a:rPr lang="en-US" sz="1600" b="1" dirty="0">
+                <a:solidFill>
+                  <a:srgbClr val="000000"/>
+                </a:solidFill>
+                <a:latin typeface=" Courier New"/>
+              </a:rPr>
+              <a:t>+</a:t>
+            </a:r>
+            <a:r>
+              <a:rPr lang="en-US" sz="1600" b="1" dirty="0">
+                <a:solidFill>
+                  <a:srgbClr val="098658"/>
+                </a:solidFill>
+                <a:latin typeface=" Courier New"/>
+              </a:rPr>
+              <a:t>1</a:t>
+            </a:r>
+            <a:r>
+              <a:rPr lang="en-US" sz="1600" b="1" dirty="0">
+                <a:solidFill>
+                  <a:srgbClr val="000000"/>
+                </a:solidFill>
+                <a:latin typeface=" Courier New"/>
+              </a:rPr>
+              <a:t>) % </a:t>
+            </a:r>
+            <a:r>
+              <a:rPr lang="en-US" sz="1600" b="1" dirty="0">
+                <a:solidFill>
+                  <a:srgbClr val="001080"/>
+                </a:solidFill>
+                <a:latin typeface=" Courier New"/>
+              </a:rPr>
+              <a:t>n</a:t>
+            </a:r>
+            <a:endParaRPr lang="en-US" sz="1600" b="1" dirty="0">
+              <a:solidFill>
+                <a:srgbClr val="000000"/>
+              </a:solidFill>
+              <a:latin typeface=" Courier New"/>
+            </a:endParaRPr>
+          </a:p>
+          <a:p>
+            <a:pPr lvl="2"/>
+            <a:r>
+              <a:rPr lang="en-US" sz="1600" b="1" dirty="0">
+                <a:solidFill>
+                  <a:srgbClr val="0070C1"/>
+                </a:solidFill>
+                <a:latin typeface=" Courier New"/>
+              </a:rPr>
+              <a:t>Q</a:t>
+            </a:r>
+            <a:r>
+              <a:rPr lang="en-US" sz="1600" b="1" dirty="0">
+                <a:solidFill>
+                  <a:srgbClr val="000000"/>
+                </a:solidFill>
+                <a:latin typeface=" Courier New"/>
+              </a:rPr>
+              <a:t>[</a:t>
+            </a:r>
+            <a:r>
+              <a:rPr lang="en-US" sz="1600" b="1" dirty="0">
+                <a:solidFill>
+                  <a:srgbClr val="001080"/>
+                </a:solidFill>
+                <a:latin typeface=" Courier New"/>
+              </a:rPr>
+              <a:t>rear</a:t>
+            </a:r>
+            <a:r>
+              <a:rPr lang="en-US" sz="1600" b="1" dirty="0">
+                <a:solidFill>
+                  <a:srgbClr val="000000"/>
+                </a:solidFill>
+                <a:latin typeface=" Courier New"/>
+              </a:rPr>
+              <a:t>]=</a:t>
+            </a:r>
+            <a:r>
+              <a:rPr lang="en-US" sz="1600" b="1" dirty="0">
+                <a:solidFill>
+                  <a:srgbClr val="001080"/>
+                </a:solidFill>
+                <a:latin typeface=" Courier New"/>
+              </a:rPr>
+              <a:t>item</a:t>
+            </a:r>
+            <a:endParaRPr lang="en-US" sz="1600" b="1" dirty="0">
+              <a:solidFill>
+                <a:srgbClr val="000000"/>
+              </a:solidFill>
+              <a:effectLst/>
+              <a:latin typeface=" Courier New"/>
+            </a:endParaRPr>
+          </a:p>
+        </p:txBody>
+      </p:sp>
+      <p:pic>
+        <p:nvPicPr>
+          <p:cNvPr id="16" name="Picture 2">
+            <a:extLst>
+              <a:ext uri="{FF2B5EF4-FFF2-40B4-BE49-F238E27FC236}">
+                <a16:creationId xmlns:a16="http://schemas.microsoft.com/office/drawing/2014/main" id="{1D883AE7-C00A-4A47-BE58-810518F58961}"/>
+              </a:ext>
+            </a:extLst>
+          </p:cNvPr>
+          <p:cNvPicPr>
+            <a:picLocks noChangeAspect="1" noChangeArrowheads="1"/>
+          </p:cNvPicPr>
+          <p:nvPr/>
+        </p:nvPicPr>
+        <p:blipFill>
+          <a:blip r:embed="rId3">
+            <a:extLst>
+              <a:ext uri="{28A0092B-C50C-407E-A947-70E740481C1C}">
+                <a14:useLocalDpi xmlns:a14="http://schemas.microsoft.com/office/drawing/2010/main" val="0"/>
+              </a:ext>
+            </a:extLst>
+          </a:blip>
+          <a:srcRect/>
+          <a:stretch>
+            <a:fillRect/>
+          </a:stretch>
+        </p:blipFill>
+        <p:spPr bwMode="auto">
+          <a:xfrm>
+            <a:off x="5175726" y="3429000"/>
+            <a:ext cx="1840547" cy="1867347"/>
+          </a:xfrm>
+          <a:prstGeom prst="rect">
+            <a:avLst/>
+          </a:prstGeom>
+          <a:noFill/>
+          <a:extLst>
+            <a:ext uri="{909E8E84-426E-40DD-AFC4-6F175D3DCCD1}">
+              <a14:hiddenFill xmlns:a14="http://schemas.microsoft.com/office/drawing/2010/main">
+                <a:solidFill>
+                  <a:srgbClr val="FFFFFF"/>
+                </a:solidFill>
+              </a14:hiddenFill>
+            </a:ext>
+          </a:extLst>
+        </p:spPr>
+      </p:pic>
+      <p:sp>
+        <p:nvSpPr>
+          <p:cNvPr id="17" name="TextBox 16">
+            <a:extLst>
+              <a:ext uri="{FF2B5EF4-FFF2-40B4-BE49-F238E27FC236}">
+                <a16:creationId xmlns:a16="http://schemas.microsoft.com/office/drawing/2014/main" id="{07DBBE56-01ED-F944-ABE4-702FC7B683B8}"/>
+              </a:ext>
+            </a:extLst>
+          </p:cNvPr>
+          <p:cNvSpPr txBox="1"/>
+          <p:nvPr/>
+        </p:nvSpPr>
+        <p:spPr>
+          <a:xfrm>
+            <a:off x="5656162" y="4693277"/>
+            <a:ext cx="431529" cy="338554"/>
+          </a:xfrm>
+          <a:prstGeom prst="rect">
+            <a:avLst/>
+          </a:prstGeom>
+          <a:noFill/>
+        </p:spPr>
+        <p:txBody>
+          <a:bodyPr wrap="none" rtlCol="0">
+            <a:spAutoFit/>
+          </a:bodyPr>
+          <a:lstStyle/>
+          <a:p>
+            <a:pPr marL="0" algn="r" defTabSz="914400" rtl="1" eaLnBrk="1" latinLnBrk="0" hangingPunct="1"/>
+            <a:r>
+              <a:rPr lang="en-US" sz="1600" dirty="0">
+                <a:latin typeface="Courier" pitchFamily="2" charset="0"/>
+              </a:rPr>
+              <a:t>40</a:t>
+            </a:r>
+          </a:p>
+        </p:txBody>
+      </p:sp>
+      <p:sp>
+        <p:nvSpPr>
+          <p:cNvPr id="18" name="TextBox 17">
+            <a:extLst>
+              <a:ext uri="{FF2B5EF4-FFF2-40B4-BE49-F238E27FC236}">
+                <a16:creationId xmlns:a16="http://schemas.microsoft.com/office/drawing/2014/main" id="{3DE4F93A-92DA-BA4C-97FA-A1E69FA070D3}"/>
+              </a:ext>
+            </a:extLst>
+          </p:cNvPr>
+          <p:cNvSpPr txBox="1"/>
+          <p:nvPr/>
+        </p:nvSpPr>
+        <p:spPr>
+          <a:xfrm>
+            <a:off x="6080169" y="4717465"/>
+            <a:ext cx="431529" cy="338554"/>
+          </a:xfrm>
+          <a:prstGeom prst="rect">
+            <a:avLst/>
+          </a:prstGeom>
+          <a:noFill/>
+        </p:spPr>
+        <p:txBody>
+          <a:bodyPr wrap="none" rtlCol="0">
+            <a:spAutoFit/>
+          </a:bodyPr>
+          <a:lstStyle/>
+          <a:p>
+            <a:pPr marL="0" algn="r" defTabSz="914400" rtl="1" eaLnBrk="1" latinLnBrk="0" hangingPunct="1"/>
+            <a:r>
+              <a:rPr lang="en-US" sz="1600" dirty="0">
+                <a:latin typeface="Courier" pitchFamily="2" charset="0"/>
+              </a:rPr>
+              <a:t>30</a:t>
+            </a:r>
+          </a:p>
+        </p:txBody>
+      </p:sp>
+      <p:sp>
+        <p:nvSpPr>
+          <p:cNvPr id="19" name="TextBox 18">
+            <a:extLst>
+              <a:ext uri="{FF2B5EF4-FFF2-40B4-BE49-F238E27FC236}">
+                <a16:creationId xmlns:a16="http://schemas.microsoft.com/office/drawing/2014/main" id="{8FC23724-D736-9849-8EED-DEC0437F2C7F}"/>
+              </a:ext>
+            </a:extLst>
+          </p:cNvPr>
+          <p:cNvSpPr txBox="1"/>
+          <p:nvPr/>
+        </p:nvSpPr>
+        <p:spPr>
+          <a:xfrm>
+            <a:off x="6376502" y="4428902"/>
+            <a:ext cx="431529" cy="338554"/>
+          </a:xfrm>
+          <a:prstGeom prst="rect">
+            <a:avLst/>
+          </a:prstGeom>
+          <a:noFill/>
+        </p:spPr>
+        <p:txBody>
+          <a:bodyPr wrap="none" rtlCol="0">
+            <a:spAutoFit/>
+          </a:bodyPr>
+          <a:lstStyle/>
+          <a:p>
+            <a:pPr marL="0" algn="r" defTabSz="914400" rtl="1" eaLnBrk="1" latinLnBrk="0" hangingPunct="1"/>
+            <a:r>
+              <a:rPr lang="en-US" sz="1600" dirty="0">
+                <a:latin typeface="Courier" pitchFamily="2" charset="0"/>
+              </a:rPr>
+              <a:t>20</a:t>
+            </a:r>
+          </a:p>
+        </p:txBody>
+      </p:sp>
+      <p:sp>
+        <p:nvSpPr>
+          <p:cNvPr id="20" name="TextBox 19">
+            <a:extLst>
+              <a:ext uri="{FF2B5EF4-FFF2-40B4-BE49-F238E27FC236}">
+                <a16:creationId xmlns:a16="http://schemas.microsoft.com/office/drawing/2014/main" id="{8D5EBC89-8E19-5D49-A57E-5CBD5C71ACA0}"/>
+              </a:ext>
+            </a:extLst>
+          </p:cNvPr>
+          <p:cNvSpPr txBox="1"/>
+          <p:nvPr/>
+        </p:nvSpPr>
+        <p:spPr>
+          <a:xfrm>
+            <a:off x="5364546" y="4034933"/>
+            <a:ext cx="431529" cy="338554"/>
+          </a:xfrm>
+          <a:prstGeom prst="rect">
+            <a:avLst/>
+          </a:prstGeom>
+          <a:noFill/>
+        </p:spPr>
+        <p:txBody>
+          <a:bodyPr wrap="none" rtlCol="0">
+            <a:spAutoFit/>
+          </a:bodyPr>
+          <a:lstStyle/>
+          <a:p>
+            <a:pPr marL="0" algn="r" defTabSz="914400" rtl="1" eaLnBrk="1" latinLnBrk="0" hangingPunct="1"/>
+            <a:r>
+              <a:rPr lang="en-US" sz="1600" dirty="0">
+                <a:latin typeface="Courier" pitchFamily="2" charset="0"/>
+              </a:rPr>
+              <a:t>60</a:t>
+            </a:r>
+          </a:p>
+        </p:txBody>
+      </p:sp>
+      <p:sp>
+        <p:nvSpPr>
+          <p:cNvPr id="21" name="TextBox 20">
+            <a:extLst>
+              <a:ext uri="{FF2B5EF4-FFF2-40B4-BE49-F238E27FC236}">
+                <a16:creationId xmlns:a16="http://schemas.microsoft.com/office/drawing/2014/main" id="{1F14EA36-54D6-3D45-AA78-B13D91C9D56A}"/>
+              </a:ext>
+            </a:extLst>
+          </p:cNvPr>
+          <p:cNvSpPr txBox="1"/>
+          <p:nvPr/>
+        </p:nvSpPr>
+        <p:spPr>
+          <a:xfrm>
+            <a:off x="5383970" y="4428902"/>
+            <a:ext cx="431529" cy="338554"/>
+          </a:xfrm>
+          <a:prstGeom prst="rect">
+            <a:avLst/>
+          </a:prstGeom>
+          <a:noFill/>
+        </p:spPr>
+        <p:txBody>
+          <a:bodyPr wrap="none" rtlCol="0">
+            <a:spAutoFit/>
+          </a:bodyPr>
+          <a:lstStyle/>
+          <a:p>
+            <a:pPr marL="0" algn="r" defTabSz="914400" rtl="1" eaLnBrk="1" latinLnBrk="0" hangingPunct="1"/>
+            <a:r>
+              <a:rPr lang="en-US" sz="1600" dirty="0">
+                <a:latin typeface="Courier" pitchFamily="2" charset="0"/>
+              </a:rPr>
+              <a:t>50</a:t>
+            </a:r>
+          </a:p>
+        </p:txBody>
+      </p:sp>
+      <p:cxnSp>
+        <p:nvCxnSpPr>
+          <p:cNvPr id="25" name="Straight Arrow Connector 24">
+            <a:extLst>
+              <a:ext uri="{FF2B5EF4-FFF2-40B4-BE49-F238E27FC236}">
+                <a16:creationId xmlns:a16="http://schemas.microsoft.com/office/drawing/2014/main" id="{51D7FB19-DF9F-DB4E-B3D3-B26C7474B99F}"/>
+              </a:ext>
+            </a:extLst>
+          </p:cNvPr>
+          <p:cNvCxnSpPr>
+            <a:cxnSpLocks/>
+          </p:cNvCxnSpPr>
+          <p:nvPr/>
+        </p:nvCxnSpPr>
+        <p:spPr>
+          <a:xfrm>
+            <a:off x="6193622" y="2971724"/>
+            <a:ext cx="182880" cy="548640"/>
+          </a:xfrm>
+          <a:prstGeom prst="straightConnector1">
+            <a:avLst/>
+          </a:prstGeom>
+          <a:ln w="9525" cap="flat" cmpd="sng" algn="ctr">
+            <a:solidFill>
+              <a:schemeClr val="accent1"/>
+            </a:solidFill>
+            <a:prstDash val="solid"/>
+            <a:round/>
+            <a:headEnd type="none" w="med" len="med"/>
+            <a:tailEnd type="arrow" w="med" len="med"/>
+          </a:ln>
+        </p:spPr>
+        <p:style>
+          <a:lnRef idx="0">
+            <a:scrgbClr r="0" g="0" b="0"/>
+          </a:lnRef>
+          <a:fillRef idx="0">
+            <a:scrgbClr r="0" g="0" b="0"/>
+          </a:fillRef>
+          <a:effectRef idx="0">
+            <a:scrgbClr r="0" g="0" b="0"/>
+          </a:effectRef>
+          <a:fontRef idx="minor">
+            <a:schemeClr val="tx1"/>
+          </a:fontRef>
+        </p:style>
+      </p:cxnSp>
+      <p:cxnSp>
+        <p:nvCxnSpPr>
+          <p:cNvPr id="26" name="Straight Arrow Connector 25">
+            <a:extLst>
+              <a:ext uri="{FF2B5EF4-FFF2-40B4-BE49-F238E27FC236}">
+                <a16:creationId xmlns:a16="http://schemas.microsoft.com/office/drawing/2014/main" id="{43897983-84F4-A94D-800F-6643575A9CEF}"/>
+              </a:ext>
+            </a:extLst>
+          </p:cNvPr>
+          <p:cNvCxnSpPr/>
+          <p:nvPr/>
+        </p:nvCxnSpPr>
+        <p:spPr>
+          <a:xfrm flipH="1">
+            <a:off x="6890259" y="3909854"/>
+            <a:ext cx="548640" cy="182880"/>
+          </a:xfrm>
+          <a:prstGeom prst="straightConnector1">
+            <a:avLst/>
+          </a:prstGeom>
+          <a:ln w="12700" cap="flat" cmpd="sng" algn="ctr">
+            <a:solidFill>
+              <a:schemeClr val="accent1"/>
+            </a:solidFill>
+            <a:prstDash val="solid"/>
+            <a:round/>
+            <a:headEnd type="none" w="med" len="med"/>
+            <a:tailEnd type="arrow" w="med" len="med"/>
+          </a:ln>
+        </p:spPr>
+        <p:style>
+          <a:lnRef idx="0">
+            <a:scrgbClr r="0" g="0" b="0"/>
+          </a:lnRef>
+          <a:fillRef idx="0">
+            <a:scrgbClr r="0" g="0" b="0"/>
+          </a:fillRef>
+          <a:effectRef idx="0">
+            <a:scrgbClr r="0" g="0" b="0"/>
+          </a:effectRef>
+          <a:fontRef idx="minor">
+            <a:schemeClr val="tx1"/>
+          </a:fontRef>
+        </p:style>
+      </p:cxnSp>
+      <p:sp>
+        <p:nvSpPr>
+          <p:cNvPr id="27" name="TextBox 26">
+            <a:extLst>
+              <a:ext uri="{FF2B5EF4-FFF2-40B4-BE49-F238E27FC236}">
+                <a16:creationId xmlns:a16="http://schemas.microsoft.com/office/drawing/2014/main" id="{F549FC4A-3C80-9C41-8736-D13C304ED8E9}"/>
+              </a:ext>
+            </a:extLst>
+          </p:cNvPr>
+          <p:cNvSpPr txBox="1"/>
+          <p:nvPr/>
+        </p:nvSpPr>
+        <p:spPr>
+          <a:xfrm>
+            <a:off x="5931370" y="2699645"/>
+            <a:ext cx="524503" cy="261610"/>
+          </a:xfrm>
+          <a:prstGeom prst="rect">
+            <a:avLst/>
+          </a:prstGeom>
+          <a:noFill/>
+        </p:spPr>
+        <p:txBody>
+          <a:bodyPr wrap="none" rtlCol="0">
+            <a:spAutoFit/>
+          </a:bodyPr>
+          <a:lstStyle/>
+          <a:p>
+            <a:pPr algn="ctr"/>
+            <a:r>
+              <a:rPr lang="en-US" sz="1050" dirty="0">
+                <a:latin typeface="Courier" pitchFamily="2" charset="0"/>
+              </a:rPr>
+              <a:t>rear</a:t>
+            </a:r>
+          </a:p>
+        </p:txBody>
+      </p:sp>
+      <p:sp>
+        <p:nvSpPr>
+          <p:cNvPr id="28" name="TextBox 27">
+            <a:extLst>
+              <a:ext uri="{FF2B5EF4-FFF2-40B4-BE49-F238E27FC236}">
+                <a16:creationId xmlns:a16="http://schemas.microsoft.com/office/drawing/2014/main" id="{7BE4E935-9729-B346-9870-5FAB999E4B14}"/>
+              </a:ext>
+            </a:extLst>
+          </p:cNvPr>
+          <p:cNvSpPr txBox="1"/>
+          <p:nvPr/>
+        </p:nvSpPr>
+        <p:spPr>
+          <a:xfrm>
+            <a:off x="7438899" y="3747378"/>
+            <a:ext cx="585417" cy="253916"/>
+          </a:xfrm>
+          <a:prstGeom prst="rect">
+            <a:avLst/>
+          </a:prstGeom>
+          <a:noFill/>
+        </p:spPr>
+        <p:txBody>
+          <a:bodyPr wrap="none" rtlCol="0">
+            <a:spAutoFit/>
+          </a:bodyPr>
+          <a:lstStyle/>
+          <a:p>
+            <a:r>
+              <a:rPr lang="en-US" sz="1050" dirty="0">
+                <a:latin typeface="Courier" pitchFamily="2" charset="0"/>
+              </a:rPr>
+              <a:t>front</a:t>
+            </a:r>
+          </a:p>
+        </p:txBody>
+      </p:sp>
+      <p:sp>
+        <p:nvSpPr>
+          <p:cNvPr id="29" name="TextBox 28">
+            <a:extLst>
+              <a:ext uri="{FF2B5EF4-FFF2-40B4-BE49-F238E27FC236}">
+                <a16:creationId xmlns:a16="http://schemas.microsoft.com/office/drawing/2014/main" id="{6F208F23-9B0B-594F-A850-7CB25493DDDE}"/>
+              </a:ext>
+            </a:extLst>
+          </p:cNvPr>
+          <p:cNvSpPr txBox="1"/>
+          <p:nvPr/>
+        </p:nvSpPr>
+        <p:spPr>
+          <a:xfrm>
+            <a:off x="5664470" y="3734520"/>
+            <a:ext cx="431529" cy="338554"/>
+          </a:xfrm>
+          <a:prstGeom prst="rect">
+            <a:avLst/>
+          </a:prstGeom>
+          <a:noFill/>
+        </p:spPr>
+        <p:txBody>
+          <a:bodyPr wrap="none" rtlCol="0">
+            <a:spAutoFit/>
+          </a:bodyPr>
+          <a:lstStyle/>
+          <a:p>
+            <a:pPr marL="0" algn="r" defTabSz="914400" rtl="1" eaLnBrk="1" latinLnBrk="0" hangingPunct="1"/>
+            <a:r>
+              <a:rPr lang="en-US" sz="1600" dirty="0">
+                <a:latin typeface="Courier" pitchFamily="2" charset="0"/>
+              </a:rPr>
+              <a:t>70</a:t>
+            </a:r>
+          </a:p>
+        </p:txBody>
+      </p:sp>
+      <p:sp>
+        <p:nvSpPr>
+          <p:cNvPr id="30" name="TextBox 29">
+            <a:extLst>
+              <a:ext uri="{FF2B5EF4-FFF2-40B4-BE49-F238E27FC236}">
+                <a16:creationId xmlns:a16="http://schemas.microsoft.com/office/drawing/2014/main" id="{0ABA3632-ACF6-4748-92F3-96C09FD2D87E}"/>
+              </a:ext>
+            </a:extLst>
+          </p:cNvPr>
+          <p:cNvSpPr txBox="1"/>
+          <p:nvPr/>
+        </p:nvSpPr>
+        <p:spPr>
+          <a:xfrm>
+            <a:off x="6095999" y="3730734"/>
+            <a:ext cx="431529" cy="338554"/>
+          </a:xfrm>
+          <a:prstGeom prst="rect">
+            <a:avLst/>
+          </a:prstGeom>
+          <a:noFill/>
+        </p:spPr>
+        <p:txBody>
+          <a:bodyPr wrap="none" rtlCol="0">
+            <a:spAutoFit/>
+          </a:bodyPr>
+          <a:lstStyle/>
+          <a:p>
+            <a:pPr marL="0" algn="r" defTabSz="914400" rtl="1" eaLnBrk="1" latinLnBrk="0" hangingPunct="1"/>
+            <a:r>
+              <a:rPr lang="en-US" sz="1600" dirty="0">
+                <a:latin typeface="Courier" pitchFamily="2" charset="0"/>
+              </a:rPr>
+              <a:t>80</a:t>
+            </a:r>
+          </a:p>
+        </p:txBody>
+      </p:sp>
+    </p:spTree>
+    <p:extLst>
+      <p:ext uri="{BB962C8B-B14F-4D97-AF65-F5344CB8AC3E}">
+        <p14:creationId xmlns:p14="http://schemas.microsoft.com/office/powerpoint/2010/main" val="27354700"/>
+      </p:ext>
+    </p:extLst>
+  </p:cSld>
+  <p:clrMapOvr>
+    <a:masterClrMapping/>
+  </p:clrMapOvr>
+</p:sld>
+</file>
+
+<file path=ppt/slides/slide22.xml><?xml version="1.0" encoding="utf-8"?>
+<p:sld xmlns:a="http://schemas.openxmlformats.org/drawingml/2006/main" xmlns:r="http://schemas.openxmlformats.org/officeDocument/2006/relationships" xmlns:p="http://schemas.openxmlformats.org/presentationml/2006/main">
+  <p:cSld>
+    <p:spTree>
+      <p:nvGrpSpPr>
+        <p:cNvPr id="1" name=""/>
+        <p:cNvGrpSpPr/>
+        <p:nvPr/>
+      </p:nvGrpSpPr>
+      <p:grpSpPr>
+        <a:xfrm>
+          <a:off x="0" y="0"/>
+          <a:ext cx="0" cy="0"/>
+          <a:chOff x="0" y="0"/>
+          <a:chExt cx="0" cy="0"/>
+        </a:xfrm>
+      </p:grpSpPr>
+      <p:sp>
+        <p:nvSpPr>
+          <p:cNvPr id="2" name="Title 1">
+            <a:extLst>
+              <a:ext uri="{FF2B5EF4-FFF2-40B4-BE49-F238E27FC236}">
+                <a16:creationId xmlns:a16="http://schemas.microsoft.com/office/drawing/2014/main" id="{FBD585B8-C540-BC4C-A8BC-70161E6ABC68}"/>
+              </a:ext>
+            </a:extLst>
+          </p:cNvPr>
+          <p:cNvSpPr>
+            <a:spLocks noGrp="1"/>
+          </p:cNvSpPr>
+          <p:nvPr>
+            <p:ph type="title"/>
+          </p:nvPr>
+        </p:nvSpPr>
+        <p:spPr/>
+        <p:txBody>
+          <a:bodyPr/>
+          <a:lstStyle/>
+          <a:p>
+            <a:pPr algn="r" rtl="1"/>
+            <a:r>
+              <a:rPr lang="fa-IR" dirty="0">
+                <a:latin typeface="IRTitr" panose="02000506000000020002" pitchFamily="2" charset="-78"/>
+                <a:cs typeface="IRTitr" panose="02000506000000020002" pitchFamily="2" charset="-78"/>
+              </a:rPr>
+              <a:t>مثال: درج و حذف</a:t>
+            </a:r>
+            <a:endParaRPr lang="en-US" dirty="0">
+              <a:latin typeface="IRTitr" panose="02000506000000020002" pitchFamily="2" charset="-78"/>
+              <a:cs typeface="IRTitr" panose="02000506000000020002" pitchFamily="2" charset="-78"/>
+            </a:endParaRPr>
+          </a:p>
+        </p:txBody>
+      </p:sp>
+      <p:sp>
+        <p:nvSpPr>
+          <p:cNvPr id="3" name="Content Placeholder 2">
+            <a:extLst>
+              <a:ext uri="{FF2B5EF4-FFF2-40B4-BE49-F238E27FC236}">
+                <a16:creationId xmlns:a16="http://schemas.microsoft.com/office/drawing/2014/main" id="{990EA250-150E-7946-BCA2-C547DA2871A5}"/>
+              </a:ext>
+            </a:extLst>
+          </p:cNvPr>
+          <p:cNvSpPr>
+            <a:spLocks noGrp="1"/>
+          </p:cNvSpPr>
+          <p:nvPr>
+            <p:ph idx="1"/>
+          </p:nvPr>
+        </p:nvSpPr>
+        <p:spPr/>
+        <p:txBody>
+          <a:bodyPr/>
+          <a:lstStyle/>
+          <a:p>
+            <a:pPr marL="0" indent="0" algn="r" defTabSz="914400" rtl="1" eaLnBrk="1" latinLnBrk="0" hangingPunct="1">
+              <a:lnSpc>
+                <a:spcPct val="90000"/>
+              </a:lnSpc>
+              <a:spcBef>
+                <a:spcPts val="1000"/>
+              </a:spcBef>
+              <a:buNone/>
+            </a:pPr>
+            <a:r>
+              <a:rPr lang="fa-IR" dirty="0">
+                <a:latin typeface="IRMitra" panose="02000506000000020002" pitchFamily="2" charset="-78"/>
+                <a:cs typeface="IRMitra" panose="02000506000000020002" pitchFamily="2" charset="-78"/>
+              </a:rPr>
+              <a:t>بیاید حذف را امتحان کنیم:</a:t>
+            </a:r>
+            <a:endParaRPr lang="en-US" dirty="0">
+              <a:latin typeface="IRMitra" panose="02000506000000020002" pitchFamily="2" charset="-78"/>
+              <a:cs typeface="IRMitra" panose="02000506000000020002" pitchFamily="2" charset="-78"/>
+            </a:endParaRPr>
+          </a:p>
+        </p:txBody>
+      </p:sp>
+      <p:pic>
+        <p:nvPicPr>
+          <p:cNvPr id="16" name="Picture 2">
+            <a:extLst>
+              <a:ext uri="{FF2B5EF4-FFF2-40B4-BE49-F238E27FC236}">
+                <a16:creationId xmlns:a16="http://schemas.microsoft.com/office/drawing/2014/main" id="{1D883AE7-C00A-4A47-BE58-810518F58961}"/>
+              </a:ext>
+            </a:extLst>
+          </p:cNvPr>
+          <p:cNvPicPr>
+            <a:picLocks noChangeAspect="1" noChangeArrowheads="1"/>
+          </p:cNvPicPr>
+          <p:nvPr/>
+        </p:nvPicPr>
+        <p:blipFill>
+          <a:blip r:embed="rId3">
+            <a:extLst>
+              <a:ext uri="{28A0092B-C50C-407E-A947-70E740481C1C}">
+                <a14:useLocalDpi xmlns:a14="http://schemas.microsoft.com/office/drawing/2010/main" val="0"/>
+              </a:ext>
+            </a:extLst>
+          </a:blip>
+          <a:srcRect/>
+          <a:stretch>
+            <a:fillRect/>
+          </a:stretch>
+        </p:blipFill>
+        <p:spPr bwMode="auto">
+          <a:xfrm>
+            <a:off x="5175726" y="3429000"/>
+            <a:ext cx="1840547" cy="1867347"/>
+          </a:xfrm>
+          <a:prstGeom prst="rect">
+            <a:avLst/>
+          </a:prstGeom>
+          <a:noFill/>
+          <a:extLst>
+            <a:ext uri="{909E8E84-426E-40DD-AFC4-6F175D3DCCD1}">
+              <a14:hiddenFill xmlns:a14="http://schemas.microsoft.com/office/drawing/2010/main">
+                <a:solidFill>
+                  <a:srgbClr val="FFFFFF"/>
+                </a:solidFill>
+              </a14:hiddenFill>
+            </a:ext>
+          </a:extLst>
+        </p:spPr>
+      </p:pic>
+      <p:sp>
+        <p:nvSpPr>
+          <p:cNvPr id="17" name="TextBox 16">
+            <a:extLst>
+              <a:ext uri="{FF2B5EF4-FFF2-40B4-BE49-F238E27FC236}">
+                <a16:creationId xmlns:a16="http://schemas.microsoft.com/office/drawing/2014/main" id="{07DBBE56-01ED-F944-ABE4-702FC7B683B8}"/>
+              </a:ext>
+            </a:extLst>
+          </p:cNvPr>
+          <p:cNvSpPr txBox="1"/>
+          <p:nvPr/>
+        </p:nvSpPr>
+        <p:spPr>
+          <a:xfrm>
+            <a:off x="5656162" y="4693277"/>
+            <a:ext cx="431529" cy="338554"/>
+          </a:xfrm>
+          <a:prstGeom prst="rect">
+            <a:avLst/>
+          </a:prstGeom>
+          <a:noFill/>
+        </p:spPr>
+        <p:txBody>
+          <a:bodyPr wrap="none" rtlCol="0">
+            <a:spAutoFit/>
+          </a:bodyPr>
+          <a:lstStyle/>
+          <a:p>
+            <a:pPr marL="0" algn="r" defTabSz="914400" rtl="1" eaLnBrk="1" latinLnBrk="0" hangingPunct="1"/>
+            <a:r>
+              <a:rPr lang="en-US" sz="1600" dirty="0">
+                <a:latin typeface="Courier" pitchFamily="2" charset="0"/>
+              </a:rPr>
+              <a:t>40</a:t>
+            </a:r>
+          </a:p>
+        </p:txBody>
+      </p:sp>
+      <p:sp>
+        <p:nvSpPr>
+          <p:cNvPr id="18" name="TextBox 17">
+            <a:extLst>
+              <a:ext uri="{FF2B5EF4-FFF2-40B4-BE49-F238E27FC236}">
+                <a16:creationId xmlns:a16="http://schemas.microsoft.com/office/drawing/2014/main" id="{3DE4F93A-92DA-BA4C-97FA-A1E69FA070D3}"/>
+              </a:ext>
+            </a:extLst>
+          </p:cNvPr>
+          <p:cNvSpPr txBox="1"/>
+          <p:nvPr/>
+        </p:nvSpPr>
+        <p:spPr>
+          <a:xfrm>
+            <a:off x="6080169" y="4717465"/>
+            <a:ext cx="431529" cy="338554"/>
+          </a:xfrm>
+          <a:prstGeom prst="rect">
+            <a:avLst/>
+          </a:prstGeom>
+          <a:noFill/>
+        </p:spPr>
+        <p:txBody>
+          <a:bodyPr wrap="none" rtlCol="0">
+            <a:spAutoFit/>
+          </a:bodyPr>
+          <a:lstStyle/>
+          <a:p>
+            <a:pPr marL="0" algn="r" defTabSz="914400" rtl="1" eaLnBrk="1" latinLnBrk="0" hangingPunct="1"/>
+            <a:r>
+              <a:rPr lang="en-US" sz="1600" dirty="0">
+                <a:latin typeface="Courier" pitchFamily="2" charset="0"/>
+              </a:rPr>
+              <a:t>30</a:t>
+            </a:r>
+          </a:p>
+        </p:txBody>
+      </p:sp>
+      <p:sp>
+        <p:nvSpPr>
+          <p:cNvPr id="19" name="TextBox 18">
+            <a:extLst>
+              <a:ext uri="{FF2B5EF4-FFF2-40B4-BE49-F238E27FC236}">
+                <a16:creationId xmlns:a16="http://schemas.microsoft.com/office/drawing/2014/main" id="{8FC23724-D736-9849-8EED-DEC0437F2C7F}"/>
+              </a:ext>
+            </a:extLst>
+          </p:cNvPr>
+          <p:cNvSpPr txBox="1"/>
+          <p:nvPr/>
+        </p:nvSpPr>
+        <p:spPr>
+          <a:xfrm>
+            <a:off x="6376502" y="4428902"/>
+            <a:ext cx="431529" cy="338554"/>
+          </a:xfrm>
+          <a:prstGeom prst="rect">
+            <a:avLst/>
+          </a:prstGeom>
+          <a:noFill/>
+        </p:spPr>
+        <p:txBody>
+          <a:bodyPr wrap="none" rtlCol="0">
+            <a:spAutoFit/>
+          </a:bodyPr>
+          <a:lstStyle/>
+          <a:p>
+            <a:pPr marL="0" algn="r" defTabSz="914400" rtl="1" eaLnBrk="1" latinLnBrk="0" hangingPunct="1"/>
+            <a:r>
+              <a:rPr lang="en-US" sz="1600" dirty="0">
+                <a:latin typeface="Courier" pitchFamily="2" charset="0"/>
+              </a:rPr>
+              <a:t>20</a:t>
+            </a:r>
+          </a:p>
+        </p:txBody>
+      </p:sp>
+      <p:sp>
+        <p:nvSpPr>
+          <p:cNvPr id="20" name="TextBox 19">
+            <a:extLst>
+              <a:ext uri="{FF2B5EF4-FFF2-40B4-BE49-F238E27FC236}">
+                <a16:creationId xmlns:a16="http://schemas.microsoft.com/office/drawing/2014/main" id="{8D5EBC89-8E19-5D49-A57E-5CBD5C71ACA0}"/>
+              </a:ext>
+            </a:extLst>
+          </p:cNvPr>
+          <p:cNvSpPr txBox="1"/>
+          <p:nvPr/>
+        </p:nvSpPr>
+        <p:spPr>
+          <a:xfrm>
+            <a:off x="5364546" y="4034933"/>
+            <a:ext cx="431529" cy="338554"/>
+          </a:xfrm>
+          <a:prstGeom prst="rect">
+            <a:avLst/>
+          </a:prstGeom>
+          <a:noFill/>
+        </p:spPr>
+        <p:txBody>
+          <a:bodyPr wrap="none" rtlCol="0">
+            <a:spAutoFit/>
+          </a:bodyPr>
+          <a:lstStyle/>
+          <a:p>
+            <a:pPr marL="0" algn="r" defTabSz="914400" rtl="1" eaLnBrk="1" latinLnBrk="0" hangingPunct="1"/>
+            <a:r>
+              <a:rPr lang="en-US" sz="1600" dirty="0">
+                <a:latin typeface="Courier" pitchFamily="2" charset="0"/>
+              </a:rPr>
+              <a:t>60</a:t>
+            </a:r>
+          </a:p>
+        </p:txBody>
+      </p:sp>
+      <p:sp>
+        <p:nvSpPr>
+          <p:cNvPr id="21" name="TextBox 20">
+            <a:extLst>
+              <a:ext uri="{FF2B5EF4-FFF2-40B4-BE49-F238E27FC236}">
+                <a16:creationId xmlns:a16="http://schemas.microsoft.com/office/drawing/2014/main" id="{1F14EA36-54D6-3D45-AA78-B13D91C9D56A}"/>
+              </a:ext>
+            </a:extLst>
+          </p:cNvPr>
+          <p:cNvSpPr txBox="1"/>
+          <p:nvPr/>
+        </p:nvSpPr>
+        <p:spPr>
+          <a:xfrm>
+            <a:off x="5383970" y="4428902"/>
+            <a:ext cx="431529" cy="338554"/>
+          </a:xfrm>
+          <a:prstGeom prst="rect">
+            <a:avLst/>
+          </a:prstGeom>
+          <a:noFill/>
+        </p:spPr>
+        <p:txBody>
+          <a:bodyPr wrap="none" rtlCol="0">
+            <a:spAutoFit/>
+          </a:bodyPr>
+          <a:lstStyle/>
+          <a:p>
+            <a:pPr marL="0" algn="r" defTabSz="914400" rtl="1" eaLnBrk="1" latinLnBrk="0" hangingPunct="1"/>
+            <a:r>
+              <a:rPr lang="en-US" sz="1600" dirty="0">
+                <a:latin typeface="Courier" pitchFamily="2" charset="0"/>
+              </a:rPr>
+              <a:t>50</a:t>
+            </a:r>
+          </a:p>
+        </p:txBody>
+      </p:sp>
+      <p:cxnSp>
+        <p:nvCxnSpPr>
+          <p:cNvPr id="25" name="Straight Arrow Connector 24">
+            <a:extLst>
+              <a:ext uri="{FF2B5EF4-FFF2-40B4-BE49-F238E27FC236}">
+                <a16:creationId xmlns:a16="http://schemas.microsoft.com/office/drawing/2014/main" id="{51D7FB19-DF9F-DB4E-B3D3-B26C7474B99F}"/>
+              </a:ext>
+            </a:extLst>
+          </p:cNvPr>
+          <p:cNvCxnSpPr>
+            <a:cxnSpLocks/>
+          </p:cNvCxnSpPr>
+          <p:nvPr/>
+        </p:nvCxnSpPr>
+        <p:spPr>
+          <a:xfrm>
+            <a:off x="6193622" y="2971724"/>
+            <a:ext cx="182880" cy="548640"/>
+          </a:xfrm>
+          <a:prstGeom prst="straightConnector1">
+            <a:avLst/>
+          </a:prstGeom>
+          <a:ln w="9525" cap="flat" cmpd="sng" algn="ctr">
+            <a:solidFill>
+              <a:schemeClr val="accent1"/>
+            </a:solidFill>
+            <a:prstDash val="solid"/>
+            <a:round/>
+            <a:headEnd type="none" w="med" len="med"/>
+            <a:tailEnd type="arrow" w="med" len="med"/>
+          </a:ln>
+        </p:spPr>
+        <p:style>
+          <a:lnRef idx="0">
+            <a:scrgbClr r="0" g="0" b="0"/>
+          </a:lnRef>
+          <a:fillRef idx="0">
+            <a:scrgbClr r="0" g="0" b="0"/>
+          </a:fillRef>
+          <a:effectRef idx="0">
+            <a:scrgbClr r="0" g="0" b="0"/>
+          </a:effectRef>
+          <a:fontRef idx="minor">
+            <a:schemeClr val="tx1"/>
+          </a:fontRef>
+        </p:style>
+      </p:cxnSp>
+      <p:cxnSp>
+        <p:nvCxnSpPr>
+          <p:cNvPr id="26" name="Straight Arrow Connector 25">
+            <a:extLst>
+              <a:ext uri="{FF2B5EF4-FFF2-40B4-BE49-F238E27FC236}">
+                <a16:creationId xmlns:a16="http://schemas.microsoft.com/office/drawing/2014/main" id="{43897983-84F4-A94D-800F-6643575A9CEF}"/>
+              </a:ext>
+            </a:extLst>
+          </p:cNvPr>
+          <p:cNvCxnSpPr/>
+          <p:nvPr/>
+        </p:nvCxnSpPr>
+        <p:spPr>
+          <a:xfrm flipH="1">
+            <a:off x="6890259" y="3909854"/>
+            <a:ext cx="548640" cy="182880"/>
+          </a:xfrm>
+          <a:prstGeom prst="straightConnector1">
+            <a:avLst/>
+          </a:prstGeom>
+          <a:ln w="12700" cap="flat" cmpd="sng" algn="ctr">
+            <a:solidFill>
+              <a:schemeClr val="accent1"/>
+            </a:solidFill>
+            <a:prstDash val="solid"/>
+            <a:round/>
+            <a:headEnd type="none" w="med" len="med"/>
+            <a:tailEnd type="arrow" w="med" len="med"/>
+          </a:ln>
+        </p:spPr>
+        <p:style>
+          <a:lnRef idx="0">
+            <a:scrgbClr r="0" g="0" b="0"/>
+          </a:lnRef>
+          <a:fillRef idx="0">
+            <a:scrgbClr r="0" g="0" b="0"/>
+          </a:fillRef>
+          <a:effectRef idx="0">
+            <a:scrgbClr r="0" g="0" b="0"/>
+          </a:effectRef>
+          <a:fontRef idx="minor">
+            <a:schemeClr val="tx1"/>
+          </a:fontRef>
+        </p:style>
+      </p:cxnSp>
+      <p:sp>
+        <p:nvSpPr>
+          <p:cNvPr id="27" name="TextBox 26">
+            <a:extLst>
+              <a:ext uri="{FF2B5EF4-FFF2-40B4-BE49-F238E27FC236}">
+                <a16:creationId xmlns:a16="http://schemas.microsoft.com/office/drawing/2014/main" id="{F549FC4A-3C80-9C41-8736-D13C304ED8E9}"/>
+              </a:ext>
+            </a:extLst>
+          </p:cNvPr>
+          <p:cNvSpPr txBox="1"/>
+          <p:nvPr/>
+        </p:nvSpPr>
+        <p:spPr>
+          <a:xfrm>
+            <a:off x="5931370" y="2699645"/>
+            <a:ext cx="524503" cy="261610"/>
+          </a:xfrm>
+          <a:prstGeom prst="rect">
+            <a:avLst/>
+          </a:prstGeom>
+          <a:noFill/>
+        </p:spPr>
+        <p:txBody>
+          <a:bodyPr wrap="none" rtlCol="0">
+            <a:spAutoFit/>
+          </a:bodyPr>
+          <a:lstStyle/>
+          <a:p>
+            <a:pPr algn="ctr"/>
+            <a:r>
+              <a:rPr lang="en-US" sz="1050" dirty="0">
+                <a:latin typeface="Courier" pitchFamily="2" charset="0"/>
+              </a:rPr>
+              <a:t>rear</a:t>
+            </a:r>
+          </a:p>
+        </p:txBody>
+      </p:sp>
+      <p:sp>
+        <p:nvSpPr>
+          <p:cNvPr id="28" name="TextBox 27">
+            <a:extLst>
+              <a:ext uri="{FF2B5EF4-FFF2-40B4-BE49-F238E27FC236}">
+                <a16:creationId xmlns:a16="http://schemas.microsoft.com/office/drawing/2014/main" id="{7BE4E935-9729-B346-9870-5FAB999E4B14}"/>
+              </a:ext>
+            </a:extLst>
+          </p:cNvPr>
+          <p:cNvSpPr txBox="1"/>
+          <p:nvPr/>
+        </p:nvSpPr>
+        <p:spPr>
+          <a:xfrm>
+            <a:off x="7438899" y="3747378"/>
+            <a:ext cx="585417" cy="253916"/>
+          </a:xfrm>
+          <a:prstGeom prst="rect">
+            <a:avLst/>
+          </a:prstGeom>
+          <a:noFill/>
+        </p:spPr>
+        <p:txBody>
+          <a:bodyPr wrap="none" rtlCol="0">
+            <a:spAutoFit/>
+          </a:bodyPr>
+          <a:lstStyle/>
+          <a:p>
+            <a:r>
+              <a:rPr lang="en-US" sz="1050" dirty="0">
+                <a:latin typeface="Courier" pitchFamily="2" charset="0"/>
+              </a:rPr>
+              <a:t>front</a:t>
+            </a:r>
+          </a:p>
+        </p:txBody>
+      </p:sp>
+      <p:sp>
+        <p:nvSpPr>
+          <p:cNvPr id="29" name="TextBox 28">
+            <a:extLst>
+              <a:ext uri="{FF2B5EF4-FFF2-40B4-BE49-F238E27FC236}">
+                <a16:creationId xmlns:a16="http://schemas.microsoft.com/office/drawing/2014/main" id="{6F208F23-9B0B-594F-A850-7CB25493DDDE}"/>
+              </a:ext>
+            </a:extLst>
+          </p:cNvPr>
+          <p:cNvSpPr txBox="1"/>
+          <p:nvPr/>
+        </p:nvSpPr>
+        <p:spPr>
+          <a:xfrm>
+            <a:off x="5664470" y="3734520"/>
+            <a:ext cx="431529" cy="338554"/>
+          </a:xfrm>
+          <a:prstGeom prst="rect">
+            <a:avLst/>
+          </a:prstGeom>
+          <a:noFill/>
+        </p:spPr>
+        <p:txBody>
+          <a:bodyPr wrap="none" rtlCol="0">
+            <a:spAutoFit/>
+          </a:bodyPr>
+          <a:lstStyle/>
+          <a:p>
+            <a:pPr marL="0" algn="r" defTabSz="914400" rtl="1" eaLnBrk="1" latinLnBrk="0" hangingPunct="1"/>
+            <a:r>
+              <a:rPr lang="en-US" sz="1600" dirty="0">
+                <a:latin typeface="Courier" pitchFamily="2" charset="0"/>
+              </a:rPr>
+              <a:t>70</a:t>
+            </a:r>
+          </a:p>
+        </p:txBody>
+      </p:sp>
+      <p:sp>
+        <p:nvSpPr>
+          <p:cNvPr id="30" name="TextBox 29">
+            <a:extLst>
+              <a:ext uri="{FF2B5EF4-FFF2-40B4-BE49-F238E27FC236}">
+                <a16:creationId xmlns:a16="http://schemas.microsoft.com/office/drawing/2014/main" id="{0ABA3632-ACF6-4748-92F3-96C09FD2D87E}"/>
+              </a:ext>
+            </a:extLst>
+          </p:cNvPr>
+          <p:cNvSpPr txBox="1"/>
+          <p:nvPr/>
+        </p:nvSpPr>
+        <p:spPr>
+          <a:xfrm>
+            <a:off x="6095999" y="3730734"/>
+            <a:ext cx="431529" cy="338554"/>
+          </a:xfrm>
+          <a:prstGeom prst="rect">
+            <a:avLst/>
+          </a:prstGeom>
+          <a:noFill/>
+        </p:spPr>
+        <p:txBody>
+          <a:bodyPr wrap="none" rtlCol="0">
+            <a:spAutoFit/>
+          </a:bodyPr>
+          <a:lstStyle/>
+          <a:p>
+            <a:pPr marL="0" algn="r" defTabSz="914400" rtl="1" eaLnBrk="1" latinLnBrk="0" hangingPunct="1"/>
+            <a:r>
+              <a:rPr lang="en-US" sz="1600" dirty="0">
+                <a:latin typeface="Courier" pitchFamily="2" charset="0"/>
+              </a:rPr>
+              <a:t>80</a:t>
+            </a:r>
+          </a:p>
+        </p:txBody>
+      </p:sp>
+      <p:sp>
+        <p:nvSpPr>
+          <p:cNvPr id="22" name="Rectangle 21">
+            <a:extLst>
+              <a:ext uri="{FF2B5EF4-FFF2-40B4-BE49-F238E27FC236}">
+                <a16:creationId xmlns:a16="http://schemas.microsoft.com/office/drawing/2014/main" id="{B70ADEAA-9AEA-354D-81BA-F3F377DEDBFC}"/>
+              </a:ext>
+            </a:extLst>
+          </p:cNvPr>
+          <p:cNvSpPr/>
+          <p:nvPr/>
+        </p:nvSpPr>
+        <p:spPr>
+          <a:xfrm>
+            <a:off x="838200" y="1825625"/>
+            <a:ext cx="4343400" cy="1569660"/>
+          </a:xfrm>
+          <a:prstGeom prst="rect">
+            <a:avLst/>
+          </a:prstGeom>
+        </p:spPr>
+        <p:txBody>
+          <a:bodyPr wrap="square">
+            <a:spAutoFit/>
+          </a:bodyPr>
+          <a:lstStyle/>
+          <a:p>
+            <a:r>
+              <a:rPr lang="en-US" sz="1600" b="1" dirty="0">
+                <a:solidFill>
+                  <a:srgbClr val="0000FF"/>
+                </a:solidFill>
+                <a:latin typeface=" Courier New"/>
+              </a:rPr>
+              <a:t>def</a:t>
+            </a:r>
+            <a:r>
+              <a:rPr lang="en-US" sz="1600" b="1" dirty="0">
+                <a:solidFill>
+                  <a:srgbClr val="000000"/>
+                </a:solidFill>
+                <a:latin typeface=" Courier New"/>
+              </a:rPr>
+              <a:t> </a:t>
+            </a:r>
+            <a:r>
+              <a:rPr lang="en-US" sz="1600" b="1" dirty="0">
+                <a:solidFill>
+                  <a:srgbClr val="795E26"/>
+                </a:solidFill>
+                <a:latin typeface=" Courier New"/>
+              </a:rPr>
+              <a:t>delete</a:t>
+            </a:r>
+            <a:r>
+              <a:rPr lang="en-US" sz="1600" b="1" dirty="0">
+                <a:solidFill>
+                  <a:srgbClr val="000000"/>
+                </a:solidFill>
+                <a:latin typeface=" Courier New"/>
+              </a:rPr>
+              <a:t>():</a:t>
+            </a:r>
+          </a:p>
+          <a:p>
+            <a:pPr lvl="1"/>
+            <a:r>
+              <a:rPr lang="en-US" sz="1600" b="1" dirty="0">
+                <a:solidFill>
+                  <a:srgbClr val="AF00DB"/>
+                </a:solidFill>
+                <a:latin typeface=" Courier New"/>
+              </a:rPr>
+              <a:t>if</a:t>
+            </a:r>
+            <a:r>
+              <a:rPr lang="en-US" sz="1600" b="1" dirty="0">
+                <a:solidFill>
+                  <a:srgbClr val="000000"/>
+                </a:solidFill>
+                <a:latin typeface=" Courier New"/>
+              </a:rPr>
+              <a:t>(</a:t>
+            </a:r>
+            <a:r>
+              <a:rPr lang="en-US" sz="1600" b="1" dirty="0">
+                <a:solidFill>
+                  <a:srgbClr val="001080"/>
+                </a:solidFill>
+                <a:latin typeface=" Courier New"/>
+              </a:rPr>
+              <a:t>rear</a:t>
+            </a:r>
+            <a:r>
+              <a:rPr lang="en-US" sz="1600" b="1" dirty="0">
+                <a:solidFill>
+                  <a:srgbClr val="000000"/>
+                </a:solidFill>
+                <a:latin typeface=" Courier New"/>
+              </a:rPr>
+              <a:t> == </a:t>
+            </a:r>
+            <a:r>
+              <a:rPr lang="en-US" sz="1600" b="1" dirty="0">
+                <a:solidFill>
+                  <a:srgbClr val="001080"/>
+                </a:solidFill>
+                <a:latin typeface=" Courier New"/>
+              </a:rPr>
+              <a:t>front</a:t>
+            </a:r>
+            <a:r>
+              <a:rPr lang="en-US" sz="1600" b="1" dirty="0">
+                <a:solidFill>
+                  <a:srgbClr val="000000"/>
+                </a:solidFill>
+                <a:latin typeface=" Courier New"/>
+              </a:rPr>
+              <a:t>):</a:t>
+            </a:r>
+          </a:p>
+          <a:p>
+            <a:pPr lvl="2"/>
+            <a:r>
+              <a:rPr lang="en-US" sz="1600" b="1" dirty="0">
+                <a:solidFill>
+                  <a:srgbClr val="AF00DB"/>
+                </a:solidFill>
+                <a:latin typeface=" Courier New"/>
+              </a:rPr>
+              <a:t>return</a:t>
+            </a:r>
+            <a:r>
+              <a:rPr lang="en-US" sz="1600" b="1" dirty="0">
+                <a:solidFill>
+                  <a:srgbClr val="000000"/>
+                </a:solidFill>
+                <a:latin typeface=" Courier New"/>
+              </a:rPr>
+              <a:t> </a:t>
+            </a:r>
+            <a:r>
+              <a:rPr lang="en-US" sz="1600" b="1" dirty="0">
+                <a:solidFill>
+                  <a:srgbClr val="A31515"/>
+                </a:solidFill>
+                <a:latin typeface=" Courier New"/>
+              </a:rPr>
+              <a:t>"Queue is Empty"</a:t>
+            </a:r>
+            <a:endParaRPr lang="en-US" sz="1600" b="1" dirty="0">
+              <a:solidFill>
+                <a:srgbClr val="000000"/>
+              </a:solidFill>
+              <a:latin typeface=" Courier New"/>
+            </a:endParaRPr>
+          </a:p>
+          <a:p>
+            <a:pPr lvl="1"/>
+            <a:r>
+              <a:rPr lang="en-US" sz="1600" b="1" dirty="0">
+                <a:solidFill>
+                  <a:srgbClr val="AF00DB"/>
+                </a:solidFill>
+                <a:latin typeface=" Courier New"/>
+              </a:rPr>
+              <a:t>else</a:t>
+            </a:r>
+            <a:r>
+              <a:rPr lang="en-US" sz="1600" b="1" dirty="0">
+                <a:solidFill>
+                  <a:srgbClr val="000000"/>
+                </a:solidFill>
+                <a:latin typeface=" Courier New"/>
+              </a:rPr>
+              <a:t>:</a:t>
+            </a:r>
+          </a:p>
+          <a:p>
+            <a:pPr lvl="2"/>
+            <a:r>
+              <a:rPr lang="en-US" sz="1600" b="1" dirty="0">
+                <a:solidFill>
+                  <a:srgbClr val="001080"/>
+                </a:solidFill>
+                <a:latin typeface=" Courier New"/>
+              </a:rPr>
+              <a:t>front</a:t>
+            </a:r>
+            <a:r>
+              <a:rPr lang="en-US" sz="1600" b="1" dirty="0">
+                <a:solidFill>
+                  <a:srgbClr val="000000"/>
+                </a:solidFill>
+                <a:latin typeface=" Courier New"/>
+              </a:rPr>
+              <a:t> = (</a:t>
+            </a:r>
+            <a:r>
+              <a:rPr lang="en-US" sz="1600" b="1" dirty="0">
+                <a:solidFill>
+                  <a:srgbClr val="001080"/>
+                </a:solidFill>
+                <a:latin typeface=" Courier New"/>
+              </a:rPr>
+              <a:t>front</a:t>
+            </a:r>
+            <a:r>
+              <a:rPr lang="en-US" sz="1600" b="1" dirty="0">
+                <a:solidFill>
+                  <a:srgbClr val="000000"/>
+                </a:solidFill>
+                <a:latin typeface=" Courier New"/>
+              </a:rPr>
+              <a:t>+</a:t>
+            </a:r>
+            <a:r>
+              <a:rPr lang="en-US" sz="1600" b="1" dirty="0">
+                <a:solidFill>
+                  <a:srgbClr val="098658"/>
+                </a:solidFill>
+                <a:latin typeface=" Courier New"/>
+              </a:rPr>
+              <a:t>1</a:t>
+            </a:r>
+            <a:r>
+              <a:rPr lang="en-US" sz="1600" b="1" dirty="0">
+                <a:solidFill>
+                  <a:srgbClr val="000000"/>
+                </a:solidFill>
+                <a:latin typeface=" Courier New"/>
+              </a:rPr>
+              <a:t>) % </a:t>
+            </a:r>
+            <a:r>
+              <a:rPr lang="en-US" sz="1600" b="1" dirty="0">
+                <a:solidFill>
+                  <a:srgbClr val="001080"/>
+                </a:solidFill>
+                <a:latin typeface=" Courier New"/>
+              </a:rPr>
+              <a:t>n</a:t>
+            </a:r>
+            <a:endParaRPr lang="en-US" sz="1600" b="1" dirty="0">
+              <a:solidFill>
+                <a:srgbClr val="000000"/>
+              </a:solidFill>
+              <a:latin typeface=" Courier New"/>
+            </a:endParaRPr>
+          </a:p>
+          <a:p>
+            <a:pPr lvl="2"/>
+            <a:r>
+              <a:rPr lang="en-US" sz="1600" b="1" dirty="0">
+                <a:solidFill>
+                  <a:srgbClr val="AF00DB"/>
+                </a:solidFill>
+                <a:latin typeface=" Courier New"/>
+              </a:rPr>
+              <a:t>return</a:t>
+            </a:r>
+            <a:r>
+              <a:rPr lang="en-US" sz="1600" b="1" dirty="0">
+                <a:solidFill>
+                  <a:srgbClr val="000000"/>
+                </a:solidFill>
+                <a:latin typeface=" Courier New"/>
+              </a:rPr>
+              <a:t> </a:t>
+            </a:r>
+            <a:r>
+              <a:rPr lang="en-US" sz="1600" b="1" dirty="0">
+                <a:solidFill>
+                  <a:srgbClr val="0070C1"/>
+                </a:solidFill>
+                <a:latin typeface=" Courier New"/>
+              </a:rPr>
+              <a:t>Q</a:t>
+            </a:r>
+            <a:r>
+              <a:rPr lang="en-US" sz="1600" b="1" dirty="0">
+                <a:solidFill>
+                  <a:srgbClr val="000000"/>
+                </a:solidFill>
+                <a:latin typeface=" Courier New"/>
+              </a:rPr>
+              <a:t>[</a:t>
+            </a:r>
+            <a:r>
+              <a:rPr lang="en-US" sz="1600" b="1" dirty="0">
+                <a:solidFill>
+                  <a:srgbClr val="001080"/>
+                </a:solidFill>
+                <a:latin typeface=" Courier New"/>
+              </a:rPr>
+              <a:t>front</a:t>
+            </a:r>
+            <a:r>
+              <a:rPr lang="en-US" sz="1600" b="1" dirty="0">
+                <a:solidFill>
+                  <a:srgbClr val="000000"/>
+                </a:solidFill>
+                <a:latin typeface=" Courier New"/>
+              </a:rPr>
+              <a:t>]</a:t>
+            </a:r>
+            <a:endParaRPr lang="en-US" sz="1600" b="1" dirty="0">
+              <a:solidFill>
+                <a:srgbClr val="000000"/>
+              </a:solidFill>
+              <a:effectLst/>
+              <a:latin typeface=" Courier New"/>
+            </a:endParaRPr>
+          </a:p>
+        </p:txBody>
+      </p:sp>
+    </p:spTree>
+    <p:extLst>
+      <p:ext uri="{BB962C8B-B14F-4D97-AF65-F5344CB8AC3E}">
+        <p14:creationId xmlns:p14="http://schemas.microsoft.com/office/powerpoint/2010/main" val="2338388043"/>
+      </p:ext>
+    </p:extLst>
+  </p:cSld>
+  <p:clrMapOvr>
+    <a:masterClrMapping/>
+  </p:clrMapOvr>
+</p:sld>
+</file>
+
+<file path=ppt/slides/slide23.xml><?xml version="1.0" encoding="utf-8"?>
+<p:sld xmlns:a="http://schemas.openxmlformats.org/drawingml/2006/main" xmlns:r="http://schemas.openxmlformats.org/officeDocument/2006/relationships" xmlns:p="http://schemas.openxmlformats.org/presentationml/2006/main">
+  <p:cSld>
+    <p:spTree>
+      <p:nvGrpSpPr>
+        <p:cNvPr id="1" name=""/>
+        <p:cNvGrpSpPr/>
+        <p:nvPr/>
+      </p:nvGrpSpPr>
+      <p:grpSpPr>
+        <a:xfrm>
+          <a:off x="0" y="0"/>
+          <a:ext cx="0" cy="0"/>
+          <a:chOff x="0" y="0"/>
+          <a:chExt cx="0" cy="0"/>
+        </a:xfrm>
+      </p:grpSpPr>
+      <p:sp>
+        <p:nvSpPr>
+          <p:cNvPr id="2" name="Title 1">
+            <a:extLst>
+              <a:ext uri="{FF2B5EF4-FFF2-40B4-BE49-F238E27FC236}">
+                <a16:creationId xmlns:a16="http://schemas.microsoft.com/office/drawing/2014/main" id="{FBD585B8-C540-BC4C-A8BC-70161E6ABC68}"/>
+              </a:ext>
+            </a:extLst>
+          </p:cNvPr>
+          <p:cNvSpPr>
+            <a:spLocks noGrp="1"/>
+          </p:cNvSpPr>
+          <p:nvPr>
+            <p:ph type="title"/>
+          </p:nvPr>
+        </p:nvSpPr>
+        <p:spPr/>
+        <p:txBody>
+          <a:bodyPr/>
+          <a:lstStyle/>
+          <a:p>
+            <a:pPr algn="r" rtl="1"/>
+            <a:r>
+              <a:rPr lang="fa-IR" dirty="0">
+                <a:latin typeface="IRTitr" panose="02000506000000020002" pitchFamily="2" charset="-78"/>
+                <a:cs typeface="IRTitr" panose="02000506000000020002" pitchFamily="2" charset="-78"/>
+              </a:rPr>
+              <a:t>مثال: درج و حذف</a:t>
+            </a:r>
+            <a:endParaRPr lang="en-US" dirty="0">
+              <a:latin typeface="IRTitr" panose="02000506000000020002" pitchFamily="2" charset="-78"/>
+              <a:cs typeface="IRTitr" panose="02000506000000020002" pitchFamily="2" charset="-78"/>
+            </a:endParaRPr>
+          </a:p>
+        </p:txBody>
+      </p:sp>
+      <p:sp>
+        <p:nvSpPr>
+          <p:cNvPr id="3" name="Content Placeholder 2">
+            <a:extLst>
+              <a:ext uri="{FF2B5EF4-FFF2-40B4-BE49-F238E27FC236}">
+                <a16:creationId xmlns:a16="http://schemas.microsoft.com/office/drawing/2014/main" id="{990EA250-150E-7946-BCA2-C547DA2871A5}"/>
+              </a:ext>
+            </a:extLst>
+          </p:cNvPr>
+          <p:cNvSpPr>
+            <a:spLocks noGrp="1"/>
+          </p:cNvSpPr>
+          <p:nvPr>
+            <p:ph idx="1"/>
+          </p:nvPr>
+        </p:nvSpPr>
+        <p:spPr/>
+        <p:txBody>
+          <a:bodyPr/>
+          <a:lstStyle/>
+          <a:p>
+            <a:pPr marL="0" indent="0" algn="r" defTabSz="914400" rtl="1" eaLnBrk="1" latinLnBrk="0" hangingPunct="1">
+              <a:lnSpc>
+                <a:spcPct val="90000"/>
+              </a:lnSpc>
+              <a:spcBef>
+                <a:spcPts val="1000"/>
+              </a:spcBef>
+              <a:buNone/>
+            </a:pPr>
+            <a:r>
+              <a:rPr lang="fa-IR" dirty="0">
+                <a:latin typeface="IRMitra" panose="02000506000000020002" pitchFamily="2" charset="-78"/>
+                <a:cs typeface="IRMitra" panose="02000506000000020002" pitchFamily="2" charset="-78"/>
+              </a:rPr>
+              <a:t>عدد </a:t>
+            </a:r>
+            <a:r>
+              <a:rPr lang="fa-IR" b="1" dirty="0">
+                <a:latin typeface="IRMitra" panose="02000506000000020002" pitchFamily="2" charset="-78"/>
+                <a:cs typeface="IRMitra" panose="02000506000000020002" pitchFamily="2" charset="-78"/>
+              </a:rPr>
+              <a:t>۲۰</a:t>
+            </a:r>
+            <a:r>
+              <a:rPr lang="fa-IR" dirty="0">
+                <a:latin typeface="IRMitra" panose="02000506000000020002" pitchFamily="2" charset="-78"/>
+                <a:cs typeface="IRMitra" panose="02000506000000020002" pitchFamily="2" charset="-78"/>
+              </a:rPr>
+              <a:t> از ابتدا لیست حذف </a:t>
+            </a:r>
+            <a:r>
+              <a:rPr lang="fa-IR" dirty="0" err="1">
+                <a:latin typeface="IRMitra" panose="02000506000000020002" pitchFamily="2" charset="-78"/>
+                <a:cs typeface="IRMitra" panose="02000506000000020002" pitchFamily="2" charset="-78"/>
+              </a:rPr>
+              <a:t>کرده‌ایم</a:t>
+            </a:r>
+            <a:r>
+              <a:rPr lang="fa-IR" dirty="0">
+                <a:latin typeface="IRMitra" panose="02000506000000020002" pitchFamily="2" charset="-78"/>
+                <a:cs typeface="IRMitra" panose="02000506000000020002" pitchFamily="2" charset="-78"/>
+              </a:rPr>
+              <a:t>.</a:t>
+            </a:r>
+            <a:endParaRPr lang="en-US" dirty="0">
+              <a:latin typeface="IRMitra" panose="02000506000000020002" pitchFamily="2" charset="-78"/>
+              <a:cs typeface="IRMitra" panose="02000506000000020002" pitchFamily="2" charset="-78"/>
+            </a:endParaRPr>
+          </a:p>
+        </p:txBody>
+      </p:sp>
+      <p:pic>
+        <p:nvPicPr>
+          <p:cNvPr id="16" name="Picture 2">
+            <a:extLst>
+              <a:ext uri="{FF2B5EF4-FFF2-40B4-BE49-F238E27FC236}">
+                <a16:creationId xmlns:a16="http://schemas.microsoft.com/office/drawing/2014/main" id="{1D883AE7-C00A-4A47-BE58-810518F58961}"/>
+              </a:ext>
+            </a:extLst>
+          </p:cNvPr>
+          <p:cNvPicPr>
+            <a:picLocks noChangeAspect="1" noChangeArrowheads="1"/>
+          </p:cNvPicPr>
+          <p:nvPr/>
+        </p:nvPicPr>
+        <p:blipFill>
+          <a:blip r:embed="rId3">
+            <a:extLst>
+              <a:ext uri="{28A0092B-C50C-407E-A947-70E740481C1C}">
+                <a14:useLocalDpi xmlns:a14="http://schemas.microsoft.com/office/drawing/2010/main" val="0"/>
+              </a:ext>
+            </a:extLst>
+          </a:blip>
+          <a:srcRect/>
+          <a:stretch>
+            <a:fillRect/>
+          </a:stretch>
+        </p:blipFill>
+        <p:spPr bwMode="auto">
+          <a:xfrm>
+            <a:off x="5175726" y="3429000"/>
+            <a:ext cx="1840547" cy="1867347"/>
+          </a:xfrm>
+          <a:prstGeom prst="rect">
+            <a:avLst/>
+          </a:prstGeom>
+          <a:noFill/>
+          <a:extLst>
+            <a:ext uri="{909E8E84-426E-40DD-AFC4-6F175D3DCCD1}">
+              <a14:hiddenFill xmlns:a14="http://schemas.microsoft.com/office/drawing/2010/main">
+                <a:solidFill>
+                  <a:srgbClr val="FFFFFF"/>
+                </a:solidFill>
+              </a14:hiddenFill>
+            </a:ext>
+          </a:extLst>
+        </p:spPr>
+      </p:pic>
+      <p:sp>
+        <p:nvSpPr>
+          <p:cNvPr id="17" name="TextBox 16">
+            <a:extLst>
+              <a:ext uri="{FF2B5EF4-FFF2-40B4-BE49-F238E27FC236}">
+                <a16:creationId xmlns:a16="http://schemas.microsoft.com/office/drawing/2014/main" id="{07DBBE56-01ED-F944-ABE4-702FC7B683B8}"/>
+              </a:ext>
+            </a:extLst>
+          </p:cNvPr>
+          <p:cNvSpPr txBox="1"/>
+          <p:nvPr/>
+        </p:nvSpPr>
+        <p:spPr>
+          <a:xfrm>
+            <a:off x="5656162" y="4693277"/>
+            <a:ext cx="431529" cy="338554"/>
+          </a:xfrm>
+          <a:prstGeom prst="rect">
+            <a:avLst/>
+          </a:prstGeom>
+          <a:noFill/>
+        </p:spPr>
+        <p:txBody>
+          <a:bodyPr wrap="none" rtlCol="0">
+            <a:spAutoFit/>
+          </a:bodyPr>
+          <a:lstStyle/>
+          <a:p>
+            <a:pPr marL="0" algn="r" defTabSz="914400" rtl="1" eaLnBrk="1" latinLnBrk="0" hangingPunct="1"/>
+            <a:r>
+              <a:rPr lang="en-US" sz="1600" dirty="0">
+                <a:latin typeface="Courier" pitchFamily="2" charset="0"/>
+              </a:rPr>
+              <a:t>40</a:t>
+            </a:r>
+          </a:p>
+        </p:txBody>
+      </p:sp>
+      <p:sp>
+        <p:nvSpPr>
+          <p:cNvPr id="18" name="TextBox 17">
+            <a:extLst>
+              <a:ext uri="{FF2B5EF4-FFF2-40B4-BE49-F238E27FC236}">
+                <a16:creationId xmlns:a16="http://schemas.microsoft.com/office/drawing/2014/main" id="{3DE4F93A-92DA-BA4C-97FA-A1E69FA070D3}"/>
+              </a:ext>
+            </a:extLst>
+          </p:cNvPr>
+          <p:cNvSpPr txBox="1"/>
+          <p:nvPr/>
+        </p:nvSpPr>
+        <p:spPr>
+          <a:xfrm>
+            <a:off x="6080169" y="4717465"/>
+            <a:ext cx="431529" cy="338554"/>
+          </a:xfrm>
+          <a:prstGeom prst="rect">
+            <a:avLst/>
+          </a:prstGeom>
+          <a:noFill/>
+        </p:spPr>
+        <p:txBody>
+          <a:bodyPr wrap="none" rtlCol="0">
+            <a:spAutoFit/>
+          </a:bodyPr>
+          <a:lstStyle/>
+          <a:p>
+            <a:pPr marL="0" algn="r" defTabSz="914400" rtl="1" eaLnBrk="1" latinLnBrk="0" hangingPunct="1"/>
+            <a:r>
+              <a:rPr lang="en-US" sz="1600" dirty="0">
+                <a:latin typeface="Courier" pitchFamily="2" charset="0"/>
+              </a:rPr>
+              <a:t>30</a:t>
+            </a:r>
+          </a:p>
+        </p:txBody>
+      </p:sp>
+      <p:sp>
+        <p:nvSpPr>
+          <p:cNvPr id="20" name="TextBox 19">
+            <a:extLst>
+              <a:ext uri="{FF2B5EF4-FFF2-40B4-BE49-F238E27FC236}">
+                <a16:creationId xmlns:a16="http://schemas.microsoft.com/office/drawing/2014/main" id="{8D5EBC89-8E19-5D49-A57E-5CBD5C71ACA0}"/>
+              </a:ext>
+            </a:extLst>
+          </p:cNvPr>
+          <p:cNvSpPr txBox="1"/>
+          <p:nvPr/>
+        </p:nvSpPr>
+        <p:spPr>
+          <a:xfrm>
+            <a:off x="5364546" y="4034933"/>
+            <a:ext cx="431529" cy="338554"/>
+          </a:xfrm>
+          <a:prstGeom prst="rect">
+            <a:avLst/>
+          </a:prstGeom>
+          <a:noFill/>
+        </p:spPr>
+        <p:txBody>
+          <a:bodyPr wrap="none" rtlCol="0">
+            <a:spAutoFit/>
+          </a:bodyPr>
+          <a:lstStyle/>
+          <a:p>
+            <a:pPr marL="0" algn="r" defTabSz="914400" rtl="1" eaLnBrk="1" latinLnBrk="0" hangingPunct="1"/>
+            <a:r>
+              <a:rPr lang="en-US" sz="1600" dirty="0">
+                <a:latin typeface="Courier" pitchFamily="2" charset="0"/>
+              </a:rPr>
+              <a:t>60</a:t>
+            </a:r>
+          </a:p>
+        </p:txBody>
+      </p:sp>
+      <p:sp>
+        <p:nvSpPr>
+          <p:cNvPr id="21" name="TextBox 20">
+            <a:extLst>
+              <a:ext uri="{FF2B5EF4-FFF2-40B4-BE49-F238E27FC236}">
+                <a16:creationId xmlns:a16="http://schemas.microsoft.com/office/drawing/2014/main" id="{1F14EA36-54D6-3D45-AA78-B13D91C9D56A}"/>
+              </a:ext>
+            </a:extLst>
+          </p:cNvPr>
+          <p:cNvSpPr txBox="1"/>
+          <p:nvPr/>
+        </p:nvSpPr>
+        <p:spPr>
+          <a:xfrm>
+            <a:off x="5383970" y="4428902"/>
+            <a:ext cx="431529" cy="338554"/>
+          </a:xfrm>
+          <a:prstGeom prst="rect">
+            <a:avLst/>
+          </a:prstGeom>
+          <a:noFill/>
+        </p:spPr>
+        <p:txBody>
+          <a:bodyPr wrap="none" rtlCol="0">
+            <a:spAutoFit/>
+          </a:bodyPr>
+          <a:lstStyle/>
+          <a:p>
+            <a:pPr marL="0" algn="r" defTabSz="914400" rtl="1" eaLnBrk="1" latinLnBrk="0" hangingPunct="1"/>
+            <a:r>
+              <a:rPr lang="en-US" sz="1600" dirty="0">
+                <a:latin typeface="Courier" pitchFamily="2" charset="0"/>
+              </a:rPr>
+              <a:t>50</a:t>
+            </a:r>
+          </a:p>
+        </p:txBody>
+      </p:sp>
+      <p:cxnSp>
+        <p:nvCxnSpPr>
+          <p:cNvPr id="25" name="Straight Arrow Connector 24">
+            <a:extLst>
+              <a:ext uri="{FF2B5EF4-FFF2-40B4-BE49-F238E27FC236}">
+                <a16:creationId xmlns:a16="http://schemas.microsoft.com/office/drawing/2014/main" id="{51D7FB19-DF9F-DB4E-B3D3-B26C7474B99F}"/>
+              </a:ext>
+            </a:extLst>
+          </p:cNvPr>
+          <p:cNvCxnSpPr>
+            <a:cxnSpLocks/>
+          </p:cNvCxnSpPr>
+          <p:nvPr/>
+        </p:nvCxnSpPr>
+        <p:spPr>
+          <a:xfrm>
+            <a:off x="6193622" y="2971724"/>
+            <a:ext cx="182880" cy="548640"/>
+          </a:xfrm>
+          <a:prstGeom prst="straightConnector1">
+            <a:avLst/>
+          </a:prstGeom>
+          <a:ln w="9525" cap="flat" cmpd="sng" algn="ctr">
+            <a:solidFill>
+              <a:schemeClr val="accent1"/>
+            </a:solidFill>
+            <a:prstDash val="solid"/>
+            <a:round/>
+            <a:headEnd type="none" w="med" len="med"/>
+            <a:tailEnd type="arrow" w="med" len="med"/>
+          </a:ln>
+        </p:spPr>
+        <p:style>
+          <a:lnRef idx="0">
+            <a:scrgbClr r="0" g="0" b="0"/>
+          </a:lnRef>
+          <a:fillRef idx="0">
+            <a:scrgbClr r="0" g="0" b="0"/>
+          </a:fillRef>
+          <a:effectRef idx="0">
+            <a:scrgbClr r="0" g="0" b="0"/>
+          </a:effectRef>
+          <a:fontRef idx="minor">
+            <a:schemeClr val="tx1"/>
+          </a:fontRef>
+        </p:style>
+      </p:cxnSp>
+      <p:cxnSp>
+        <p:nvCxnSpPr>
+          <p:cNvPr id="26" name="Straight Arrow Connector 25">
+            <a:extLst>
+              <a:ext uri="{FF2B5EF4-FFF2-40B4-BE49-F238E27FC236}">
+                <a16:creationId xmlns:a16="http://schemas.microsoft.com/office/drawing/2014/main" id="{43897983-84F4-A94D-800F-6643575A9CEF}"/>
+              </a:ext>
+            </a:extLst>
+          </p:cNvPr>
+          <p:cNvCxnSpPr/>
+          <p:nvPr/>
+        </p:nvCxnSpPr>
+        <p:spPr>
+          <a:xfrm flipH="1">
+            <a:off x="6930773" y="4428902"/>
+            <a:ext cx="548640" cy="182880"/>
+          </a:xfrm>
+          <a:prstGeom prst="straightConnector1">
+            <a:avLst/>
+          </a:prstGeom>
+          <a:ln w="12700" cap="flat" cmpd="sng" algn="ctr">
+            <a:solidFill>
+              <a:schemeClr val="accent1"/>
+            </a:solidFill>
+            <a:prstDash val="solid"/>
+            <a:round/>
+            <a:headEnd type="none" w="med" len="med"/>
+            <a:tailEnd type="arrow" w="med" len="med"/>
+          </a:ln>
+        </p:spPr>
+        <p:style>
+          <a:lnRef idx="0">
+            <a:scrgbClr r="0" g="0" b="0"/>
+          </a:lnRef>
+          <a:fillRef idx="0">
+            <a:scrgbClr r="0" g="0" b="0"/>
+          </a:fillRef>
+          <a:effectRef idx="0">
+            <a:scrgbClr r="0" g="0" b="0"/>
+          </a:effectRef>
+          <a:fontRef idx="minor">
+            <a:schemeClr val="tx1"/>
+          </a:fontRef>
+        </p:style>
+      </p:cxnSp>
+      <p:sp>
+        <p:nvSpPr>
+          <p:cNvPr id="27" name="TextBox 26">
+            <a:extLst>
+              <a:ext uri="{FF2B5EF4-FFF2-40B4-BE49-F238E27FC236}">
+                <a16:creationId xmlns:a16="http://schemas.microsoft.com/office/drawing/2014/main" id="{F549FC4A-3C80-9C41-8736-D13C304ED8E9}"/>
+              </a:ext>
+            </a:extLst>
+          </p:cNvPr>
+          <p:cNvSpPr txBox="1"/>
+          <p:nvPr/>
+        </p:nvSpPr>
+        <p:spPr>
+          <a:xfrm>
+            <a:off x="5931370" y="2699645"/>
+            <a:ext cx="524503" cy="261610"/>
+          </a:xfrm>
+          <a:prstGeom prst="rect">
+            <a:avLst/>
+          </a:prstGeom>
+          <a:noFill/>
+        </p:spPr>
+        <p:txBody>
+          <a:bodyPr wrap="none" rtlCol="0">
+            <a:spAutoFit/>
+          </a:bodyPr>
+          <a:lstStyle/>
+          <a:p>
+            <a:pPr algn="ctr"/>
+            <a:r>
+              <a:rPr lang="en-US" sz="1050" dirty="0">
+                <a:latin typeface="Courier" pitchFamily="2" charset="0"/>
+              </a:rPr>
+              <a:t>rear</a:t>
+            </a:r>
+          </a:p>
+        </p:txBody>
+      </p:sp>
+      <p:sp>
+        <p:nvSpPr>
+          <p:cNvPr id="28" name="TextBox 27">
+            <a:extLst>
+              <a:ext uri="{FF2B5EF4-FFF2-40B4-BE49-F238E27FC236}">
+                <a16:creationId xmlns:a16="http://schemas.microsoft.com/office/drawing/2014/main" id="{7BE4E935-9729-B346-9870-5FAB999E4B14}"/>
+              </a:ext>
+            </a:extLst>
+          </p:cNvPr>
+          <p:cNvSpPr txBox="1"/>
+          <p:nvPr/>
+        </p:nvSpPr>
+        <p:spPr>
+          <a:xfrm>
+            <a:off x="7479413" y="4266426"/>
+            <a:ext cx="585417" cy="253916"/>
+          </a:xfrm>
+          <a:prstGeom prst="rect">
+            <a:avLst/>
+          </a:prstGeom>
+          <a:noFill/>
+        </p:spPr>
+        <p:txBody>
+          <a:bodyPr wrap="none" rtlCol="0">
+            <a:spAutoFit/>
+          </a:bodyPr>
+          <a:lstStyle/>
+          <a:p>
+            <a:r>
+              <a:rPr lang="en-US" sz="1050" dirty="0">
+                <a:latin typeface="Courier" pitchFamily="2" charset="0"/>
+              </a:rPr>
+              <a:t>front</a:t>
+            </a:r>
+          </a:p>
+        </p:txBody>
+      </p:sp>
+      <p:sp>
+        <p:nvSpPr>
+          <p:cNvPr id="29" name="TextBox 28">
+            <a:extLst>
+              <a:ext uri="{FF2B5EF4-FFF2-40B4-BE49-F238E27FC236}">
+                <a16:creationId xmlns:a16="http://schemas.microsoft.com/office/drawing/2014/main" id="{6F208F23-9B0B-594F-A850-7CB25493DDDE}"/>
+              </a:ext>
+            </a:extLst>
+          </p:cNvPr>
+          <p:cNvSpPr txBox="1"/>
+          <p:nvPr/>
+        </p:nvSpPr>
+        <p:spPr>
+          <a:xfrm>
+            <a:off x="5664470" y="3734520"/>
+            <a:ext cx="431529" cy="338554"/>
+          </a:xfrm>
+          <a:prstGeom prst="rect">
+            <a:avLst/>
+          </a:prstGeom>
+          <a:noFill/>
+        </p:spPr>
+        <p:txBody>
+          <a:bodyPr wrap="none" rtlCol="0">
+            <a:spAutoFit/>
+          </a:bodyPr>
+          <a:lstStyle/>
+          <a:p>
+            <a:pPr marL="0" algn="r" defTabSz="914400" rtl="1" eaLnBrk="1" latinLnBrk="0" hangingPunct="1"/>
+            <a:r>
+              <a:rPr lang="en-US" sz="1600" dirty="0">
+                <a:latin typeface="Courier" pitchFamily="2" charset="0"/>
+              </a:rPr>
+              <a:t>70</a:t>
+            </a:r>
+          </a:p>
+        </p:txBody>
+      </p:sp>
+      <p:sp>
+        <p:nvSpPr>
+          <p:cNvPr id="30" name="TextBox 29">
+            <a:extLst>
+              <a:ext uri="{FF2B5EF4-FFF2-40B4-BE49-F238E27FC236}">
+                <a16:creationId xmlns:a16="http://schemas.microsoft.com/office/drawing/2014/main" id="{0ABA3632-ACF6-4748-92F3-96C09FD2D87E}"/>
+              </a:ext>
+            </a:extLst>
+          </p:cNvPr>
+          <p:cNvSpPr txBox="1"/>
+          <p:nvPr/>
+        </p:nvSpPr>
+        <p:spPr>
+          <a:xfrm>
+            <a:off x="6095999" y="3730734"/>
+            <a:ext cx="431529" cy="338554"/>
+          </a:xfrm>
+          <a:prstGeom prst="rect">
+            <a:avLst/>
+          </a:prstGeom>
+          <a:noFill/>
+        </p:spPr>
+        <p:txBody>
+          <a:bodyPr wrap="none" rtlCol="0">
+            <a:spAutoFit/>
+          </a:bodyPr>
+          <a:lstStyle/>
+          <a:p>
+            <a:pPr marL="0" algn="r" defTabSz="914400" rtl="1" eaLnBrk="1" latinLnBrk="0" hangingPunct="1"/>
+            <a:r>
+              <a:rPr lang="en-US" sz="1600" dirty="0">
+                <a:latin typeface="Courier" pitchFamily="2" charset="0"/>
+              </a:rPr>
+              <a:t>80</a:t>
+            </a:r>
+          </a:p>
+        </p:txBody>
+      </p:sp>
+      <p:sp>
+        <p:nvSpPr>
+          <p:cNvPr id="22" name="Rectangle 21">
+            <a:extLst>
+              <a:ext uri="{FF2B5EF4-FFF2-40B4-BE49-F238E27FC236}">
+                <a16:creationId xmlns:a16="http://schemas.microsoft.com/office/drawing/2014/main" id="{B70ADEAA-9AEA-354D-81BA-F3F377DEDBFC}"/>
+              </a:ext>
+            </a:extLst>
+          </p:cNvPr>
+          <p:cNvSpPr/>
+          <p:nvPr/>
+        </p:nvSpPr>
+        <p:spPr>
+          <a:xfrm>
+            <a:off x="838200" y="1825625"/>
+            <a:ext cx="4343400" cy="1569660"/>
+          </a:xfrm>
+          <a:prstGeom prst="rect">
+            <a:avLst/>
+          </a:prstGeom>
+        </p:spPr>
+        <p:txBody>
+          <a:bodyPr wrap="square">
+            <a:spAutoFit/>
+          </a:bodyPr>
+          <a:lstStyle/>
+          <a:p>
+            <a:r>
+              <a:rPr lang="en-US" sz="1600" b="1" dirty="0">
+                <a:solidFill>
+                  <a:srgbClr val="0000FF"/>
+                </a:solidFill>
+                <a:latin typeface=" Courier New"/>
+              </a:rPr>
+              <a:t>def</a:t>
+            </a:r>
+            <a:r>
+              <a:rPr lang="en-US" sz="1600" b="1" dirty="0">
+                <a:solidFill>
+                  <a:srgbClr val="000000"/>
+                </a:solidFill>
+                <a:latin typeface=" Courier New"/>
+              </a:rPr>
+              <a:t> </a:t>
+            </a:r>
+            <a:r>
+              <a:rPr lang="en-US" sz="1600" b="1" dirty="0">
+                <a:solidFill>
+                  <a:srgbClr val="795E26"/>
+                </a:solidFill>
+                <a:latin typeface=" Courier New"/>
+              </a:rPr>
+              <a:t>delete</a:t>
+            </a:r>
+            <a:r>
+              <a:rPr lang="en-US" sz="1600" b="1" dirty="0">
+                <a:solidFill>
+                  <a:srgbClr val="000000"/>
+                </a:solidFill>
+                <a:latin typeface=" Courier New"/>
+              </a:rPr>
+              <a:t>():</a:t>
+            </a:r>
+          </a:p>
+          <a:p>
+            <a:pPr lvl="1"/>
+            <a:r>
+              <a:rPr lang="en-US" sz="1600" b="1" dirty="0">
+                <a:solidFill>
+                  <a:srgbClr val="AF00DB"/>
+                </a:solidFill>
+                <a:latin typeface=" Courier New"/>
+              </a:rPr>
+              <a:t>if</a:t>
+            </a:r>
+            <a:r>
+              <a:rPr lang="en-US" sz="1600" b="1" dirty="0">
+                <a:solidFill>
+                  <a:srgbClr val="000000"/>
+                </a:solidFill>
+                <a:latin typeface=" Courier New"/>
+              </a:rPr>
+              <a:t>(</a:t>
+            </a:r>
+            <a:r>
+              <a:rPr lang="en-US" sz="1600" b="1" dirty="0">
+                <a:solidFill>
+                  <a:srgbClr val="001080"/>
+                </a:solidFill>
+                <a:latin typeface=" Courier New"/>
+              </a:rPr>
+              <a:t>rear</a:t>
+            </a:r>
+            <a:r>
+              <a:rPr lang="en-US" sz="1600" b="1" dirty="0">
+                <a:solidFill>
+                  <a:srgbClr val="000000"/>
+                </a:solidFill>
+                <a:latin typeface=" Courier New"/>
+              </a:rPr>
+              <a:t> == </a:t>
+            </a:r>
+            <a:r>
+              <a:rPr lang="en-US" sz="1600" b="1" dirty="0">
+                <a:solidFill>
+                  <a:srgbClr val="001080"/>
+                </a:solidFill>
+                <a:latin typeface=" Courier New"/>
+              </a:rPr>
+              <a:t>front</a:t>
+            </a:r>
+            <a:r>
+              <a:rPr lang="en-US" sz="1600" b="1" dirty="0">
+                <a:solidFill>
+                  <a:srgbClr val="000000"/>
+                </a:solidFill>
+                <a:latin typeface=" Courier New"/>
+              </a:rPr>
+              <a:t>):</a:t>
+            </a:r>
+          </a:p>
+          <a:p>
+            <a:pPr lvl="2"/>
+            <a:r>
+              <a:rPr lang="en-US" sz="1600" b="1" dirty="0">
+                <a:solidFill>
+                  <a:srgbClr val="AF00DB"/>
+                </a:solidFill>
+                <a:latin typeface=" Courier New"/>
+              </a:rPr>
+              <a:t>return</a:t>
+            </a:r>
+            <a:r>
+              <a:rPr lang="en-US" sz="1600" b="1" dirty="0">
+                <a:solidFill>
+                  <a:srgbClr val="000000"/>
+                </a:solidFill>
+                <a:latin typeface=" Courier New"/>
+              </a:rPr>
+              <a:t> </a:t>
+            </a:r>
+            <a:r>
+              <a:rPr lang="en-US" sz="1600" b="1" dirty="0">
+                <a:solidFill>
+                  <a:srgbClr val="A31515"/>
+                </a:solidFill>
+                <a:latin typeface=" Courier New"/>
+              </a:rPr>
+              <a:t>"Queue is Empty"</a:t>
+            </a:r>
+            <a:endParaRPr lang="en-US" sz="1600" b="1" dirty="0">
+              <a:solidFill>
+                <a:srgbClr val="000000"/>
+              </a:solidFill>
+              <a:latin typeface=" Courier New"/>
+            </a:endParaRPr>
+          </a:p>
+          <a:p>
+            <a:pPr lvl="1"/>
+            <a:r>
+              <a:rPr lang="en-US" sz="1600" b="1" dirty="0">
+                <a:solidFill>
+                  <a:srgbClr val="AF00DB"/>
+                </a:solidFill>
+                <a:latin typeface=" Courier New"/>
+              </a:rPr>
+              <a:t>else</a:t>
+            </a:r>
+            <a:r>
+              <a:rPr lang="en-US" sz="1600" b="1" dirty="0">
+                <a:solidFill>
+                  <a:srgbClr val="000000"/>
+                </a:solidFill>
+                <a:latin typeface=" Courier New"/>
+              </a:rPr>
+              <a:t>:</a:t>
+            </a:r>
+          </a:p>
+          <a:p>
+            <a:pPr lvl="2"/>
+            <a:r>
+              <a:rPr lang="en-US" sz="1600" b="1" dirty="0">
+                <a:solidFill>
+                  <a:srgbClr val="001080"/>
+                </a:solidFill>
+                <a:latin typeface=" Courier New"/>
+              </a:rPr>
+              <a:t>front</a:t>
+            </a:r>
+            <a:r>
+              <a:rPr lang="en-US" sz="1600" b="1" dirty="0">
+                <a:solidFill>
+                  <a:srgbClr val="000000"/>
+                </a:solidFill>
+                <a:latin typeface=" Courier New"/>
+              </a:rPr>
+              <a:t> = (</a:t>
+            </a:r>
+            <a:r>
+              <a:rPr lang="en-US" sz="1600" b="1" dirty="0">
+                <a:solidFill>
+                  <a:srgbClr val="001080"/>
+                </a:solidFill>
+                <a:latin typeface=" Courier New"/>
+              </a:rPr>
+              <a:t>front</a:t>
+            </a:r>
+            <a:r>
+              <a:rPr lang="en-US" sz="1600" b="1" dirty="0">
+                <a:solidFill>
+                  <a:srgbClr val="000000"/>
+                </a:solidFill>
+                <a:latin typeface=" Courier New"/>
+              </a:rPr>
+              <a:t>+</a:t>
+            </a:r>
+            <a:r>
+              <a:rPr lang="en-US" sz="1600" b="1" dirty="0">
+                <a:solidFill>
+                  <a:srgbClr val="098658"/>
+                </a:solidFill>
+                <a:latin typeface=" Courier New"/>
+              </a:rPr>
+              <a:t>1</a:t>
+            </a:r>
+            <a:r>
+              <a:rPr lang="en-US" sz="1600" b="1" dirty="0">
+                <a:solidFill>
+                  <a:srgbClr val="000000"/>
+                </a:solidFill>
+                <a:latin typeface=" Courier New"/>
+              </a:rPr>
+              <a:t>) % </a:t>
+            </a:r>
+            <a:r>
+              <a:rPr lang="en-US" sz="1600" b="1" dirty="0">
+                <a:solidFill>
+                  <a:srgbClr val="001080"/>
+                </a:solidFill>
+                <a:latin typeface=" Courier New"/>
+              </a:rPr>
+              <a:t>n</a:t>
+            </a:r>
+            <a:endParaRPr lang="en-US" sz="1600" b="1" dirty="0">
+              <a:solidFill>
+                <a:srgbClr val="000000"/>
+              </a:solidFill>
+              <a:latin typeface=" Courier New"/>
+            </a:endParaRPr>
+          </a:p>
+          <a:p>
+            <a:pPr lvl="2"/>
+            <a:r>
+              <a:rPr lang="en-US" sz="1600" b="1" dirty="0">
+                <a:solidFill>
+                  <a:srgbClr val="AF00DB"/>
+                </a:solidFill>
+                <a:latin typeface=" Courier New"/>
+              </a:rPr>
+              <a:t>return</a:t>
+            </a:r>
+            <a:r>
+              <a:rPr lang="en-US" sz="1600" b="1" dirty="0">
+                <a:solidFill>
+                  <a:srgbClr val="000000"/>
+                </a:solidFill>
+                <a:latin typeface=" Courier New"/>
+              </a:rPr>
+              <a:t> </a:t>
+            </a:r>
+            <a:r>
+              <a:rPr lang="en-US" sz="1600" b="1" dirty="0">
+                <a:solidFill>
+                  <a:srgbClr val="0070C1"/>
+                </a:solidFill>
+                <a:latin typeface=" Courier New"/>
+              </a:rPr>
+              <a:t>Q</a:t>
+            </a:r>
+            <a:r>
+              <a:rPr lang="en-US" sz="1600" b="1" dirty="0">
+                <a:solidFill>
+                  <a:srgbClr val="000000"/>
+                </a:solidFill>
+                <a:latin typeface=" Courier New"/>
+              </a:rPr>
+              <a:t>[</a:t>
+            </a:r>
+            <a:r>
+              <a:rPr lang="en-US" sz="1600" b="1" dirty="0">
+                <a:solidFill>
+                  <a:srgbClr val="001080"/>
+                </a:solidFill>
+                <a:latin typeface=" Courier New"/>
+              </a:rPr>
+              <a:t>front</a:t>
+            </a:r>
+            <a:r>
+              <a:rPr lang="en-US" sz="1600" b="1" dirty="0">
+                <a:solidFill>
+                  <a:srgbClr val="000000"/>
+                </a:solidFill>
+                <a:latin typeface=" Courier New"/>
+              </a:rPr>
+              <a:t>]</a:t>
+            </a:r>
+            <a:endParaRPr lang="en-US" sz="1600" b="1" dirty="0">
+              <a:solidFill>
+                <a:srgbClr val="000000"/>
+              </a:solidFill>
+              <a:effectLst/>
+              <a:latin typeface=" Courier New"/>
+            </a:endParaRPr>
+          </a:p>
+        </p:txBody>
+      </p:sp>
+    </p:spTree>
+    <p:extLst>
+      <p:ext uri="{BB962C8B-B14F-4D97-AF65-F5344CB8AC3E}">
+        <p14:creationId xmlns:p14="http://schemas.microsoft.com/office/powerpoint/2010/main" val="3863413364"/>
+      </p:ext>
+    </p:extLst>
+  </p:cSld>
+  <p:clrMapOvr>
+    <a:masterClrMapping/>
+  </p:clrMapOvr>
+</p:sld>
+</file>
+
+<file path=ppt/slides/slide24.xml><?xml version="1.0" encoding="utf-8"?>
+<p:sld xmlns:a="http://schemas.openxmlformats.org/drawingml/2006/main" xmlns:r="http://schemas.openxmlformats.org/officeDocument/2006/relationships" xmlns:p="http://schemas.openxmlformats.org/presentationml/2006/main">
+  <p:cSld>
+    <p:spTree>
+      <p:nvGrpSpPr>
+        <p:cNvPr id="1" name=""/>
+        <p:cNvGrpSpPr/>
+        <p:nvPr/>
+      </p:nvGrpSpPr>
+      <p:grpSpPr>
+        <a:xfrm>
+          <a:off x="0" y="0"/>
+          <a:ext cx="0" cy="0"/>
+          <a:chOff x="0" y="0"/>
+          <a:chExt cx="0" cy="0"/>
+        </a:xfrm>
+      </p:grpSpPr>
+      <p:sp>
+        <p:nvSpPr>
+          <p:cNvPr id="2" name="Title 1">
+            <a:extLst>
+              <a:ext uri="{FF2B5EF4-FFF2-40B4-BE49-F238E27FC236}">
+                <a16:creationId xmlns:a16="http://schemas.microsoft.com/office/drawing/2014/main" id="{FBD585B8-C540-BC4C-A8BC-70161E6ABC68}"/>
+              </a:ext>
+            </a:extLst>
+          </p:cNvPr>
+          <p:cNvSpPr>
+            <a:spLocks noGrp="1"/>
+          </p:cNvSpPr>
+          <p:nvPr>
+            <p:ph type="title"/>
+          </p:nvPr>
+        </p:nvSpPr>
+        <p:spPr/>
+        <p:txBody>
+          <a:bodyPr/>
+          <a:lstStyle/>
+          <a:p>
+            <a:pPr algn="r" rtl="1"/>
+            <a:r>
+              <a:rPr lang="fa-IR" dirty="0">
+                <a:latin typeface="IRTitr" panose="02000506000000020002" pitchFamily="2" charset="-78"/>
+                <a:cs typeface="IRTitr" panose="02000506000000020002" pitchFamily="2" charset="-78"/>
+              </a:rPr>
+              <a:t>مثال: درج و حذف</a:t>
+            </a:r>
+            <a:endParaRPr lang="en-US" dirty="0">
+              <a:latin typeface="IRTitr" panose="02000506000000020002" pitchFamily="2" charset="-78"/>
+              <a:cs typeface="IRTitr" panose="02000506000000020002" pitchFamily="2" charset="-78"/>
+            </a:endParaRPr>
+          </a:p>
+        </p:txBody>
+      </p:sp>
+      <p:sp>
+        <p:nvSpPr>
+          <p:cNvPr id="3" name="Content Placeholder 2">
+            <a:extLst>
+              <a:ext uri="{FF2B5EF4-FFF2-40B4-BE49-F238E27FC236}">
+                <a16:creationId xmlns:a16="http://schemas.microsoft.com/office/drawing/2014/main" id="{990EA250-150E-7946-BCA2-C547DA2871A5}"/>
+              </a:ext>
+            </a:extLst>
+          </p:cNvPr>
+          <p:cNvSpPr>
+            <a:spLocks noGrp="1"/>
+          </p:cNvSpPr>
+          <p:nvPr>
+            <p:ph idx="1"/>
+          </p:nvPr>
+        </p:nvSpPr>
+        <p:spPr/>
+        <p:txBody>
+          <a:bodyPr/>
+          <a:lstStyle/>
+          <a:p>
+            <a:pPr marL="0" indent="0" algn="r" defTabSz="914400" rtl="1" eaLnBrk="1" latinLnBrk="0" hangingPunct="1">
+              <a:lnSpc>
+                <a:spcPct val="90000"/>
+              </a:lnSpc>
+              <a:spcBef>
+                <a:spcPts val="1000"/>
+              </a:spcBef>
+              <a:buNone/>
+            </a:pPr>
+            <a:r>
+              <a:rPr lang="fa-IR" dirty="0">
+                <a:latin typeface="IRMitra" panose="02000506000000020002" pitchFamily="2" charset="-78"/>
+                <a:cs typeface="IRMitra" panose="02000506000000020002" pitchFamily="2" charset="-78"/>
+              </a:rPr>
+              <a:t>برای حذف </a:t>
+            </a:r>
+            <a:r>
+              <a:rPr lang="fa-IR" b="1" dirty="0">
+                <a:latin typeface="IRMitra" panose="02000506000000020002" pitchFamily="2" charset="-78"/>
+                <a:cs typeface="IRMitra" panose="02000506000000020002" pitchFamily="2" charset="-78"/>
+              </a:rPr>
+              <a:t>۸۰</a:t>
+            </a:r>
+            <a:r>
+              <a:rPr lang="fa-IR" dirty="0">
+                <a:latin typeface="IRMitra" panose="02000506000000020002" pitchFamily="2" charset="-78"/>
+                <a:cs typeface="IRMitra" panose="02000506000000020002" pitchFamily="2" charset="-78"/>
+              </a:rPr>
+              <a:t> از لیست زیر هم داریم:</a:t>
+            </a:r>
+            <a:endParaRPr lang="en-US" dirty="0">
+              <a:latin typeface="IRMitra" panose="02000506000000020002" pitchFamily="2" charset="-78"/>
+              <a:cs typeface="IRMitra" panose="02000506000000020002" pitchFamily="2" charset="-78"/>
+            </a:endParaRPr>
+          </a:p>
+        </p:txBody>
+      </p:sp>
+      <p:pic>
+        <p:nvPicPr>
+          <p:cNvPr id="16" name="Picture 2">
+            <a:extLst>
+              <a:ext uri="{FF2B5EF4-FFF2-40B4-BE49-F238E27FC236}">
+                <a16:creationId xmlns:a16="http://schemas.microsoft.com/office/drawing/2014/main" id="{1D883AE7-C00A-4A47-BE58-810518F58961}"/>
+              </a:ext>
+            </a:extLst>
+          </p:cNvPr>
+          <p:cNvPicPr>
+            <a:picLocks noChangeAspect="1" noChangeArrowheads="1"/>
+          </p:cNvPicPr>
+          <p:nvPr/>
+        </p:nvPicPr>
+        <p:blipFill>
+          <a:blip r:embed="rId3">
+            <a:extLst>
+              <a:ext uri="{28A0092B-C50C-407E-A947-70E740481C1C}">
+                <a14:useLocalDpi xmlns:a14="http://schemas.microsoft.com/office/drawing/2010/main" val="0"/>
+              </a:ext>
+            </a:extLst>
+          </a:blip>
+          <a:srcRect/>
+          <a:stretch>
+            <a:fillRect/>
+          </a:stretch>
+        </p:blipFill>
+        <p:spPr bwMode="auto">
+          <a:xfrm>
+            <a:off x="5175726" y="3429000"/>
+            <a:ext cx="1840547" cy="1867347"/>
+          </a:xfrm>
+          <a:prstGeom prst="rect">
+            <a:avLst/>
+          </a:prstGeom>
+          <a:noFill/>
+          <a:extLst>
+            <a:ext uri="{909E8E84-426E-40DD-AFC4-6F175D3DCCD1}">
+              <a14:hiddenFill xmlns:a14="http://schemas.microsoft.com/office/drawing/2010/main">
+                <a:solidFill>
+                  <a:srgbClr val="FFFFFF"/>
+                </a:solidFill>
+              </a14:hiddenFill>
+            </a:ext>
+          </a:extLst>
+        </p:spPr>
+      </p:pic>
+      <p:cxnSp>
+        <p:nvCxnSpPr>
+          <p:cNvPr id="25" name="Straight Arrow Connector 24">
+            <a:extLst>
+              <a:ext uri="{FF2B5EF4-FFF2-40B4-BE49-F238E27FC236}">
+                <a16:creationId xmlns:a16="http://schemas.microsoft.com/office/drawing/2014/main" id="{51D7FB19-DF9F-DB4E-B3D3-B26C7474B99F}"/>
+              </a:ext>
+            </a:extLst>
+          </p:cNvPr>
+          <p:cNvCxnSpPr>
+            <a:cxnSpLocks/>
+          </p:cNvCxnSpPr>
+          <p:nvPr/>
+        </p:nvCxnSpPr>
+        <p:spPr>
+          <a:xfrm>
+            <a:off x="5613195" y="2995671"/>
+            <a:ext cx="182880" cy="548640"/>
+          </a:xfrm>
+          <a:prstGeom prst="straightConnector1">
+            <a:avLst/>
+          </a:prstGeom>
+          <a:ln w="9525" cap="flat" cmpd="sng" algn="ctr">
+            <a:solidFill>
+              <a:schemeClr val="accent1"/>
+            </a:solidFill>
+            <a:prstDash val="solid"/>
+            <a:round/>
+            <a:headEnd type="none" w="med" len="med"/>
+            <a:tailEnd type="arrow" w="med" len="med"/>
+          </a:ln>
+        </p:spPr>
+        <p:style>
+          <a:lnRef idx="0">
+            <a:scrgbClr r="0" g="0" b="0"/>
+          </a:lnRef>
+          <a:fillRef idx="0">
+            <a:scrgbClr r="0" g="0" b="0"/>
+          </a:fillRef>
+          <a:effectRef idx="0">
+            <a:scrgbClr r="0" g="0" b="0"/>
+          </a:effectRef>
+          <a:fontRef idx="minor">
+            <a:schemeClr val="tx1"/>
+          </a:fontRef>
+        </p:style>
+      </p:cxnSp>
+      <p:cxnSp>
+        <p:nvCxnSpPr>
+          <p:cNvPr id="26" name="Straight Arrow Connector 25">
+            <a:extLst>
+              <a:ext uri="{FF2B5EF4-FFF2-40B4-BE49-F238E27FC236}">
+                <a16:creationId xmlns:a16="http://schemas.microsoft.com/office/drawing/2014/main" id="{43897983-84F4-A94D-800F-6643575A9CEF}"/>
+              </a:ext>
+            </a:extLst>
+          </p:cNvPr>
+          <p:cNvCxnSpPr>
+            <a:cxnSpLocks/>
+          </p:cNvCxnSpPr>
+          <p:nvPr/>
+        </p:nvCxnSpPr>
+        <p:spPr>
+          <a:xfrm flipH="1">
+            <a:off x="6511329" y="3417394"/>
+            <a:ext cx="548640" cy="182882"/>
+          </a:xfrm>
+          <a:prstGeom prst="straightConnector1">
+            <a:avLst/>
+          </a:prstGeom>
+          <a:ln w="12700" cap="flat" cmpd="sng" algn="ctr">
+            <a:solidFill>
+              <a:schemeClr val="accent1"/>
+            </a:solidFill>
+            <a:prstDash val="solid"/>
+            <a:round/>
+            <a:headEnd type="none" w="med" len="med"/>
+            <a:tailEnd type="arrow" w="med" len="med"/>
+          </a:ln>
+        </p:spPr>
+        <p:style>
+          <a:lnRef idx="0">
+            <a:scrgbClr r="0" g="0" b="0"/>
+          </a:lnRef>
+          <a:fillRef idx="0">
+            <a:scrgbClr r="0" g="0" b="0"/>
+          </a:fillRef>
+          <a:effectRef idx="0">
+            <a:scrgbClr r="0" g="0" b="0"/>
+          </a:effectRef>
+          <a:fontRef idx="minor">
+            <a:schemeClr val="tx1"/>
+          </a:fontRef>
+        </p:style>
+      </p:cxnSp>
+      <p:sp>
+        <p:nvSpPr>
+          <p:cNvPr id="27" name="TextBox 26">
+            <a:extLst>
+              <a:ext uri="{FF2B5EF4-FFF2-40B4-BE49-F238E27FC236}">
+                <a16:creationId xmlns:a16="http://schemas.microsoft.com/office/drawing/2014/main" id="{F549FC4A-3C80-9C41-8736-D13C304ED8E9}"/>
+              </a:ext>
+            </a:extLst>
+          </p:cNvPr>
+          <p:cNvSpPr txBox="1"/>
+          <p:nvPr/>
+        </p:nvSpPr>
+        <p:spPr>
+          <a:xfrm>
+            <a:off x="7063189" y="3264480"/>
+            <a:ext cx="524503" cy="261610"/>
+          </a:xfrm>
+          <a:prstGeom prst="rect">
+            <a:avLst/>
+          </a:prstGeom>
+          <a:noFill/>
+        </p:spPr>
+        <p:txBody>
+          <a:bodyPr wrap="none" rtlCol="0">
+            <a:spAutoFit/>
+          </a:bodyPr>
+          <a:lstStyle/>
+          <a:p>
+            <a:pPr algn="ctr"/>
+            <a:r>
+              <a:rPr lang="en-US" sz="1050" dirty="0">
+                <a:latin typeface="Courier" pitchFamily="2" charset="0"/>
+              </a:rPr>
+              <a:t>rear</a:t>
+            </a:r>
+          </a:p>
+        </p:txBody>
+      </p:sp>
+      <p:sp>
+        <p:nvSpPr>
+          <p:cNvPr id="28" name="TextBox 27">
+            <a:extLst>
+              <a:ext uri="{FF2B5EF4-FFF2-40B4-BE49-F238E27FC236}">
+                <a16:creationId xmlns:a16="http://schemas.microsoft.com/office/drawing/2014/main" id="{7BE4E935-9729-B346-9870-5FAB999E4B14}"/>
+              </a:ext>
+            </a:extLst>
+          </p:cNvPr>
+          <p:cNvSpPr txBox="1"/>
+          <p:nvPr/>
+        </p:nvSpPr>
+        <p:spPr>
+          <a:xfrm>
+            <a:off x="5320486" y="2741755"/>
+            <a:ext cx="585417" cy="253916"/>
+          </a:xfrm>
+          <a:prstGeom prst="rect">
+            <a:avLst/>
+          </a:prstGeom>
+          <a:noFill/>
+        </p:spPr>
+        <p:txBody>
+          <a:bodyPr wrap="none" rtlCol="0">
+            <a:spAutoFit/>
+          </a:bodyPr>
+          <a:lstStyle/>
+          <a:p>
+            <a:r>
+              <a:rPr lang="en-US" sz="1050" dirty="0">
+                <a:latin typeface="Courier" pitchFamily="2" charset="0"/>
+              </a:rPr>
+              <a:t>front</a:t>
+            </a:r>
+          </a:p>
+        </p:txBody>
+      </p:sp>
+      <p:sp>
+        <p:nvSpPr>
+          <p:cNvPr id="30" name="TextBox 29">
+            <a:extLst>
+              <a:ext uri="{FF2B5EF4-FFF2-40B4-BE49-F238E27FC236}">
+                <a16:creationId xmlns:a16="http://schemas.microsoft.com/office/drawing/2014/main" id="{0ABA3632-ACF6-4748-92F3-96C09FD2D87E}"/>
+              </a:ext>
+            </a:extLst>
+          </p:cNvPr>
+          <p:cNvSpPr txBox="1"/>
+          <p:nvPr/>
+        </p:nvSpPr>
+        <p:spPr>
+          <a:xfrm>
+            <a:off x="6095999" y="3730734"/>
+            <a:ext cx="431529" cy="338554"/>
+          </a:xfrm>
+          <a:prstGeom prst="rect">
+            <a:avLst/>
+          </a:prstGeom>
+          <a:noFill/>
+        </p:spPr>
+        <p:txBody>
+          <a:bodyPr wrap="none" rtlCol="0">
+            <a:spAutoFit/>
+          </a:bodyPr>
+          <a:lstStyle/>
+          <a:p>
+            <a:pPr marL="0" algn="r" defTabSz="914400" rtl="1" eaLnBrk="1" latinLnBrk="0" hangingPunct="1"/>
+            <a:r>
+              <a:rPr lang="en-US" sz="1600" dirty="0">
+                <a:latin typeface="Courier" pitchFamily="2" charset="0"/>
+              </a:rPr>
+              <a:t>80</a:t>
+            </a:r>
+          </a:p>
+        </p:txBody>
+      </p:sp>
+      <p:sp>
+        <p:nvSpPr>
+          <p:cNvPr id="22" name="Rectangle 21">
+            <a:extLst>
+              <a:ext uri="{FF2B5EF4-FFF2-40B4-BE49-F238E27FC236}">
+                <a16:creationId xmlns:a16="http://schemas.microsoft.com/office/drawing/2014/main" id="{B70ADEAA-9AEA-354D-81BA-F3F377DEDBFC}"/>
+              </a:ext>
+            </a:extLst>
+          </p:cNvPr>
+          <p:cNvSpPr/>
+          <p:nvPr/>
+        </p:nvSpPr>
+        <p:spPr>
+          <a:xfrm>
+            <a:off x="838200" y="1825625"/>
+            <a:ext cx="4343400" cy="1569660"/>
+          </a:xfrm>
+          <a:prstGeom prst="rect">
+            <a:avLst/>
+          </a:prstGeom>
+        </p:spPr>
+        <p:txBody>
+          <a:bodyPr wrap="square">
+            <a:spAutoFit/>
+          </a:bodyPr>
+          <a:lstStyle/>
+          <a:p>
+            <a:r>
+              <a:rPr lang="en-US" sz="1600" b="1" dirty="0">
+                <a:solidFill>
+                  <a:srgbClr val="0000FF"/>
+                </a:solidFill>
+                <a:latin typeface=" Courier New"/>
+              </a:rPr>
+              <a:t>def</a:t>
+            </a:r>
+            <a:r>
+              <a:rPr lang="en-US" sz="1600" b="1" dirty="0">
+                <a:solidFill>
+                  <a:srgbClr val="000000"/>
+                </a:solidFill>
+                <a:latin typeface=" Courier New"/>
+              </a:rPr>
+              <a:t> </a:t>
+            </a:r>
+            <a:r>
+              <a:rPr lang="en-US" sz="1600" b="1" dirty="0">
+                <a:solidFill>
+                  <a:srgbClr val="795E26"/>
+                </a:solidFill>
+                <a:latin typeface=" Courier New"/>
+              </a:rPr>
+              <a:t>delete</a:t>
+            </a:r>
+            <a:r>
+              <a:rPr lang="en-US" sz="1600" b="1" dirty="0">
+                <a:solidFill>
+                  <a:srgbClr val="000000"/>
+                </a:solidFill>
+                <a:latin typeface=" Courier New"/>
+              </a:rPr>
+              <a:t>():</a:t>
+            </a:r>
+          </a:p>
+          <a:p>
+            <a:pPr lvl="1"/>
+            <a:r>
+              <a:rPr lang="en-US" sz="1600" b="1" dirty="0">
+                <a:solidFill>
+                  <a:srgbClr val="AF00DB"/>
+                </a:solidFill>
+                <a:latin typeface=" Courier New"/>
+              </a:rPr>
+              <a:t>if</a:t>
+            </a:r>
+            <a:r>
+              <a:rPr lang="en-US" sz="1600" b="1" dirty="0">
+                <a:solidFill>
+                  <a:srgbClr val="000000"/>
+                </a:solidFill>
+                <a:latin typeface=" Courier New"/>
+              </a:rPr>
+              <a:t>(</a:t>
+            </a:r>
+            <a:r>
+              <a:rPr lang="en-US" sz="1600" b="1" dirty="0">
+                <a:solidFill>
+                  <a:srgbClr val="001080"/>
+                </a:solidFill>
+                <a:latin typeface=" Courier New"/>
+              </a:rPr>
+              <a:t>rear</a:t>
+            </a:r>
+            <a:r>
+              <a:rPr lang="en-US" sz="1600" b="1" dirty="0">
+                <a:solidFill>
+                  <a:srgbClr val="000000"/>
+                </a:solidFill>
+                <a:latin typeface=" Courier New"/>
+              </a:rPr>
+              <a:t> == </a:t>
+            </a:r>
+            <a:r>
+              <a:rPr lang="en-US" sz="1600" b="1" dirty="0">
+                <a:solidFill>
+                  <a:srgbClr val="001080"/>
+                </a:solidFill>
+                <a:latin typeface=" Courier New"/>
+              </a:rPr>
+              <a:t>front</a:t>
+            </a:r>
+            <a:r>
+              <a:rPr lang="en-US" sz="1600" b="1" dirty="0">
+                <a:solidFill>
+                  <a:srgbClr val="000000"/>
+                </a:solidFill>
+                <a:latin typeface=" Courier New"/>
+              </a:rPr>
+              <a:t>):</a:t>
+            </a:r>
+          </a:p>
+          <a:p>
+            <a:pPr lvl="2"/>
+            <a:r>
+              <a:rPr lang="en-US" sz="1600" b="1" dirty="0">
+                <a:solidFill>
+                  <a:srgbClr val="AF00DB"/>
+                </a:solidFill>
+                <a:latin typeface=" Courier New"/>
+              </a:rPr>
+              <a:t>return</a:t>
+            </a:r>
+            <a:r>
+              <a:rPr lang="en-US" sz="1600" b="1" dirty="0">
+                <a:solidFill>
+                  <a:srgbClr val="000000"/>
+                </a:solidFill>
+                <a:latin typeface=" Courier New"/>
+              </a:rPr>
+              <a:t> </a:t>
+            </a:r>
+            <a:r>
+              <a:rPr lang="en-US" sz="1600" b="1" dirty="0">
+                <a:solidFill>
+                  <a:srgbClr val="A31515"/>
+                </a:solidFill>
+                <a:latin typeface=" Courier New"/>
+              </a:rPr>
+              <a:t>"Queue is Empty"</a:t>
+            </a:r>
+            <a:endParaRPr lang="en-US" sz="1600" b="1" dirty="0">
+              <a:solidFill>
+                <a:srgbClr val="000000"/>
+              </a:solidFill>
+              <a:latin typeface=" Courier New"/>
+            </a:endParaRPr>
+          </a:p>
+          <a:p>
+            <a:pPr lvl="1"/>
+            <a:r>
+              <a:rPr lang="en-US" sz="1600" b="1" dirty="0">
+                <a:solidFill>
+                  <a:srgbClr val="AF00DB"/>
+                </a:solidFill>
+                <a:latin typeface=" Courier New"/>
+              </a:rPr>
+              <a:t>else</a:t>
+            </a:r>
+            <a:r>
+              <a:rPr lang="en-US" sz="1600" b="1" dirty="0">
+                <a:solidFill>
+                  <a:srgbClr val="000000"/>
+                </a:solidFill>
+                <a:latin typeface=" Courier New"/>
+              </a:rPr>
+              <a:t>:</a:t>
+            </a:r>
+          </a:p>
+          <a:p>
+            <a:pPr lvl="2"/>
+            <a:r>
+              <a:rPr lang="en-US" sz="1600" b="1" dirty="0">
+                <a:solidFill>
+                  <a:srgbClr val="001080"/>
+                </a:solidFill>
+                <a:latin typeface=" Courier New"/>
+              </a:rPr>
+              <a:t>front</a:t>
+            </a:r>
+            <a:r>
+              <a:rPr lang="en-US" sz="1600" b="1" dirty="0">
+                <a:solidFill>
+                  <a:srgbClr val="000000"/>
+                </a:solidFill>
+                <a:latin typeface=" Courier New"/>
+              </a:rPr>
+              <a:t> = (</a:t>
+            </a:r>
+            <a:r>
+              <a:rPr lang="en-US" sz="1600" b="1" dirty="0">
+                <a:solidFill>
+                  <a:srgbClr val="001080"/>
+                </a:solidFill>
+                <a:latin typeface=" Courier New"/>
+              </a:rPr>
+              <a:t>front</a:t>
+            </a:r>
+            <a:r>
+              <a:rPr lang="en-US" sz="1600" b="1" dirty="0">
+                <a:solidFill>
+                  <a:srgbClr val="000000"/>
+                </a:solidFill>
+                <a:latin typeface=" Courier New"/>
+              </a:rPr>
+              <a:t>+</a:t>
+            </a:r>
+            <a:r>
+              <a:rPr lang="en-US" sz="1600" b="1" dirty="0">
+                <a:solidFill>
+                  <a:srgbClr val="098658"/>
+                </a:solidFill>
+                <a:latin typeface=" Courier New"/>
+              </a:rPr>
+              <a:t>1</a:t>
+            </a:r>
+            <a:r>
+              <a:rPr lang="en-US" sz="1600" b="1" dirty="0">
+                <a:solidFill>
+                  <a:srgbClr val="000000"/>
+                </a:solidFill>
+                <a:latin typeface=" Courier New"/>
+              </a:rPr>
+              <a:t>) % </a:t>
+            </a:r>
+            <a:r>
+              <a:rPr lang="en-US" sz="1600" b="1" dirty="0">
+                <a:solidFill>
+                  <a:srgbClr val="001080"/>
+                </a:solidFill>
+                <a:latin typeface=" Courier New"/>
+              </a:rPr>
+              <a:t>n</a:t>
+            </a:r>
+            <a:endParaRPr lang="en-US" sz="1600" b="1" dirty="0">
+              <a:solidFill>
+                <a:srgbClr val="000000"/>
+              </a:solidFill>
+              <a:latin typeface=" Courier New"/>
+            </a:endParaRPr>
+          </a:p>
+          <a:p>
+            <a:pPr lvl="2"/>
+            <a:r>
+              <a:rPr lang="en-US" sz="1600" b="1" dirty="0">
+                <a:solidFill>
+                  <a:srgbClr val="AF00DB"/>
+                </a:solidFill>
+                <a:latin typeface=" Courier New"/>
+              </a:rPr>
+              <a:t>return</a:t>
+            </a:r>
+            <a:r>
+              <a:rPr lang="en-US" sz="1600" b="1" dirty="0">
+                <a:solidFill>
+                  <a:srgbClr val="000000"/>
+                </a:solidFill>
+                <a:latin typeface=" Courier New"/>
+              </a:rPr>
+              <a:t> </a:t>
+            </a:r>
+            <a:r>
+              <a:rPr lang="en-US" sz="1600" b="1" dirty="0">
+                <a:solidFill>
+                  <a:srgbClr val="0070C1"/>
+                </a:solidFill>
+                <a:latin typeface=" Courier New"/>
+              </a:rPr>
+              <a:t>Q</a:t>
+            </a:r>
+            <a:r>
+              <a:rPr lang="en-US" sz="1600" b="1" dirty="0">
+                <a:solidFill>
+                  <a:srgbClr val="000000"/>
+                </a:solidFill>
+                <a:latin typeface=" Courier New"/>
+              </a:rPr>
+              <a:t>[</a:t>
+            </a:r>
+            <a:r>
+              <a:rPr lang="en-US" sz="1600" b="1" dirty="0">
+                <a:solidFill>
+                  <a:srgbClr val="001080"/>
+                </a:solidFill>
+                <a:latin typeface=" Courier New"/>
+              </a:rPr>
+              <a:t>front</a:t>
+            </a:r>
+            <a:r>
+              <a:rPr lang="en-US" sz="1600" b="1" dirty="0">
+                <a:solidFill>
+                  <a:srgbClr val="000000"/>
+                </a:solidFill>
+                <a:latin typeface=" Courier New"/>
+              </a:rPr>
+              <a:t>]</a:t>
+            </a:r>
+            <a:endParaRPr lang="en-US" sz="1600" b="1" dirty="0">
+              <a:solidFill>
+                <a:srgbClr val="000000"/>
+              </a:solidFill>
+              <a:effectLst/>
+              <a:latin typeface=" Courier New"/>
+            </a:endParaRPr>
+          </a:p>
+        </p:txBody>
+      </p:sp>
+    </p:spTree>
+    <p:extLst>
+      <p:ext uri="{BB962C8B-B14F-4D97-AF65-F5344CB8AC3E}">
+        <p14:creationId xmlns:p14="http://schemas.microsoft.com/office/powerpoint/2010/main" val="1646682567"/>
+      </p:ext>
+    </p:extLst>
+  </p:cSld>
+  <p:clrMapOvr>
+    <a:masterClrMapping/>
+  </p:clrMapOvr>
+</p:sld>
+</file>
+
+<file path=ppt/slides/slide25.xml><?xml version="1.0" encoding="utf-8"?>
+<p:sld xmlns:a="http://schemas.openxmlformats.org/drawingml/2006/main" xmlns:r="http://schemas.openxmlformats.org/officeDocument/2006/relationships" xmlns:p="http://schemas.openxmlformats.org/presentationml/2006/main">
+  <p:cSld>
+    <p:spTree>
+      <p:nvGrpSpPr>
+        <p:cNvPr id="1" name=""/>
+        <p:cNvGrpSpPr/>
+        <p:nvPr/>
+      </p:nvGrpSpPr>
+      <p:grpSpPr>
+        <a:xfrm>
+          <a:off x="0" y="0"/>
+          <a:ext cx="0" cy="0"/>
+          <a:chOff x="0" y="0"/>
+          <a:chExt cx="0" cy="0"/>
+        </a:xfrm>
+      </p:grpSpPr>
+      <p:sp>
+        <p:nvSpPr>
+          <p:cNvPr id="2" name="Title 1">
+            <a:extLst>
+              <a:ext uri="{FF2B5EF4-FFF2-40B4-BE49-F238E27FC236}">
+                <a16:creationId xmlns:a16="http://schemas.microsoft.com/office/drawing/2014/main" id="{FBD585B8-C540-BC4C-A8BC-70161E6ABC68}"/>
+              </a:ext>
+            </a:extLst>
+          </p:cNvPr>
+          <p:cNvSpPr>
+            <a:spLocks noGrp="1"/>
+          </p:cNvSpPr>
+          <p:nvPr>
+            <p:ph type="title"/>
+          </p:nvPr>
+        </p:nvSpPr>
+        <p:spPr/>
+        <p:txBody>
+          <a:bodyPr/>
+          <a:lstStyle/>
+          <a:p>
+            <a:pPr algn="r" rtl="1"/>
+            <a:r>
+              <a:rPr lang="fa-IR" dirty="0">
+                <a:latin typeface="IRTitr" panose="02000506000000020002" pitchFamily="2" charset="-78"/>
+                <a:cs typeface="IRTitr" panose="02000506000000020002" pitchFamily="2" charset="-78"/>
+              </a:rPr>
+              <a:t>مثال: درج و حذف</a:t>
+            </a:r>
+            <a:endParaRPr lang="en-US" dirty="0">
+              <a:latin typeface="IRTitr" panose="02000506000000020002" pitchFamily="2" charset="-78"/>
+              <a:cs typeface="IRTitr" panose="02000506000000020002" pitchFamily="2" charset="-78"/>
+            </a:endParaRPr>
+          </a:p>
+        </p:txBody>
+      </p:sp>
+      <p:sp>
+        <p:nvSpPr>
+          <p:cNvPr id="3" name="Content Placeholder 2">
+            <a:extLst>
+              <a:ext uri="{FF2B5EF4-FFF2-40B4-BE49-F238E27FC236}">
+                <a16:creationId xmlns:a16="http://schemas.microsoft.com/office/drawing/2014/main" id="{990EA250-150E-7946-BCA2-C547DA2871A5}"/>
+              </a:ext>
+            </a:extLst>
+          </p:cNvPr>
+          <p:cNvSpPr>
+            <a:spLocks noGrp="1"/>
+          </p:cNvSpPr>
+          <p:nvPr>
+            <p:ph idx="1"/>
+          </p:nvPr>
+        </p:nvSpPr>
+        <p:spPr/>
+        <p:txBody>
+          <a:bodyPr/>
+          <a:lstStyle/>
+          <a:p>
+            <a:pPr marL="0" indent="0" algn="r" defTabSz="914400" rtl="1" eaLnBrk="1" latinLnBrk="0" hangingPunct="1">
+              <a:lnSpc>
+                <a:spcPct val="90000"/>
+              </a:lnSpc>
+              <a:spcBef>
+                <a:spcPts val="1000"/>
+              </a:spcBef>
+              <a:buNone/>
+            </a:pPr>
+            <a:r>
+              <a:rPr lang="fa-IR" dirty="0">
+                <a:latin typeface="IRMitra" panose="02000506000000020002" pitchFamily="2" charset="-78"/>
+                <a:cs typeface="IRMitra" panose="02000506000000020002" pitchFamily="2" charset="-78"/>
+              </a:rPr>
+              <a:t>حالا دیگر لیست خالی شده و عمل حذف دیگر ممکن نیست.</a:t>
+            </a:r>
+            <a:endParaRPr lang="en-US" dirty="0">
+              <a:latin typeface="IRMitra" panose="02000506000000020002" pitchFamily="2" charset="-78"/>
+              <a:cs typeface="IRMitra" panose="02000506000000020002" pitchFamily="2" charset="-78"/>
+            </a:endParaRPr>
+          </a:p>
+        </p:txBody>
+      </p:sp>
+      <p:pic>
+        <p:nvPicPr>
+          <p:cNvPr id="16" name="Picture 2">
+            <a:extLst>
+              <a:ext uri="{FF2B5EF4-FFF2-40B4-BE49-F238E27FC236}">
+                <a16:creationId xmlns:a16="http://schemas.microsoft.com/office/drawing/2014/main" id="{1D883AE7-C00A-4A47-BE58-810518F58961}"/>
+              </a:ext>
+            </a:extLst>
+          </p:cNvPr>
+          <p:cNvPicPr>
+            <a:picLocks noChangeAspect="1" noChangeArrowheads="1"/>
+          </p:cNvPicPr>
+          <p:nvPr/>
+        </p:nvPicPr>
+        <p:blipFill>
+          <a:blip r:embed="rId3">
+            <a:extLst>
+              <a:ext uri="{28A0092B-C50C-407E-A947-70E740481C1C}">
+                <a14:useLocalDpi xmlns:a14="http://schemas.microsoft.com/office/drawing/2010/main" val="0"/>
+              </a:ext>
+            </a:extLst>
+          </a:blip>
+          <a:srcRect/>
+          <a:stretch>
+            <a:fillRect/>
+          </a:stretch>
+        </p:blipFill>
+        <p:spPr bwMode="auto">
+          <a:xfrm>
+            <a:off x="5175726" y="3429000"/>
+            <a:ext cx="1840547" cy="1867347"/>
+          </a:xfrm>
+          <a:prstGeom prst="rect">
+            <a:avLst/>
+          </a:prstGeom>
+          <a:noFill/>
+          <a:extLst>
+            <a:ext uri="{909E8E84-426E-40DD-AFC4-6F175D3DCCD1}">
+              <a14:hiddenFill xmlns:a14="http://schemas.microsoft.com/office/drawing/2010/main">
+                <a:solidFill>
+                  <a:srgbClr val="FFFFFF"/>
+                </a:solidFill>
+              </a14:hiddenFill>
+            </a:ext>
+          </a:extLst>
+        </p:spPr>
+      </p:pic>
+      <p:cxnSp>
+        <p:nvCxnSpPr>
+          <p:cNvPr id="25" name="Straight Arrow Connector 24">
+            <a:extLst>
+              <a:ext uri="{FF2B5EF4-FFF2-40B4-BE49-F238E27FC236}">
+                <a16:creationId xmlns:a16="http://schemas.microsoft.com/office/drawing/2014/main" id="{51D7FB19-DF9F-DB4E-B3D3-B26C7474B99F}"/>
+              </a:ext>
+            </a:extLst>
+          </p:cNvPr>
+          <p:cNvCxnSpPr>
+            <a:cxnSpLocks/>
+          </p:cNvCxnSpPr>
+          <p:nvPr/>
+        </p:nvCxnSpPr>
+        <p:spPr>
+          <a:xfrm>
+            <a:off x="6217011" y="2977450"/>
+            <a:ext cx="182880" cy="548640"/>
+          </a:xfrm>
+          <a:prstGeom prst="straightConnector1">
+            <a:avLst/>
+          </a:prstGeom>
+          <a:ln w="9525" cap="flat" cmpd="sng" algn="ctr">
+            <a:solidFill>
+              <a:schemeClr val="accent1"/>
+            </a:solidFill>
+            <a:prstDash val="solid"/>
+            <a:round/>
+            <a:headEnd type="none" w="med" len="med"/>
+            <a:tailEnd type="arrow" w="med" len="med"/>
+          </a:ln>
+        </p:spPr>
+        <p:style>
+          <a:lnRef idx="0">
+            <a:scrgbClr r="0" g="0" b="0"/>
+          </a:lnRef>
+          <a:fillRef idx="0">
+            <a:scrgbClr r="0" g="0" b="0"/>
+          </a:fillRef>
+          <a:effectRef idx="0">
+            <a:scrgbClr r="0" g="0" b="0"/>
+          </a:effectRef>
+          <a:fontRef idx="minor">
+            <a:schemeClr val="tx1"/>
+          </a:fontRef>
+        </p:style>
+      </p:cxnSp>
+      <p:cxnSp>
+        <p:nvCxnSpPr>
+          <p:cNvPr id="26" name="Straight Arrow Connector 25">
+            <a:extLst>
+              <a:ext uri="{FF2B5EF4-FFF2-40B4-BE49-F238E27FC236}">
+                <a16:creationId xmlns:a16="http://schemas.microsoft.com/office/drawing/2014/main" id="{43897983-84F4-A94D-800F-6643575A9CEF}"/>
+              </a:ext>
+            </a:extLst>
+          </p:cNvPr>
+          <p:cNvCxnSpPr>
+            <a:cxnSpLocks/>
+          </p:cNvCxnSpPr>
+          <p:nvPr/>
+        </p:nvCxnSpPr>
+        <p:spPr>
+          <a:xfrm flipH="1">
+            <a:off x="6511329" y="3417394"/>
+            <a:ext cx="548640" cy="182882"/>
+          </a:xfrm>
+          <a:prstGeom prst="straightConnector1">
+            <a:avLst/>
+          </a:prstGeom>
+          <a:ln w="12700" cap="flat" cmpd="sng" algn="ctr">
+            <a:solidFill>
+              <a:schemeClr val="accent1"/>
+            </a:solidFill>
+            <a:prstDash val="solid"/>
+            <a:round/>
+            <a:headEnd type="none" w="med" len="med"/>
+            <a:tailEnd type="arrow" w="med" len="med"/>
+          </a:ln>
+        </p:spPr>
+        <p:style>
+          <a:lnRef idx="0">
+            <a:scrgbClr r="0" g="0" b="0"/>
+          </a:lnRef>
+          <a:fillRef idx="0">
+            <a:scrgbClr r="0" g="0" b="0"/>
+          </a:fillRef>
+          <a:effectRef idx="0">
+            <a:scrgbClr r="0" g="0" b="0"/>
+          </a:effectRef>
+          <a:fontRef idx="minor">
+            <a:schemeClr val="tx1"/>
+          </a:fontRef>
+        </p:style>
+      </p:cxnSp>
+      <p:sp>
+        <p:nvSpPr>
+          <p:cNvPr id="27" name="TextBox 26">
+            <a:extLst>
+              <a:ext uri="{FF2B5EF4-FFF2-40B4-BE49-F238E27FC236}">
+                <a16:creationId xmlns:a16="http://schemas.microsoft.com/office/drawing/2014/main" id="{F549FC4A-3C80-9C41-8736-D13C304ED8E9}"/>
+              </a:ext>
+            </a:extLst>
+          </p:cNvPr>
+          <p:cNvSpPr txBox="1"/>
+          <p:nvPr/>
+        </p:nvSpPr>
+        <p:spPr>
+          <a:xfrm>
+            <a:off x="7063189" y="3264480"/>
+            <a:ext cx="524503" cy="261610"/>
+          </a:xfrm>
+          <a:prstGeom prst="rect">
+            <a:avLst/>
+          </a:prstGeom>
+          <a:noFill/>
+        </p:spPr>
+        <p:txBody>
+          <a:bodyPr wrap="none" rtlCol="0">
+            <a:spAutoFit/>
+          </a:bodyPr>
+          <a:lstStyle/>
+          <a:p>
+            <a:pPr algn="ctr"/>
+            <a:r>
+              <a:rPr lang="en-US" sz="1050" dirty="0">
+                <a:latin typeface="Courier" pitchFamily="2" charset="0"/>
+              </a:rPr>
+              <a:t>rear</a:t>
+            </a:r>
+          </a:p>
+        </p:txBody>
+      </p:sp>
+      <p:sp>
+        <p:nvSpPr>
+          <p:cNvPr id="28" name="TextBox 27">
+            <a:extLst>
+              <a:ext uri="{FF2B5EF4-FFF2-40B4-BE49-F238E27FC236}">
+                <a16:creationId xmlns:a16="http://schemas.microsoft.com/office/drawing/2014/main" id="{7BE4E935-9729-B346-9870-5FAB999E4B14}"/>
+              </a:ext>
+            </a:extLst>
+          </p:cNvPr>
+          <p:cNvSpPr txBox="1"/>
+          <p:nvPr/>
+        </p:nvSpPr>
+        <p:spPr>
+          <a:xfrm>
+            <a:off x="5924302" y="2723534"/>
+            <a:ext cx="585417" cy="253916"/>
+          </a:xfrm>
+          <a:prstGeom prst="rect">
+            <a:avLst/>
+          </a:prstGeom>
+          <a:noFill/>
+        </p:spPr>
+        <p:txBody>
+          <a:bodyPr wrap="none" rtlCol="0">
+            <a:spAutoFit/>
+          </a:bodyPr>
+          <a:lstStyle/>
+          <a:p>
+            <a:r>
+              <a:rPr lang="en-US" sz="1050" dirty="0">
+                <a:latin typeface="Courier" pitchFamily="2" charset="0"/>
+              </a:rPr>
+              <a:t>front</a:t>
+            </a:r>
+          </a:p>
+        </p:txBody>
+      </p:sp>
+      <p:sp>
+        <p:nvSpPr>
+          <p:cNvPr id="22" name="Rectangle 21">
+            <a:extLst>
+              <a:ext uri="{FF2B5EF4-FFF2-40B4-BE49-F238E27FC236}">
+                <a16:creationId xmlns:a16="http://schemas.microsoft.com/office/drawing/2014/main" id="{B70ADEAA-9AEA-354D-81BA-F3F377DEDBFC}"/>
+              </a:ext>
+            </a:extLst>
+          </p:cNvPr>
+          <p:cNvSpPr/>
+          <p:nvPr/>
+        </p:nvSpPr>
+        <p:spPr>
+          <a:xfrm>
+            <a:off x="838200" y="1825625"/>
+            <a:ext cx="4343400" cy="1569660"/>
+          </a:xfrm>
+          <a:prstGeom prst="rect">
+            <a:avLst/>
+          </a:prstGeom>
+        </p:spPr>
+        <p:txBody>
+          <a:bodyPr wrap="square">
+            <a:spAutoFit/>
+          </a:bodyPr>
+          <a:lstStyle/>
+          <a:p>
+            <a:r>
+              <a:rPr lang="en-US" sz="1600" b="1" dirty="0">
+                <a:solidFill>
+                  <a:srgbClr val="0000FF"/>
+                </a:solidFill>
+                <a:latin typeface=" Courier New"/>
+              </a:rPr>
+              <a:t>def</a:t>
+            </a:r>
+            <a:r>
+              <a:rPr lang="en-US" sz="1600" b="1" dirty="0">
+                <a:solidFill>
+                  <a:srgbClr val="000000"/>
+                </a:solidFill>
+                <a:latin typeface=" Courier New"/>
+              </a:rPr>
+              <a:t> </a:t>
+            </a:r>
+            <a:r>
+              <a:rPr lang="en-US" sz="1600" b="1" dirty="0">
+                <a:solidFill>
+                  <a:srgbClr val="795E26"/>
+                </a:solidFill>
+                <a:latin typeface=" Courier New"/>
+              </a:rPr>
+              <a:t>delete</a:t>
+            </a:r>
+            <a:r>
+              <a:rPr lang="en-US" sz="1600" b="1" dirty="0">
+                <a:solidFill>
+                  <a:srgbClr val="000000"/>
+                </a:solidFill>
+                <a:latin typeface=" Courier New"/>
+              </a:rPr>
+              <a:t>():</a:t>
+            </a:r>
+          </a:p>
+          <a:p>
+            <a:pPr lvl="1"/>
+            <a:r>
+              <a:rPr lang="en-US" sz="1600" b="1" dirty="0">
+                <a:solidFill>
+                  <a:srgbClr val="AF00DB"/>
+                </a:solidFill>
+                <a:latin typeface=" Courier New"/>
+              </a:rPr>
+              <a:t>if</a:t>
+            </a:r>
+            <a:r>
+              <a:rPr lang="en-US" sz="1600" b="1" dirty="0">
+                <a:solidFill>
+                  <a:srgbClr val="000000"/>
+                </a:solidFill>
+                <a:latin typeface=" Courier New"/>
+              </a:rPr>
+              <a:t>(</a:t>
+            </a:r>
+            <a:r>
+              <a:rPr lang="en-US" sz="1600" b="1" dirty="0">
+                <a:solidFill>
+                  <a:srgbClr val="001080"/>
+                </a:solidFill>
+                <a:latin typeface=" Courier New"/>
+              </a:rPr>
+              <a:t>rear</a:t>
+            </a:r>
+            <a:r>
+              <a:rPr lang="en-US" sz="1600" b="1" dirty="0">
+                <a:solidFill>
+                  <a:srgbClr val="000000"/>
+                </a:solidFill>
+                <a:latin typeface=" Courier New"/>
+              </a:rPr>
+              <a:t> == </a:t>
+            </a:r>
+            <a:r>
+              <a:rPr lang="en-US" sz="1600" b="1" dirty="0">
+                <a:solidFill>
+                  <a:srgbClr val="001080"/>
+                </a:solidFill>
+                <a:latin typeface=" Courier New"/>
+              </a:rPr>
+              <a:t>front</a:t>
+            </a:r>
+            <a:r>
+              <a:rPr lang="en-US" sz="1600" b="1" dirty="0">
+                <a:solidFill>
+                  <a:srgbClr val="000000"/>
+                </a:solidFill>
+                <a:latin typeface=" Courier New"/>
+              </a:rPr>
+              <a:t>):</a:t>
+            </a:r>
+          </a:p>
+          <a:p>
+            <a:pPr lvl="2"/>
+            <a:r>
+              <a:rPr lang="en-US" sz="1600" b="1" dirty="0">
+                <a:solidFill>
+                  <a:srgbClr val="AF00DB"/>
+                </a:solidFill>
+                <a:latin typeface=" Courier New"/>
+              </a:rPr>
+              <a:t>return</a:t>
+            </a:r>
+            <a:r>
+              <a:rPr lang="en-US" sz="1600" b="1" dirty="0">
+                <a:solidFill>
+                  <a:srgbClr val="000000"/>
+                </a:solidFill>
+                <a:latin typeface=" Courier New"/>
+              </a:rPr>
+              <a:t> </a:t>
+            </a:r>
+            <a:r>
+              <a:rPr lang="en-US" sz="1600" b="1" dirty="0">
+                <a:solidFill>
+                  <a:srgbClr val="A31515"/>
+                </a:solidFill>
+                <a:latin typeface=" Courier New"/>
+              </a:rPr>
+              <a:t>"Queue is Empty"</a:t>
+            </a:r>
+            <a:endParaRPr lang="en-US" sz="1600" b="1" dirty="0">
+              <a:solidFill>
+                <a:srgbClr val="000000"/>
+              </a:solidFill>
+              <a:latin typeface=" Courier New"/>
+            </a:endParaRPr>
+          </a:p>
+          <a:p>
+            <a:pPr lvl="1"/>
+            <a:r>
+              <a:rPr lang="en-US" sz="1600" b="1" dirty="0">
+                <a:solidFill>
+                  <a:srgbClr val="AF00DB"/>
+                </a:solidFill>
+                <a:latin typeface=" Courier New"/>
+              </a:rPr>
+              <a:t>else</a:t>
+            </a:r>
+            <a:r>
+              <a:rPr lang="en-US" sz="1600" b="1" dirty="0">
+                <a:solidFill>
+                  <a:srgbClr val="000000"/>
+                </a:solidFill>
+                <a:latin typeface=" Courier New"/>
+              </a:rPr>
+              <a:t>:</a:t>
+            </a:r>
+          </a:p>
+          <a:p>
+            <a:pPr lvl="2"/>
+            <a:r>
+              <a:rPr lang="en-US" sz="1600" b="1" dirty="0">
+                <a:solidFill>
+                  <a:srgbClr val="001080"/>
+                </a:solidFill>
+                <a:latin typeface=" Courier New"/>
+              </a:rPr>
+              <a:t>front</a:t>
+            </a:r>
+            <a:r>
+              <a:rPr lang="en-US" sz="1600" b="1" dirty="0">
+                <a:solidFill>
+                  <a:srgbClr val="000000"/>
+                </a:solidFill>
+                <a:latin typeface=" Courier New"/>
+              </a:rPr>
+              <a:t> = (</a:t>
+            </a:r>
+            <a:r>
+              <a:rPr lang="en-US" sz="1600" b="1" dirty="0">
+                <a:solidFill>
+                  <a:srgbClr val="001080"/>
+                </a:solidFill>
+                <a:latin typeface=" Courier New"/>
+              </a:rPr>
+              <a:t>front</a:t>
+            </a:r>
+            <a:r>
+              <a:rPr lang="en-US" sz="1600" b="1" dirty="0">
+                <a:solidFill>
+                  <a:srgbClr val="000000"/>
+                </a:solidFill>
+                <a:latin typeface=" Courier New"/>
+              </a:rPr>
+              <a:t>+</a:t>
+            </a:r>
+            <a:r>
+              <a:rPr lang="en-US" sz="1600" b="1" dirty="0">
+                <a:solidFill>
+                  <a:srgbClr val="098658"/>
+                </a:solidFill>
+                <a:latin typeface=" Courier New"/>
+              </a:rPr>
+              <a:t>1</a:t>
+            </a:r>
+            <a:r>
+              <a:rPr lang="en-US" sz="1600" b="1" dirty="0">
+                <a:solidFill>
+                  <a:srgbClr val="000000"/>
+                </a:solidFill>
+                <a:latin typeface=" Courier New"/>
+              </a:rPr>
+              <a:t>) % </a:t>
+            </a:r>
+            <a:r>
+              <a:rPr lang="en-US" sz="1600" b="1" dirty="0">
+                <a:solidFill>
+                  <a:srgbClr val="001080"/>
+                </a:solidFill>
+                <a:latin typeface=" Courier New"/>
+              </a:rPr>
+              <a:t>n</a:t>
+            </a:r>
+            <a:endParaRPr lang="en-US" sz="1600" b="1" dirty="0">
+              <a:solidFill>
+                <a:srgbClr val="000000"/>
+              </a:solidFill>
+              <a:latin typeface=" Courier New"/>
+            </a:endParaRPr>
+          </a:p>
+          <a:p>
+            <a:pPr lvl="2"/>
+            <a:r>
+              <a:rPr lang="en-US" sz="1600" b="1" dirty="0">
+                <a:solidFill>
+                  <a:srgbClr val="AF00DB"/>
+                </a:solidFill>
+                <a:latin typeface=" Courier New"/>
+              </a:rPr>
+              <a:t>return</a:t>
+            </a:r>
+            <a:r>
+              <a:rPr lang="en-US" sz="1600" b="1" dirty="0">
+                <a:solidFill>
+                  <a:srgbClr val="000000"/>
+                </a:solidFill>
+                <a:latin typeface=" Courier New"/>
+              </a:rPr>
+              <a:t> </a:t>
+            </a:r>
+            <a:r>
+              <a:rPr lang="en-US" sz="1600" b="1" dirty="0">
+                <a:solidFill>
+                  <a:srgbClr val="0070C1"/>
+                </a:solidFill>
+                <a:latin typeface=" Courier New"/>
+              </a:rPr>
+              <a:t>Q</a:t>
+            </a:r>
+            <a:r>
+              <a:rPr lang="en-US" sz="1600" b="1" dirty="0">
+                <a:solidFill>
+                  <a:srgbClr val="000000"/>
+                </a:solidFill>
+                <a:latin typeface=" Courier New"/>
+              </a:rPr>
+              <a:t>[</a:t>
+            </a:r>
+            <a:r>
+              <a:rPr lang="en-US" sz="1600" b="1" dirty="0">
+                <a:solidFill>
+                  <a:srgbClr val="001080"/>
+                </a:solidFill>
+                <a:latin typeface=" Courier New"/>
+              </a:rPr>
+              <a:t>front</a:t>
+            </a:r>
+            <a:r>
+              <a:rPr lang="en-US" sz="1600" b="1" dirty="0">
+                <a:solidFill>
+                  <a:srgbClr val="000000"/>
+                </a:solidFill>
+                <a:latin typeface=" Courier New"/>
+              </a:rPr>
+              <a:t>]</a:t>
+            </a:r>
+            <a:endParaRPr lang="en-US" sz="1600" b="1" dirty="0">
+              <a:solidFill>
+                <a:srgbClr val="000000"/>
+              </a:solidFill>
+              <a:effectLst/>
+              <a:latin typeface=" Courier New"/>
+            </a:endParaRPr>
+          </a:p>
+        </p:txBody>
+      </p:sp>
+    </p:spTree>
+    <p:extLst>
+      <p:ext uri="{BB962C8B-B14F-4D97-AF65-F5344CB8AC3E}">
+        <p14:creationId xmlns:p14="http://schemas.microsoft.com/office/powerpoint/2010/main" val="2738270627"/>
+      </p:ext>
+    </p:extLst>
+  </p:cSld>
+  <p:clrMapOvr>
+    <a:masterClrMapping/>
+  </p:clrMapOvr>
+</p:sld>
+</file>
+
+<file path=ppt/slides/slide26.xml><?xml version="1.0" encoding="utf-8"?>
+<p:sld xmlns:a="http://schemas.openxmlformats.org/drawingml/2006/main" xmlns:r="http://schemas.openxmlformats.org/officeDocument/2006/relationships" xmlns:p="http://schemas.openxmlformats.org/presentationml/2006/main">
+  <p:cSld>
+    <p:spTree>
+      <p:nvGrpSpPr>
+        <p:cNvPr id="1" name=""/>
+        <p:cNvGrpSpPr/>
+        <p:nvPr/>
+      </p:nvGrpSpPr>
+      <p:grpSpPr>
+        <a:xfrm>
+          <a:off x="0" y="0"/>
+          <a:ext cx="0" cy="0"/>
+          <a:chOff x="0" y="0"/>
+          <a:chExt cx="0" cy="0"/>
+        </a:xfrm>
+      </p:grpSpPr>
+      <p:sp>
+        <p:nvSpPr>
+          <p:cNvPr id="2" name="Title 1">
+            <a:extLst>
+              <a:ext uri="{FF2B5EF4-FFF2-40B4-BE49-F238E27FC236}">
+                <a16:creationId xmlns:a16="http://schemas.microsoft.com/office/drawing/2014/main" id="{FBD585B8-C540-BC4C-A8BC-70161E6ABC68}"/>
+              </a:ext>
+            </a:extLst>
+          </p:cNvPr>
+          <p:cNvSpPr>
+            <a:spLocks noGrp="1"/>
+          </p:cNvSpPr>
+          <p:nvPr>
+            <p:ph type="title"/>
+          </p:nvPr>
+        </p:nvSpPr>
+        <p:spPr/>
+        <p:txBody>
+          <a:bodyPr/>
+          <a:lstStyle/>
+          <a:p>
+            <a:pPr algn="r" rtl="1"/>
+            <a:r>
+              <a:rPr lang="fa-IR" dirty="0">
+                <a:latin typeface="IRTitr" panose="02000506000000020002" pitchFamily="2" charset="-78"/>
+                <a:cs typeface="IRTitr" panose="02000506000000020002" pitchFamily="2" charset="-78"/>
+              </a:rPr>
+              <a:t>وضعیت خانه های یک صف</a:t>
+            </a:r>
+            <a:endParaRPr lang="en-US" dirty="0">
+              <a:latin typeface="IRTitr" panose="02000506000000020002" pitchFamily="2" charset="-78"/>
+              <a:cs typeface="IRTitr" panose="02000506000000020002" pitchFamily="2" charset="-78"/>
+            </a:endParaRPr>
+          </a:p>
+        </p:txBody>
+      </p:sp>
+      <mc:AlternateContent xmlns:mc="http://schemas.openxmlformats.org/markup-compatibility/2006" xmlns:a14="http://schemas.microsoft.com/office/drawing/2010/main">
+        <mc:Choice Requires="a14">
           <p:sp>
             <p:nvSpPr>
               <p:cNvPr id="3" name="Content Placeholder 2">
@@ -12394,7 +20051,7 @@
             </p:txBody>
           </p:sp>
         </mc:Choice>
-        <mc:Fallback>
+        <mc:Fallback xmlns="">
           <p:sp>
             <p:nvSpPr>
               <p:cNvPr id="3" name="Content Placeholder 2">
@@ -12841,7 +20498,7 @@
     </p:spTree>
     <p:extLst>
       <p:ext uri="{BB962C8B-B14F-4D97-AF65-F5344CB8AC3E}">
-        <p14:creationId xmlns:p14="http://schemas.microsoft.com/office/powerpoint/2010/main" val="2762059537"/>
+        <p14:creationId xmlns:p14="http://schemas.microsoft.com/office/powerpoint/2010/main" val="3058876970"/>
       </p:ext>
     </p:extLst>
   </p:cSld>
@@ -12851,7 +20508,7 @@
 </p:sld>
 </file>
 
-<file path=ppt/slides/slide19.xml><?xml version="1.0" encoding="utf-8"?>
+<file path=ppt/slides/slide27.xml><?xml version="1.0" encoding="utf-8"?>
 <p:sld xmlns:a="http://schemas.openxmlformats.org/drawingml/2006/main" xmlns:r="http://schemas.openxmlformats.org/officeDocument/2006/relationships" xmlns:p="http://schemas.openxmlformats.org/presentationml/2006/main">
   <p:cSld>
     <p:spTree>
@@ -12904,8 +20561,8 @@
           </a:p>
         </p:txBody>
       </p:sp>
-      <mc:AlternateContent xmlns:mc="http://schemas.openxmlformats.org/markup-compatibility/2006">
-        <mc:Choice xmlns:a14="http://schemas.microsoft.com/office/drawing/2010/main" Requires="a14">
+      <mc:AlternateContent xmlns:mc="http://schemas.openxmlformats.org/markup-compatibility/2006" xmlns:a14="http://schemas.microsoft.com/office/drawing/2010/main">
+        <mc:Choice Requires="a14">
           <p:sp>
             <p:nvSpPr>
               <p:cNvPr id="3" name="Content Placeholder 2">
@@ -13096,7 +20753,7 @@
             </p:txBody>
           </p:sp>
         </mc:Choice>
-        <mc:Fallback>
+        <mc:Fallback xmlns="">
           <p:sp>
             <p:nvSpPr>
               <p:cNvPr id="3" name="Content Placeholder 2">
@@ -13555,7 +21212,7 @@
 </p:sld>
 </file>
 
-<file path=ppt/slides/slide2.xml><?xml version="1.0" encoding="utf-8"?>
+<file path=ppt/slides/slide28.xml><?xml version="1.0" encoding="utf-8"?>
 <p:sld xmlns:a="http://schemas.openxmlformats.org/drawingml/2006/main" xmlns:r="http://schemas.openxmlformats.org/officeDocument/2006/relationships" xmlns:p="http://schemas.openxmlformats.org/presentationml/2006/main">
   <p:cSld>
     <p:spTree>
@@ -13599,254 +21256,6 @@
                 <a:latin typeface="IRTitr" panose="02000506000000020002" pitchFamily="2" charset="-78"/>
                 <a:cs typeface="IRTitr" panose="02000506000000020002" pitchFamily="2" charset="-78"/>
               </a:rPr>
-              <a:t>صف</a:t>
-            </a:r>
-            <a:endParaRPr lang="en-US" dirty="0">
-              <a:latin typeface="IRTitr" panose="02000506000000020002" pitchFamily="2" charset="-78"/>
-              <a:cs typeface="IRTitr" panose="02000506000000020002" pitchFamily="2" charset="-78"/>
-            </a:endParaRPr>
-          </a:p>
-        </p:txBody>
-      </p:sp>
-      <p:sp>
-        <p:nvSpPr>
-          <p:cNvPr id="3" name="Content Placeholder 2">
-            <a:extLst>
-              <a:ext uri="{FF2B5EF4-FFF2-40B4-BE49-F238E27FC236}">
-                <a16:creationId xmlns:a16="http://schemas.microsoft.com/office/drawing/2014/main" id="{990EA250-150E-7946-BCA2-C547DA2871A5}"/>
-              </a:ext>
-            </a:extLst>
-          </p:cNvPr>
-          <p:cNvSpPr>
-            <a:spLocks noGrp="1"/>
-          </p:cNvSpPr>
-          <p:nvPr>
-            <p:ph idx="1"/>
-          </p:nvPr>
-        </p:nvSpPr>
-        <p:spPr/>
-        <p:txBody>
-          <a:bodyPr/>
-          <a:lstStyle/>
-          <a:p>
-            <a:pPr marL="0" indent="0" algn="just" rtl="1">
-              <a:buNone/>
-            </a:pPr>
-            <a:r>
-              <a:rPr lang="fa-IR" dirty="0">
-                <a:latin typeface="IRMitra" panose="02000506000000020002" pitchFamily="2" charset="-78"/>
-                <a:cs typeface="IRMitra" panose="02000506000000020002" pitchFamily="2" charset="-78"/>
-              </a:rPr>
-              <a:t>تفاوت </a:t>
-            </a:r>
-            <a:r>
-              <a:rPr lang="fa-IR" dirty="0">
-                <a:solidFill>
-                  <a:srgbClr val="0070C0"/>
-                </a:solidFill>
-                <a:latin typeface="IRMitra" panose="02000506000000020002" pitchFamily="2" charset="-78"/>
-                <a:cs typeface="IRMitra" panose="02000506000000020002" pitchFamily="2" charset="-78"/>
-              </a:rPr>
-              <a:t>صف</a:t>
-            </a:r>
-            <a:r>
-              <a:rPr lang="fa-IR" dirty="0">
-                <a:latin typeface="IRMitra" panose="02000506000000020002" pitchFamily="2" charset="-78"/>
-                <a:cs typeface="IRMitra" panose="02000506000000020002" pitchFamily="2" charset="-78"/>
-              </a:rPr>
-              <a:t> با پشته در این است که درج و حذف عناصر در صف از اصل </a:t>
-            </a:r>
-            <a:r>
-              <a:rPr lang="fa-IR" dirty="0">
-                <a:solidFill>
-                  <a:schemeClr val="accent4">
-                    <a:lumMod val="50000"/>
-                  </a:schemeClr>
-                </a:solidFill>
-                <a:latin typeface="IRMitra" panose="02000506000000020002" pitchFamily="2" charset="-78"/>
-                <a:cs typeface="IRMitra" panose="02000506000000020002" pitchFamily="2" charset="-78"/>
-              </a:rPr>
-              <a:t>«اولین ورودی، اولین خروجی</a:t>
-            </a:r>
-            <a:r>
-              <a:rPr lang="en-US" dirty="0">
-                <a:solidFill>
-                  <a:schemeClr val="accent4">
-                    <a:lumMod val="50000"/>
-                  </a:schemeClr>
-                </a:solidFill>
-                <a:latin typeface="IRMitra" panose="02000506000000020002" pitchFamily="2" charset="-78"/>
-                <a:cs typeface="IRMitra" panose="02000506000000020002" pitchFamily="2" charset="-78"/>
-              </a:rPr>
-              <a:t>(FIFO)</a:t>
-            </a:r>
-            <a:r>
-              <a:rPr lang="fa-IR" dirty="0">
-                <a:solidFill>
-                  <a:schemeClr val="accent4">
-                    <a:lumMod val="50000"/>
-                  </a:schemeClr>
-                </a:solidFill>
-                <a:latin typeface="IRMitra" panose="02000506000000020002" pitchFamily="2" charset="-78"/>
-                <a:cs typeface="IRMitra" panose="02000506000000020002" pitchFamily="2" charset="-78"/>
-              </a:rPr>
-              <a:t>»</a:t>
-            </a:r>
-            <a:r>
-              <a:rPr lang="fa-IR" dirty="0">
-                <a:latin typeface="IRMitra" panose="02000506000000020002" pitchFamily="2" charset="-78"/>
-                <a:cs typeface="IRMitra" panose="02000506000000020002" pitchFamily="2" charset="-78"/>
-              </a:rPr>
-              <a:t> پیروی میکند. </a:t>
-            </a:r>
-          </a:p>
-          <a:p>
-            <a:pPr marL="0" indent="0" algn="just" rtl="1">
-              <a:buNone/>
-            </a:pPr>
-            <a:r>
-              <a:rPr lang="fa-IR" dirty="0">
-                <a:latin typeface="IRMitra" panose="02000506000000020002" pitchFamily="2" charset="-78"/>
-                <a:cs typeface="IRMitra" panose="02000506000000020002" pitchFamily="2" charset="-78"/>
-              </a:rPr>
-              <a:t>به عبارت دیگر هر زمان که بخواهیم میتوانیم یک عنصر به انتهای صف اضافه کنیم، اما در هنگام حذف تنها اجازه داریم اولین عنصر (عنصری که بیشتر از </a:t>
-            </a:r>
-            <a:r>
-              <a:rPr lang="fa-IR" dirty="0" err="1">
-                <a:latin typeface="IRMitra" panose="02000506000000020002" pitchFamily="2" charset="-78"/>
-                <a:cs typeface="IRMitra" panose="02000506000000020002" pitchFamily="2" charset="-78"/>
-              </a:rPr>
-              <a:t>بقیه‌ی</a:t>
-            </a:r>
-            <a:r>
-              <a:rPr lang="fa-IR" dirty="0">
-                <a:latin typeface="IRMitra" panose="02000506000000020002" pitchFamily="2" charset="-78"/>
-                <a:cs typeface="IRMitra" panose="02000506000000020002" pitchFamily="2" charset="-78"/>
-              </a:rPr>
-              <a:t> عناصر در صف بوده است) را از صف حذف کنیم. </a:t>
-            </a:r>
-          </a:p>
-          <a:p>
-            <a:pPr marL="0" indent="0" algn="just" defTabSz="914400" rtl="1" eaLnBrk="1" latinLnBrk="0" hangingPunct="1">
-              <a:lnSpc>
-                <a:spcPct val="90000"/>
-              </a:lnSpc>
-              <a:spcBef>
-                <a:spcPts val="1000"/>
-              </a:spcBef>
-              <a:buNone/>
-            </a:pPr>
-            <a:endParaRPr lang="en-US" dirty="0">
-              <a:latin typeface="IRMitra" panose="02000506000000020002" pitchFamily="2" charset="-78"/>
-              <a:cs typeface="IRMitra" panose="02000506000000020002" pitchFamily="2" charset="-78"/>
-            </a:endParaRPr>
-          </a:p>
-        </p:txBody>
-      </p:sp>
-      <p:pic>
-        <p:nvPicPr>
-          <p:cNvPr id="1034" name="Picture 10" descr="Cartoon positive people standing in queue at atm - Download Free Vectors,  Clipart Graphics &amp; Vector Art">
-            <a:extLst>
-              <a:ext uri="{FF2B5EF4-FFF2-40B4-BE49-F238E27FC236}">
-                <a16:creationId xmlns:a16="http://schemas.microsoft.com/office/drawing/2014/main" id="{B8A96BE1-DED0-C343-BDA3-84EB1F15113D}"/>
-              </a:ext>
-            </a:extLst>
-          </p:cNvPr>
-          <p:cNvPicPr>
-            <a:picLocks noChangeAspect="1" noChangeArrowheads="1"/>
-          </p:cNvPicPr>
-          <p:nvPr/>
-        </p:nvPicPr>
-        <p:blipFill>
-          <a:blip r:embed="rId3">
-            <a:extLst>
-              <a:ext uri="{28A0092B-C50C-407E-A947-70E740481C1C}">
-                <a14:useLocalDpi xmlns:a14="http://schemas.microsoft.com/office/drawing/2010/main" val="0"/>
-              </a:ext>
-            </a:extLst>
-          </a:blip>
-          <a:srcRect/>
-          <a:stretch>
-            <a:fillRect/>
-          </a:stretch>
-        </p:blipFill>
-        <p:spPr bwMode="auto">
-          <a:xfrm>
-            <a:off x="3379076" y="4161555"/>
-            <a:ext cx="5433848" cy="2331320"/>
-          </a:xfrm>
-          <a:prstGeom prst="rect">
-            <a:avLst/>
-          </a:prstGeom>
-          <a:noFill/>
-          <a:extLst>
-            <a:ext uri="{909E8E84-426E-40DD-AFC4-6F175D3DCCD1}">
-              <a14:hiddenFill xmlns:a14="http://schemas.microsoft.com/office/drawing/2010/main">
-                <a:solidFill>
-                  <a:srgbClr val="FFFFFF"/>
-                </a:solidFill>
-              </a14:hiddenFill>
-            </a:ext>
-          </a:extLst>
-        </p:spPr>
-      </p:pic>
-    </p:spTree>
-    <p:extLst>
-      <p:ext uri="{BB962C8B-B14F-4D97-AF65-F5344CB8AC3E}">
-        <p14:creationId xmlns:p14="http://schemas.microsoft.com/office/powerpoint/2010/main" val="2400463680"/>
-      </p:ext>
-    </p:extLst>
-  </p:cSld>
-  <p:clrMapOvr>
-    <a:masterClrMapping/>
-  </p:clrMapOvr>
-</p:sld>
-</file>
-
-<file path=ppt/slides/slide20.xml><?xml version="1.0" encoding="utf-8"?>
-<p:sld xmlns:a="http://schemas.openxmlformats.org/drawingml/2006/main" xmlns:r="http://schemas.openxmlformats.org/officeDocument/2006/relationships" xmlns:p="http://schemas.openxmlformats.org/presentationml/2006/main">
-  <p:cSld>
-    <p:spTree>
-      <p:nvGrpSpPr>
-        <p:cNvPr id="1" name=""/>
-        <p:cNvGrpSpPr/>
-        <p:nvPr/>
-      </p:nvGrpSpPr>
-      <p:grpSpPr>
-        <a:xfrm>
-          <a:off x="0" y="0"/>
-          <a:ext cx="0" cy="0"/>
-          <a:chOff x="0" y="0"/>
-          <a:chExt cx="0" cy="0"/>
-        </a:xfrm>
-      </p:grpSpPr>
-      <p:sp>
-        <p:nvSpPr>
-          <p:cNvPr id="2" name="Title 1">
-            <a:extLst>
-              <a:ext uri="{FF2B5EF4-FFF2-40B4-BE49-F238E27FC236}">
-                <a16:creationId xmlns:a16="http://schemas.microsoft.com/office/drawing/2014/main" id="{FBD585B8-C540-BC4C-A8BC-70161E6ABC68}"/>
-              </a:ext>
-            </a:extLst>
-          </p:cNvPr>
-          <p:cNvSpPr>
-            <a:spLocks noGrp="1"/>
-          </p:cNvSpPr>
-          <p:nvPr>
-            <p:ph type="title"/>
-          </p:nvPr>
-        </p:nvSpPr>
-        <p:spPr/>
-        <p:txBody>
-          <a:bodyPr/>
-          <a:lstStyle/>
-          <a:p>
-            <a:pPr algn="r" rtl="1"/>
-            <a:r>
-              <a:rPr lang="fa-IR" dirty="0">
-                <a:latin typeface="IRTitr" panose="02000506000000020002" pitchFamily="2" charset="-78"/>
-                <a:cs typeface="IRTitr" panose="02000506000000020002" pitchFamily="2" charset="-78"/>
-              </a:rPr>
               <a:t>مثال</a:t>
             </a:r>
             <a:endParaRPr lang="en-US" dirty="0">
@@ -14795,7 +22204,7 @@
 </p:sld>
 </file>
 
-<file path=ppt/slides/slide21.xml><?xml version="1.0" encoding="utf-8"?>
+<file path=ppt/slides/slide29.xml><?xml version="1.0" encoding="utf-8"?>
 <p:sld xmlns:a="http://schemas.openxmlformats.org/drawingml/2006/main" xmlns:r="http://schemas.openxmlformats.org/officeDocument/2006/relationships" xmlns:p="http://schemas.openxmlformats.org/presentationml/2006/main">
   <p:cSld>
     <p:spTree>
